--- a/Presintation.pptx
+++ b/Presintation.pptx
@@ -4,12 +4,17 @@
   <p:sldMasterIdLst>
     <p:sldMasterId id="2147483648" r:id="rId1"/>
   </p:sldMasterIdLst>
+  <p:notesMasterIdLst>
+    <p:notesMasterId r:id="rId9"/>
+  </p:notesMasterIdLst>
   <p:sldIdLst>
     <p:sldId id="256" r:id="rId2"/>
-    <p:sldId id="257" r:id="rId3"/>
-    <p:sldId id="258" r:id="rId4"/>
-    <p:sldId id="259" r:id="rId5"/>
-    <p:sldId id="260" r:id="rId6"/>
+    <p:sldId id="261" r:id="rId3"/>
+    <p:sldId id="263" r:id="rId4"/>
+    <p:sldId id="257" r:id="rId5"/>
+    <p:sldId id="258" r:id="rId6"/>
+    <p:sldId id="259" r:id="rId7"/>
+    <p:sldId id="260" r:id="rId8"/>
   </p:sldIdLst>
   <p:sldSz cx="12192000" cy="6858000"/>
   <p:notesSz cx="6858000" cy="9144000"/>
@@ -125,6 +130,524 @@
     </p:ext>
   </p:extLst>
 </p:presentation>
+</file>
+
+<file path=ppt/notesMasters/notesMaster1.xml><?xml version="1.0" encoding="utf-8"?>
+<p:notesMaster xmlns:a="http://schemas.openxmlformats.org/drawingml/2006/main" xmlns:r="http://schemas.openxmlformats.org/officeDocument/2006/relationships" xmlns:p="http://schemas.openxmlformats.org/presentationml/2006/main">
+  <p:cSld>
+    <p:bg>
+      <p:bgRef idx="1001">
+        <a:schemeClr val="bg1"/>
+      </p:bgRef>
+    </p:bg>
+    <p:spTree>
+      <p:nvGrpSpPr>
+        <p:cNvPr id="1" name=""/>
+        <p:cNvGrpSpPr/>
+        <p:nvPr/>
+      </p:nvGrpSpPr>
+      <p:grpSpPr>
+        <a:xfrm>
+          <a:off x="0" y="0"/>
+          <a:ext cx="0" cy="0"/>
+          <a:chOff x="0" y="0"/>
+          <a:chExt cx="0" cy="0"/>
+        </a:xfrm>
+      </p:grpSpPr>
+      <p:sp>
+        <p:nvSpPr>
+          <p:cNvPr id="2" name="Верхний колонтитул 1"/>
+          <p:cNvSpPr>
+            <a:spLocks noGrp="1"/>
+          </p:cNvSpPr>
+          <p:nvPr>
+            <p:ph type="hdr" sz="quarter"/>
+          </p:nvPr>
+        </p:nvSpPr>
+        <p:spPr>
+          <a:xfrm>
+            <a:off x="0" y="0"/>
+            <a:ext cx="2971800" cy="458788"/>
+          </a:xfrm>
+          <a:prstGeom prst="rect">
+            <a:avLst/>
+          </a:prstGeom>
+        </p:spPr>
+        <p:txBody>
+          <a:bodyPr vert="horz" lIns="91440" tIns="45720" rIns="91440" bIns="45720" rtlCol="0"/>
+          <a:lstStyle>
+            <a:lvl1pPr algn="l">
+              <a:defRPr sz="1200"/>
+            </a:lvl1pPr>
+          </a:lstStyle>
+          <a:p>
+            <a:endParaRPr lang="ru-KZ"/>
+          </a:p>
+        </p:txBody>
+      </p:sp>
+      <p:sp>
+        <p:nvSpPr>
+          <p:cNvPr id="3" name="Дата 2"/>
+          <p:cNvSpPr>
+            <a:spLocks noGrp="1"/>
+          </p:cNvSpPr>
+          <p:nvPr>
+            <p:ph type="dt" idx="1"/>
+          </p:nvPr>
+        </p:nvSpPr>
+        <p:spPr>
+          <a:xfrm>
+            <a:off x="3884613" y="0"/>
+            <a:ext cx="2971800" cy="458788"/>
+          </a:xfrm>
+          <a:prstGeom prst="rect">
+            <a:avLst/>
+          </a:prstGeom>
+        </p:spPr>
+        <p:txBody>
+          <a:bodyPr vert="horz" lIns="91440" tIns="45720" rIns="91440" bIns="45720" rtlCol="0"/>
+          <a:lstStyle>
+            <a:lvl1pPr algn="r">
+              <a:defRPr sz="1200"/>
+            </a:lvl1pPr>
+          </a:lstStyle>
+          <a:p>
+            <a:fld id="{1F5FC99C-F808-4F2E-8976-1438F97B38A9}" type="datetimeFigureOut">
+              <a:rPr lang="ru-KZ" smtClean="0"/>
+              <a:t>08.10.2023</a:t>
+            </a:fld>
+            <a:endParaRPr lang="ru-KZ"/>
+          </a:p>
+        </p:txBody>
+      </p:sp>
+      <p:sp>
+        <p:nvSpPr>
+          <p:cNvPr id="4" name="Образ слайда 3"/>
+          <p:cNvSpPr>
+            <a:spLocks noGrp="1" noRot="1" noChangeAspect="1"/>
+          </p:cNvSpPr>
+          <p:nvPr>
+            <p:ph type="sldImg" idx="2"/>
+          </p:nvPr>
+        </p:nvSpPr>
+        <p:spPr>
+          <a:xfrm>
+            <a:off x="685800" y="1143000"/>
+            <a:ext cx="5486400" cy="3086100"/>
+          </a:xfrm>
+          <a:prstGeom prst="rect">
+            <a:avLst/>
+          </a:prstGeom>
+          <a:noFill/>
+          <a:ln w="12700">
+            <a:solidFill>
+              <a:prstClr val="black"/>
+            </a:solidFill>
+          </a:ln>
+        </p:spPr>
+        <p:txBody>
+          <a:bodyPr vert="horz" lIns="91440" tIns="45720" rIns="91440" bIns="45720" rtlCol="0" anchor="ctr"/>
+          <a:lstStyle/>
+          <a:p>
+            <a:endParaRPr lang="ru-KZ"/>
+          </a:p>
+        </p:txBody>
+      </p:sp>
+      <p:sp>
+        <p:nvSpPr>
+          <p:cNvPr id="5" name="Заметки 4"/>
+          <p:cNvSpPr>
+            <a:spLocks noGrp="1"/>
+          </p:cNvSpPr>
+          <p:nvPr>
+            <p:ph type="body" sz="quarter" idx="3"/>
+          </p:nvPr>
+        </p:nvSpPr>
+        <p:spPr>
+          <a:xfrm>
+            <a:off x="685800" y="4400550"/>
+            <a:ext cx="5486400" cy="3600450"/>
+          </a:xfrm>
+          <a:prstGeom prst="rect">
+            <a:avLst/>
+          </a:prstGeom>
+        </p:spPr>
+        <p:txBody>
+          <a:bodyPr vert="horz" lIns="91440" tIns="45720" rIns="91440" bIns="45720" rtlCol="0"/>
+          <a:lstStyle/>
+          <a:p>
+            <a:pPr lvl="0"/>
+            <a:r>
+              <a:rPr lang="ru-RU"/>
+              <a:t>Образец текста</a:t>
+            </a:r>
+          </a:p>
+          <a:p>
+            <a:pPr lvl="1"/>
+            <a:r>
+              <a:rPr lang="ru-RU"/>
+              <a:t>Второй уровень</a:t>
+            </a:r>
+          </a:p>
+          <a:p>
+            <a:pPr lvl="2"/>
+            <a:r>
+              <a:rPr lang="ru-RU"/>
+              <a:t>Третий уровень</a:t>
+            </a:r>
+          </a:p>
+          <a:p>
+            <a:pPr lvl="3"/>
+            <a:r>
+              <a:rPr lang="ru-RU"/>
+              <a:t>Четвертый уровень</a:t>
+            </a:r>
+          </a:p>
+          <a:p>
+            <a:pPr lvl="4"/>
+            <a:r>
+              <a:rPr lang="ru-RU"/>
+              <a:t>Пятый уровень</a:t>
+            </a:r>
+            <a:endParaRPr lang="ru-KZ"/>
+          </a:p>
+        </p:txBody>
+      </p:sp>
+      <p:sp>
+        <p:nvSpPr>
+          <p:cNvPr id="6" name="Нижний колонтитул 5"/>
+          <p:cNvSpPr>
+            <a:spLocks noGrp="1"/>
+          </p:cNvSpPr>
+          <p:nvPr>
+            <p:ph type="ftr" sz="quarter" idx="4"/>
+          </p:nvPr>
+        </p:nvSpPr>
+        <p:spPr>
+          <a:xfrm>
+            <a:off x="0" y="8685213"/>
+            <a:ext cx="2971800" cy="458787"/>
+          </a:xfrm>
+          <a:prstGeom prst="rect">
+            <a:avLst/>
+          </a:prstGeom>
+        </p:spPr>
+        <p:txBody>
+          <a:bodyPr vert="horz" lIns="91440" tIns="45720" rIns="91440" bIns="45720" rtlCol="0" anchor="b"/>
+          <a:lstStyle>
+            <a:lvl1pPr algn="l">
+              <a:defRPr sz="1200"/>
+            </a:lvl1pPr>
+          </a:lstStyle>
+          <a:p>
+            <a:endParaRPr lang="ru-KZ"/>
+          </a:p>
+        </p:txBody>
+      </p:sp>
+      <p:sp>
+        <p:nvSpPr>
+          <p:cNvPr id="7" name="Номер слайда 6"/>
+          <p:cNvSpPr>
+            <a:spLocks noGrp="1"/>
+          </p:cNvSpPr>
+          <p:nvPr>
+            <p:ph type="sldNum" sz="quarter" idx="5"/>
+          </p:nvPr>
+        </p:nvSpPr>
+        <p:spPr>
+          <a:xfrm>
+            <a:off x="3884613" y="8685213"/>
+            <a:ext cx="2971800" cy="458787"/>
+          </a:xfrm>
+          <a:prstGeom prst="rect">
+            <a:avLst/>
+          </a:prstGeom>
+        </p:spPr>
+        <p:txBody>
+          <a:bodyPr vert="horz" lIns="91440" tIns="45720" rIns="91440" bIns="45720" rtlCol="0" anchor="b"/>
+          <a:lstStyle>
+            <a:lvl1pPr algn="r">
+              <a:defRPr sz="1200"/>
+            </a:lvl1pPr>
+          </a:lstStyle>
+          <a:p>
+            <a:fld id="{00E11B4B-FF5E-4290-97FF-B8BF1F77E175}" type="slidenum">
+              <a:rPr lang="ru-KZ" smtClean="0"/>
+              <a:t>‹#›</a:t>
+            </a:fld>
+            <a:endParaRPr lang="ru-KZ"/>
+          </a:p>
+        </p:txBody>
+      </p:sp>
+    </p:spTree>
+    <p:extLst>
+      <p:ext uri="{BB962C8B-B14F-4D97-AF65-F5344CB8AC3E}">
+        <p14:creationId xmlns:p14="http://schemas.microsoft.com/office/powerpoint/2010/main" val="2693898638"/>
+      </p:ext>
+    </p:extLst>
+  </p:cSld>
+  <p:clrMap bg1="lt1" tx1="dk1" bg2="lt2" tx2="dk2" accent1="accent1" accent2="accent2" accent3="accent3" accent4="accent4" accent5="accent5" accent6="accent6" hlink="hlink" folHlink="folHlink"/>
+  <p:notesStyle>
+    <a:lvl1pPr marL="0" algn="l" defTabSz="914400" rtl="0" eaLnBrk="1" latinLnBrk="0" hangingPunct="1">
+      <a:defRPr sz="1200" kern="1200">
+        <a:solidFill>
+          <a:schemeClr val="tx1"/>
+        </a:solidFill>
+        <a:latin typeface="+mn-lt"/>
+        <a:ea typeface="+mn-ea"/>
+        <a:cs typeface="+mn-cs"/>
+      </a:defRPr>
+    </a:lvl1pPr>
+    <a:lvl2pPr marL="457200" algn="l" defTabSz="914400" rtl="0" eaLnBrk="1" latinLnBrk="0" hangingPunct="1">
+      <a:defRPr sz="1200" kern="1200">
+        <a:solidFill>
+          <a:schemeClr val="tx1"/>
+        </a:solidFill>
+        <a:latin typeface="+mn-lt"/>
+        <a:ea typeface="+mn-ea"/>
+        <a:cs typeface="+mn-cs"/>
+      </a:defRPr>
+    </a:lvl2pPr>
+    <a:lvl3pPr marL="914400" algn="l" defTabSz="914400" rtl="0" eaLnBrk="1" latinLnBrk="0" hangingPunct="1">
+      <a:defRPr sz="1200" kern="1200">
+        <a:solidFill>
+          <a:schemeClr val="tx1"/>
+        </a:solidFill>
+        <a:latin typeface="+mn-lt"/>
+        <a:ea typeface="+mn-ea"/>
+        <a:cs typeface="+mn-cs"/>
+      </a:defRPr>
+    </a:lvl3pPr>
+    <a:lvl4pPr marL="1371600" algn="l" defTabSz="914400" rtl="0" eaLnBrk="1" latinLnBrk="0" hangingPunct="1">
+      <a:defRPr sz="1200" kern="1200">
+        <a:solidFill>
+          <a:schemeClr val="tx1"/>
+        </a:solidFill>
+        <a:latin typeface="+mn-lt"/>
+        <a:ea typeface="+mn-ea"/>
+        <a:cs typeface="+mn-cs"/>
+      </a:defRPr>
+    </a:lvl4pPr>
+    <a:lvl5pPr marL="1828800" algn="l" defTabSz="914400" rtl="0" eaLnBrk="1" latinLnBrk="0" hangingPunct="1">
+      <a:defRPr sz="1200" kern="1200">
+        <a:solidFill>
+          <a:schemeClr val="tx1"/>
+        </a:solidFill>
+        <a:latin typeface="+mn-lt"/>
+        <a:ea typeface="+mn-ea"/>
+        <a:cs typeface="+mn-cs"/>
+      </a:defRPr>
+    </a:lvl5pPr>
+    <a:lvl6pPr marL="2286000" algn="l" defTabSz="914400" rtl="0" eaLnBrk="1" latinLnBrk="0" hangingPunct="1">
+      <a:defRPr sz="1200" kern="1200">
+        <a:solidFill>
+          <a:schemeClr val="tx1"/>
+        </a:solidFill>
+        <a:latin typeface="+mn-lt"/>
+        <a:ea typeface="+mn-ea"/>
+        <a:cs typeface="+mn-cs"/>
+      </a:defRPr>
+    </a:lvl6pPr>
+    <a:lvl7pPr marL="2743200" algn="l" defTabSz="914400" rtl="0" eaLnBrk="1" latinLnBrk="0" hangingPunct="1">
+      <a:defRPr sz="1200" kern="1200">
+        <a:solidFill>
+          <a:schemeClr val="tx1"/>
+        </a:solidFill>
+        <a:latin typeface="+mn-lt"/>
+        <a:ea typeface="+mn-ea"/>
+        <a:cs typeface="+mn-cs"/>
+      </a:defRPr>
+    </a:lvl7pPr>
+    <a:lvl8pPr marL="3200400" algn="l" defTabSz="914400" rtl="0" eaLnBrk="1" latinLnBrk="0" hangingPunct="1">
+      <a:defRPr sz="1200" kern="1200">
+        <a:solidFill>
+          <a:schemeClr val="tx1"/>
+        </a:solidFill>
+        <a:latin typeface="+mn-lt"/>
+        <a:ea typeface="+mn-ea"/>
+        <a:cs typeface="+mn-cs"/>
+      </a:defRPr>
+    </a:lvl8pPr>
+    <a:lvl9pPr marL="3657600" algn="l" defTabSz="914400" rtl="0" eaLnBrk="1" latinLnBrk="0" hangingPunct="1">
+      <a:defRPr sz="1200" kern="1200">
+        <a:solidFill>
+          <a:schemeClr val="tx1"/>
+        </a:solidFill>
+        <a:latin typeface="+mn-lt"/>
+        <a:ea typeface="+mn-ea"/>
+        <a:cs typeface="+mn-cs"/>
+      </a:defRPr>
+    </a:lvl9pPr>
+  </p:notesStyle>
+</p:notesMaster>
+</file>
+
+<file path=ppt/notesSlides/notesSlide1.xml><?xml version="1.0" encoding="utf-8"?>
+<p:notes xmlns:a="http://schemas.openxmlformats.org/drawingml/2006/main" xmlns:r="http://schemas.openxmlformats.org/officeDocument/2006/relationships" xmlns:p="http://schemas.openxmlformats.org/presentationml/2006/main">
+  <p:cSld>
+    <p:spTree>
+      <p:nvGrpSpPr>
+        <p:cNvPr id="1" name=""/>
+        <p:cNvGrpSpPr/>
+        <p:nvPr/>
+      </p:nvGrpSpPr>
+      <p:grpSpPr>
+        <a:xfrm>
+          <a:off x="0" y="0"/>
+          <a:ext cx="0" cy="0"/>
+          <a:chOff x="0" y="0"/>
+          <a:chExt cx="0" cy="0"/>
+        </a:xfrm>
+      </p:grpSpPr>
+      <p:sp>
+        <p:nvSpPr>
+          <p:cNvPr id="2" name="Образ слайда 1"/>
+          <p:cNvSpPr>
+            <a:spLocks noGrp="1" noRot="1" noChangeAspect="1"/>
+          </p:cNvSpPr>
+          <p:nvPr>
+            <p:ph type="sldImg"/>
+          </p:nvPr>
+        </p:nvSpPr>
+        <p:spPr/>
+      </p:sp>
+      <p:sp>
+        <p:nvSpPr>
+          <p:cNvPr id="3" name="Заметки 2"/>
+          <p:cNvSpPr>
+            <a:spLocks noGrp="1"/>
+          </p:cNvSpPr>
+          <p:nvPr>
+            <p:ph type="body" idx="1"/>
+          </p:nvPr>
+        </p:nvSpPr>
+        <p:spPr/>
+        <p:txBody>
+          <a:bodyPr/>
+          <a:lstStyle/>
+          <a:p>
+            <a:endParaRPr lang="ru-KZ" dirty="0"/>
+          </a:p>
+        </p:txBody>
+      </p:sp>
+      <p:sp>
+        <p:nvSpPr>
+          <p:cNvPr id="4" name="Номер слайда 3"/>
+          <p:cNvSpPr>
+            <a:spLocks noGrp="1"/>
+          </p:cNvSpPr>
+          <p:nvPr>
+            <p:ph type="sldNum" sz="quarter" idx="5"/>
+          </p:nvPr>
+        </p:nvSpPr>
+        <p:spPr/>
+        <p:txBody>
+          <a:bodyPr/>
+          <a:lstStyle/>
+          <a:p>
+            <a:fld id="{00E11B4B-FF5E-4290-97FF-B8BF1F77E175}" type="slidenum">
+              <a:rPr lang="ru-KZ" smtClean="0"/>
+              <a:t>1</a:t>
+            </a:fld>
+            <a:endParaRPr lang="ru-KZ"/>
+          </a:p>
+        </p:txBody>
+      </p:sp>
+    </p:spTree>
+    <p:extLst>
+      <p:ext uri="{BB962C8B-B14F-4D97-AF65-F5344CB8AC3E}">
+        <p14:creationId xmlns:p14="http://schemas.microsoft.com/office/powerpoint/2010/main" val="2347634416"/>
+      </p:ext>
+    </p:extLst>
+  </p:cSld>
+  <p:clrMapOvr>
+    <a:masterClrMapping/>
+  </p:clrMapOvr>
+</p:notes>
+</file>
+
+<file path=ppt/notesSlides/notesSlide2.xml><?xml version="1.0" encoding="utf-8"?>
+<p:notes xmlns:a="http://schemas.openxmlformats.org/drawingml/2006/main" xmlns:r="http://schemas.openxmlformats.org/officeDocument/2006/relationships" xmlns:p="http://schemas.openxmlformats.org/presentationml/2006/main">
+  <p:cSld>
+    <p:spTree>
+      <p:nvGrpSpPr>
+        <p:cNvPr id="1" name=""/>
+        <p:cNvGrpSpPr/>
+        <p:nvPr/>
+      </p:nvGrpSpPr>
+      <p:grpSpPr>
+        <a:xfrm>
+          <a:off x="0" y="0"/>
+          <a:ext cx="0" cy="0"/>
+          <a:chOff x="0" y="0"/>
+          <a:chExt cx="0" cy="0"/>
+        </a:xfrm>
+      </p:grpSpPr>
+      <p:sp>
+        <p:nvSpPr>
+          <p:cNvPr id="2" name="Образ слайда 1"/>
+          <p:cNvSpPr>
+            <a:spLocks noGrp="1" noRot="1" noChangeAspect="1"/>
+          </p:cNvSpPr>
+          <p:nvPr>
+            <p:ph type="sldImg"/>
+          </p:nvPr>
+        </p:nvSpPr>
+        <p:spPr/>
+      </p:sp>
+      <p:sp>
+        <p:nvSpPr>
+          <p:cNvPr id="3" name="Заметки 2"/>
+          <p:cNvSpPr>
+            <a:spLocks noGrp="1"/>
+          </p:cNvSpPr>
+          <p:nvPr>
+            <p:ph type="body" idx="1"/>
+          </p:nvPr>
+        </p:nvSpPr>
+        <p:spPr/>
+        <p:txBody>
+          <a:bodyPr/>
+          <a:lstStyle/>
+          <a:p>
+            <a:endParaRPr lang="ru-KZ" dirty="0"/>
+          </a:p>
+        </p:txBody>
+      </p:sp>
+      <p:sp>
+        <p:nvSpPr>
+          <p:cNvPr id="4" name="Номер слайда 3"/>
+          <p:cNvSpPr>
+            <a:spLocks noGrp="1"/>
+          </p:cNvSpPr>
+          <p:nvPr>
+            <p:ph type="sldNum" sz="quarter" idx="5"/>
+          </p:nvPr>
+        </p:nvSpPr>
+        <p:spPr/>
+        <p:txBody>
+          <a:bodyPr/>
+          <a:lstStyle/>
+          <a:p>
+            <a:fld id="{00E11B4B-FF5E-4290-97FF-B8BF1F77E175}" type="slidenum">
+              <a:rPr lang="ru-KZ" smtClean="0"/>
+              <a:t>4</a:t>
+            </a:fld>
+            <a:endParaRPr lang="ru-KZ"/>
+          </a:p>
+        </p:txBody>
+      </p:sp>
+    </p:spTree>
+    <p:extLst>
+      <p:ext uri="{BB962C8B-B14F-4D97-AF65-F5344CB8AC3E}">
+        <p14:creationId xmlns:p14="http://schemas.microsoft.com/office/powerpoint/2010/main" val="2741726652"/>
+      </p:ext>
+    </p:extLst>
+  </p:cSld>
+  <p:clrMapOvr>
+    <a:masterClrMapping/>
+  </p:clrMapOvr>
+</p:notes>
 </file>
 
 <file path=ppt/slideLayouts/slideLayout1.xml><?xml version="1.0" encoding="utf-8"?>
@@ -3372,10 +3895,10 @@
       </p:grpSpPr>
       <p:sp>
         <p:nvSpPr>
-          <p:cNvPr id="4" name="Овал 3">
-            <a:extLst>
-              <a:ext uri="{FF2B5EF4-FFF2-40B4-BE49-F238E27FC236}">
-                <a16:creationId xmlns:a16="http://schemas.microsoft.com/office/drawing/2014/main" id="{30410C27-559F-A5A6-A7D8-4E63C0D678C6}"/>
+          <p:cNvPr id="11" name="Прямоугольник 10">
+            <a:extLst>
+              <a:ext uri="{FF2B5EF4-FFF2-40B4-BE49-F238E27FC236}">
+                <a16:creationId xmlns:a16="http://schemas.microsoft.com/office/drawing/2014/main" id="{E58DB884-59C7-023C-228F-FC5CE4C4ABBF}"/>
               </a:ext>
             </a:extLst>
           </p:cNvPr>
@@ -3384,14 +3907,14 @@
         </p:nvSpPr>
         <p:spPr>
           <a:xfrm>
-            <a:off x="-1122947" y="3429000"/>
-            <a:ext cx="5293894" cy="5293894"/>
-          </a:xfrm>
-          <a:prstGeom prst="ellipse">
+            <a:off x="3206320" y="1"/>
+            <a:ext cx="489304" cy="3460986"/>
+          </a:xfrm>
+          <a:prstGeom prst="rect">
             <a:avLst/>
           </a:prstGeom>
           <a:solidFill>
-            <a:srgbClr val="4671D5"/>
+            <a:srgbClr val="1240AB"/>
           </a:solidFill>
           <a:ln>
             <a:noFill/>
@@ -3424,10 +3947,10 @@
       </p:sp>
       <p:sp>
         <p:nvSpPr>
-          <p:cNvPr id="5" name="Овал 4">
-            <a:extLst>
-              <a:ext uri="{FF2B5EF4-FFF2-40B4-BE49-F238E27FC236}">
-                <a16:creationId xmlns:a16="http://schemas.microsoft.com/office/drawing/2014/main" id="{78D0EDE3-F214-9623-A228-10EFBBDC97E0}"/>
+          <p:cNvPr id="3" name="Прямоугольник 2">
+            <a:extLst>
+              <a:ext uri="{FF2B5EF4-FFF2-40B4-BE49-F238E27FC236}">
+                <a16:creationId xmlns:a16="http://schemas.microsoft.com/office/drawing/2014/main" id="{D6A71A31-920E-2C65-9390-7FC772B1B9D0}"/>
               </a:ext>
             </a:extLst>
           </p:cNvPr>
@@ -3436,14 +3959,14 @@
         </p:nvSpPr>
         <p:spPr>
           <a:xfrm>
-            <a:off x="8579853" y="-1864894"/>
-            <a:ext cx="5293894" cy="5293894"/>
-          </a:xfrm>
-          <a:prstGeom prst="ellipse">
+            <a:off x="3252116" y="3899231"/>
+            <a:ext cx="489304" cy="2958769"/>
+          </a:xfrm>
+          <a:prstGeom prst="rect">
             <a:avLst/>
           </a:prstGeom>
           <a:solidFill>
-            <a:srgbClr val="4671D5"/>
+            <a:srgbClr val="1240AB"/>
           </a:solidFill>
           <a:ln>
             <a:noFill/>
@@ -3476,10 +3999,10 @@
       </p:sp>
       <p:sp>
         <p:nvSpPr>
-          <p:cNvPr id="6" name="Овал 5">
-            <a:extLst>
-              <a:ext uri="{FF2B5EF4-FFF2-40B4-BE49-F238E27FC236}">
-                <a16:creationId xmlns:a16="http://schemas.microsoft.com/office/drawing/2014/main" id="{686A89E8-9913-1658-62F0-13AB5647B300}"/>
+          <p:cNvPr id="4" name="Овал 3">
+            <a:extLst>
+              <a:ext uri="{FF2B5EF4-FFF2-40B4-BE49-F238E27FC236}">
+                <a16:creationId xmlns:a16="http://schemas.microsoft.com/office/drawing/2014/main" id="{30410C27-559F-A5A6-A7D8-4E63C0D678C6}"/>
               </a:ext>
             </a:extLst>
           </p:cNvPr>
@@ -3488,14 +4011,14 @@
         </p:nvSpPr>
         <p:spPr>
           <a:xfrm>
-            <a:off x="-521368" y="3695700"/>
+            <a:off x="-1122947" y="3429000"/>
             <a:ext cx="5293894" cy="5293894"/>
           </a:xfrm>
           <a:prstGeom prst="ellipse">
             <a:avLst/>
           </a:prstGeom>
           <a:solidFill>
-            <a:srgbClr val="6C8CD5"/>
+            <a:srgbClr val="4671D5"/>
           </a:solidFill>
           <a:ln>
             <a:noFill/>
@@ -3528,10 +4051,10 @@
       </p:sp>
       <p:sp>
         <p:nvSpPr>
-          <p:cNvPr id="7" name="Овал 6">
-            <a:extLst>
-              <a:ext uri="{FF2B5EF4-FFF2-40B4-BE49-F238E27FC236}">
-                <a16:creationId xmlns:a16="http://schemas.microsoft.com/office/drawing/2014/main" id="{E5038763-0501-A4C5-A4B0-B45D98054E48}"/>
+          <p:cNvPr id="5" name="Овал 4">
+            <a:extLst>
+              <a:ext uri="{FF2B5EF4-FFF2-40B4-BE49-F238E27FC236}">
+                <a16:creationId xmlns:a16="http://schemas.microsoft.com/office/drawing/2014/main" id="{78D0EDE3-F214-9623-A228-10EFBBDC97E0}"/>
               </a:ext>
             </a:extLst>
           </p:cNvPr>
@@ -3540,14 +4063,14 @@
         </p:nvSpPr>
         <p:spPr>
           <a:xfrm>
-            <a:off x="8912728" y="-1470662"/>
+            <a:off x="8579853" y="-1864894"/>
             <a:ext cx="5293894" cy="5293894"/>
           </a:xfrm>
           <a:prstGeom prst="ellipse">
             <a:avLst/>
           </a:prstGeom>
           <a:solidFill>
-            <a:srgbClr val="6C8CD5"/>
+            <a:srgbClr val="4671D5"/>
           </a:solidFill>
           <a:ln>
             <a:noFill/>
@@ -3580,6 +4103,110 @@
       </p:sp>
       <p:sp>
         <p:nvSpPr>
+          <p:cNvPr id="6" name="Овал 5">
+            <a:extLst>
+              <a:ext uri="{FF2B5EF4-FFF2-40B4-BE49-F238E27FC236}">
+                <a16:creationId xmlns:a16="http://schemas.microsoft.com/office/drawing/2014/main" id="{686A89E8-9913-1658-62F0-13AB5647B300}"/>
+              </a:ext>
+            </a:extLst>
+          </p:cNvPr>
+          <p:cNvSpPr/>
+          <p:nvPr/>
+        </p:nvSpPr>
+        <p:spPr>
+          <a:xfrm>
+            <a:off x="-521368" y="3695700"/>
+            <a:ext cx="5293894" cy="5293894"/>
+          </a:xfrm>
+          <a:prstGeom prst="ellipse">
+            <a:avLst/>
+          </a:prstGeom>
+          <a:solidFill>
+            <a:srgbClr val="6C8CD5"/>
+          </a:solidFill>
+          <a:ln>
+            <a:noFill/>
+          </a:ln>
+        </p:spPr>
+        <p:style>
+          <a:lnRef idx="2">
+            <a:schemeClr val="accent1">
+              <a:shade val="15000"/>
+            </a:schemeClr>
+          </a:lnRef>
+          <a:fillRef idx="1">
+            <a:schemeClr val="accent1"/>
+          </a:fillRef>
+          <a:effectRef idx="0">
+            <a:schemeClr val="accent1"/>
+          </a:effectRef>
+          <a:fontRef idx="minor">
+            <a:schemeClr val="lt1"/>
+          </a:fontRef>
+        </p:style>
+        <p:txBody>
+          <a:bodyPr rtlCol="0" anchor="ctr"/>
+          <a:lstStyle/>
+          <a:p>
+            <a:pPr algn="ctr"/>
+            <a:endParaRPr lang="ru-KZ"/>
+          </a:p>
+        </p:txBody>
+      </p:sp>
+      <p:sp>
+        <p:nvSpPr>
+          <p:cNvPr id="7" name="Овал 6">
+            <a:extLst>
+              <a:ext uri="{FF2B5EF4-FFF2-40B4-BE49-F238E27FC236}">
+                <a16:creationId xmlns:a16="http://schemas.microsoft.com/office/drawing/2014/main" id="{E5038763-0501-A4C5-A4B0-B45D98054E48}"/>
+              </a:ext>
+            </a:extLst>
+          </p:cNvPr>
+          <p:cNvSpPr/>
+          <p:nvPr/>
+        </p:nvSpPr>
+        <p:spPr>
+          <a:xfrm>
+            <a:off x="8912728" y="-1470662"/>
+            <a:ext cx="5293894" cy="5293894"/>
+          </a:xfrm>
+          <a:prstGeom prst="ellipse">
+            <a:avLst/>
+          </a:prstGeom>
+          <a:solidFill>
+            <a:srgbClr val="6C8CD5"/>
+          </a:solidFill>
+          <a:ln>
+            <a:noFill/>
+          </a:ln>
+        </p:spPr>
+        <p:style>
+          <a:lnRef idx="2">
+            <a:schemeClr val="accent1">
+              <a:shade val="15000"/>
+            </a:schemeClr>
+          </a:lnRef>
+          <a:fillRef idx="1">
+            <a:schemeClr val="accent1"/>
+          </a:fillRef>
+          <a:effectRef idx="0">
+            <a:schemeClr val="accent1"/>
+          </a:effectRef>
+          <a:fontRef idx="minor">
+            <a:schemeClr val="lt1"/>
+          </a:fontRef>
+        </p:style>
+        <p:txBody>
+          <a:bodyPr rtlCol="0" anchor="ctr"/>
+          <a:lstStyle/>
+          <a:p>
+            <a:pPr algn="ctr"/>
+            <a:endParaRPr lang="ru-KZ"/>
+          </a:p>
+        </p:txBody>
+      </p:sp>
+      <p:sp>
+        <p:nvSpPr>
           <p:cNvPr id="2" name="Заголовок 1">
             <a:extLst>
               <a:ext uri="{FF2B5EF4-FFF2-40B4-BE49-F238E27FC236}">
@@ -3777,11 +4404,11 @@
           <p:nvPr/>
         </p:nvPicPr>
         <p:blipFill>
-          <a:blip r:embed="rId2">
+          <a:blip r:embed="rId3">
             <a:extLst>
               <a:ext uri="{BEBA8EAE-BF5A-486C-A8C5-ECC9F3942E4B}">
                 <a14:imgProps xmlns:a14="http://schemas.microsoft.com/office/drawing/2010/main">
-                  <a14:imgLayer r:embed="rId3">
+                  <a14:imgLayer r:embed="rId4">
                     <a14:imgEffect>
                       <a14:brightnessContrast bright="100000" contrast="-40000"/>
                     </a14:imgEffect>
@@ -3808,6 +4435,73 @@
           <a:noFill/>
         </p:spPr>
       </p:pic>
+      <p:sp>
+        <p:nvSpPr>
+          <p:cNvPr id="12" name="Заголовок 1">
+            <a:extLst>
+              <a:ext uri="{FF2B5EF4-FFF2-40B4-BE49-F238E27FC236}">
+                <a16:creationId xmlns:a16="http://schemas.microsoft.com/office/drawing/2014/main" id="{C03D8FD3-9376-0BEB-49AB-5982F5D1C9DB}"/>
+              </a:ext>
+            </a:extLst>
+          </p:cNvPr>
+          <p:cNvSpPr txBox="1">
+            <a:spLocks/>
+          </p:cNvSpPr>
+          <p:nvPr/>
+        </p:nvSpPr>
+        <p:spPr>
+          <a:xfrm>
+            <a:off x="0" y="6915798"/>
+            <a:ext cx="12080117" cy="2387600"/>
+          </a:xfrm>
+          <a:prstGeom prst="rect">
+            <a:avLst/>
+          </a:prstGeom>
+        </p:spPr>
+        <p:txBody>
+          <a:bodyPr vert="horz" lIns="91440" tIns="45720" rIns="91440" bIns="45720" rtlCol="0" anchor="b">
+            <a:normAutofit/>
+          </a:bodyPr>
+          <a:lstStyle>
+            <a:lvl1pPr algn="ctr" defTabSz="914400" rtl="0" eaLnBrk="1" latinLnBrk="0" hangingPunct="1">
+              <a:lnSpc>
+                <a:spcPct val="90000"/>
+              </a:lnSpc>
+              <a:spcBef>
+                <a:spcPct val="0"/>
+              </a:spcBef>
+              <a:buNone/>
+              <a:defRPr sz="6000" kern="1200">
+                <a:solidFill>
+                  <a:schemeClr val="tx1"/>
+                </a:solidFill>
+                <a:latin typeface="+mj-lt"/>
+                <a:ea typeface="+mj-ea"/>
+                <a:cs typeface="+mj-cs"/>
+              </a:defRPr>
+            </a:lvl1pPr>
+          </a:lstStyle>
+          <a:p>
+            <a:r>
+              <a:rPr lang="en-US" sz="4000" dirty="0">
+                <a:solidFill>
+                  <a:schemeClr val="bg1"/>
+                </a:solidFill>
+                <a:latin typeface="Segoe UI Black" panose="020B0A02040204020203" pitchFamily="34" charset="0"/>
+                <a:ea typeface="Segoe UI Black" panose="020B0A02040204020203" pitchFamily="34" charset="0"/>
+              </a:rPr>
+              <a:t>There is a       million of metric coarse dust on the Earth</a:t>
+            </a:r>
+            <a:endParaRPr lang="ru-KZ" sz="4000" dirty="0">
+              <a:solidFill>
+                <a:schemeClr val="bg1"/>
+              </a:solidFill>
+              <a:latin typeface="Segoe UI Black" panose="020B0A02040204020203" pitchFamily="34" charset="0"/>
+              <a:ea typeface="Segoe UI Black" panose="020B0A02040204020203" pitchFamily="34" charset="0"/>
+            </a:endParaRPr>
+          </a:p>
+        </p:txBody>
+      </p:sp>
     </p:spTree>
     <p:extLst>
       <p:ext uri="{BB962C8B-B14F-4D97-AF65-F5344CB8AC3E}">
@@ -3848,10 +4542,401 @@
       </p:grpSpPr>
       <p:sp>
         <p:nvSpPr>
-          <p:cNvPr id="4" name="Овал 3">
-            <a:extLst>
-              <a:ext uri="{FF2B5EF4-FFF2-40B4-BE49-F238E27FC236}">
-                <a16:creationId xmlns:a16="http://schemas.microsoft.com/office/drawing/2014/main" id="{30410C27-559F-A5A6-A7D8-4E63C0D678C6}"/>
+          <p:cNvPr id="19" name="TextBox 18">
+            <a:extLst>
+              <a:ext uri="{FF2B5EF4-FFF2-40B4-BE49-F238E27FC236}">
+                <a16:creationId xmlns:a16="http://schemas.microsoft.com/office/drawing/2014/main" id="{74264CAB-F24B-87AF-244F-4DC24AE1C196}"/>
+              </a:ext>
+            </a:extLst>
+          </p:cNvPr>
+          <p:cNvSpPr txBox="1"/>
+          <p:nvPr/>
+        </p:nvSpPr>
+        <p:spPr>
+          <a:xfrm>
+            <a:off x="2916878" y="3899231"/>
+            <a:ext cx="432675" cy="1200329"/>
+          </a:xfrm>
+          <a:prstGeom prst="rect">
+            <a:avLst/>
+          </a:prstGeom>
+          <a:noFill/>
+        </p:spPr>
+        <p:txBody>
+          <a:bodyPr wrap="square">
+            <a:spAutoFit/>
+          </a:bodyPr>
+          <a:lstStyle/>
+          <a:p>
+            <a:r>
+              <a:rPr lang="en-US" sz="3600" dirty="0">
+                <a:solidFill>
+                  <a:schemeClr val="bg1"/>
+                </a:solidFill>
+                <a:latin typeface="Segoe UI Black" panose="020B0A02040204020203" pitchFamily="34" charset="0"/>
+                <a:ea typeface="Segoe UI Black" panose="020B0A02040204020203" pitchFamily="34" charset="0"/>
+              </a:rPr>
+              <a:t>0</a:t>
+            </a:r>
+            <a:br>
+              <a:rPr lang="en-US" sz="3600" dirty="0">
+                <a:solidFill>
+                  <a:schemeClr val="bg1"/>
+                </a:solidFill>
+                <a:latin typeface="Segoe UI Black" panose="020B0A02040204020203" pitchFamily="34" charset="0"/>
+                <a:ea typeface="Segoe UI Black" panose="020B0A02040204020203" pitchFamily="34" charset="0"/>
+              </a:rPr>
+            </a:br>
+            <a:r>
+              <a:rPr lang="en-US" sz="3600" dirty="0">
+                <a:solidFill>
+                  <a:schemeClr val="bg1"/>
+                </a:solidFill>
+                <a:latin typeface="Segoe UI Black" panose="020B0A02040204020203" pitchFamily="34" charset="0"/>
+                <a:ea typeface="Segoe UI Black" panose="020B0A02040204020203" pitchFamily="34" charset="0"/>
+              </a:rPr>
+              <a:t>1</a:t>
+            </a:r>
+          </a:p>
+        </p:txBody>
+      </p:sp>
+      <p:sp>
+        <p:nvSpPr>
+          <p:cNvPr id="16" name="TextBox 15">
+            <a:extLst>
+              <a:ext uri="{FF2B5EF4-FFF2-40B4-BE49-F238E27FC236}">
+                <a16:creationId xmlns:a16="http://schemas.microsoft.com/office/drawing/2014/main" id="{567EF8BD-C152-1C80-269A-1A84BA498D0C}"/>
+              </a:ext>
+            </a:extLst>
+          </p:cNvPr>
+          <p:cNvSpPr txBox="1"/>
+          <p:nvPr/>
+        </p:nvSpPr>
+        <p:spPr>
+          <a:xfrm>
+            <a:off x="3291682" y="3899231"/>
+            <a:ext cx="432675" cy="10064294"/>
+          </a:xfrm>
+          <a:prstGeom prst="rect">
+            <a:avLst/>
+          </a:prstGeom>
+          <a:noFill/>
+        </p:spPr>
+        <p:txBody>
+          <a:bodyPr wrap="square">
+            <a:spAutoFit/>
+          </a:bodyPr>
+          <a:lstStyle/>
+          <a:p>
+            <a:r>
+              <a:rPr lang="en-US" sz="3600" dirty="0">
+                <a:solidFill>
+                  <a:schemeClr val="bg1"/>
+                </a:solidFill>
+                <a:latin typeface="Segoe UI Black" panose="020B0A02040204020203" pitchFamily="34" charset="0"/>
+                <a:ea typeface="Segoe UI Black" panose="020B0A02040204020203" pitchFamily="34" charset="0"/>
+              </a:rPr>
+              <a:t>0</a:t>
+            </a:r>
+            <a:br>
+              <a:rPr lang="en-US" sz="3600" dirty="0">
+                <a:solidFill>
+                  <a:schemeClr val="bg1"/>
+                </a:solidFill>
+                <a:latin typeface="Segoe UI Black" panose="020B0A02040204020203" pitchFamily="34" charset="0"/>
+                <a:ea typeface="Segoe UI Black" panose="020B0A02040204020203" pitchFamily="34" charset="0"/>
+              </a:rPr>
+            </a:br>
+            <a:r>
+              <a:rPr lang="en-US" sz="3600" dirty="0">
+                <a:solidFill>
+                  <a:schemeClr val="bg1"/>
+                </a:solidFill>
+                <a:latin typeface="Segoe UI Black" panose="020B0A02040204020203" pitchFamily="34" charset="0"/>
+                <a:ea typeface="Segoe UI Black" panose="020B0A02040204020203" pitchFamily="34" charset="0"/>
+              </a:rPr>
+              <a:t>1</a:t>
+            </a:r>
+            <a:br>
+              <a:rPr lang="en-US" sz="3600" dirty="0">
+                <a:solidFill>
+                  <a:schemeClr val="bg1"/>
+                </a:solidFill>
+                <a:latin typeface="Segoe UI Black" panose="020B0A02040204020203" pitchFamily="34" charset="0"/>
+                <a:ea typeface="Segoe UI Black" panose="020B0A02040204020203" pitchFamily="34" charset="0"/>
+              </a:rPr>
+            </a:br>
+            <a:r>
+              <a:rPr lang="en-US" sz="3600" dirty="0">
+                <a:solidFill>
+                  <a:schemeClr val="bg1"/>
+                </a:solidFill>
+                <a:latin typeface="Segoe UI Black" panose="020B0A02040204020203" pitchFamily="34" charset="0"/>
+                <a:ea typeface="Segoe UI Black" panose="020B0A02040204020203" pitchFamily="34" charset="0"/>
+              </a:rPr>
+              <a:t>2</a:t>
+            </a:r>
+            <a:br>
+              <a:rPr lang="en-US" sz="3600" dirty="0">
+                <a:solidFill>
+                  <a:schemeClr val="bg1"/>
+                </a:solidFill>
+                <a:latin typeface="Segoe UI Black" panose="020B0A02040204020203" pitchFamily="34" charset="0"/>
+                <a:ea typeface="Segoe UI Black" panose="020B0A02040204020203" pitchFamily="34" charset="0"/>
+              </a:rPr>
+            </a:br>
+            <a:r>
+              <a:rPr lang="en-US" sz="3600" dirty="0">
+                <a:solidFill>
+                  <a:schemeClr val="bg1"/>
+                </a:solidFill>
+                <a:latin typeface="Segoe UI Black" panose="020B0A02040204020203" pitchFamily="34" charset="0"/>
+                <a:ea typeface="Segoe UI Black" panose="020B0A02040204020203" pitchFamily="34" charset="0"/>
+              </a:rPr>
+              <a:t>3</a:t>
+            </a:r>
+            <a:br>
+              <a:rPr lang="en-US" sz="3600" dirty="0">
+                <a:solidFill>
+                  <a:schemeClr val="bg1"/>
+                </a:solidFill>
+                <a:latin typeface="Segoe UI Black" panose="020B0A02040204020203" pitchFamily="34" charset="0"/>
+                <a:ea typeface="Segoe UI Black" panose="020B0A02040204020203" pitchFamily="34" charset="0"/>
+              </a:rPr>
+            </a:br>
+            <a:r>
+              <a:rPr lang="en-US" sz="3600" dirty="0">
+                <a:solidFill>
+                  <a:schemeClr val="bg1"/>
+                </a:solidFill>
+                <a:latin typeface="Segoe UI Black" panose="020B0A02040204020203" pitchFamily="34" charset="0"/>
+                <a:ea typeface="Segoe UI Black" panose="020B0A02040204020203" pitchFamily="34" charset="0"/>
+              </a:rPr>
+              <a:t>4</a:t>
+            </a:r>
+            <a:br>
+              <a:rPr lang="en-US" sz="3600" dirty="0">
+                <a:solidFill>
+                  <a:schemeClr val="bg1"/>
+                </a:solidFill>
+                <a:latin typeface="Segoe UI Black" panose="020B0A02040204020203" pitchFamily="34" charset="0"/>
+                <a:ea typeface="Segoe UI Black" panose="020B0A02040204020203" pitchFamily="34" charset="0"/>
+              </a:rPr>
+            </a:br>
+            <a:r>
+              <a:rPr lang="en-US" sz="3600" dirty="0">
+                <a:solidFill>
+                  <a:schemeClr val="bg1"/>
+                </a:solidFill>
+                <a:latin typeface="Segoe UI Black" panose="020B0A02040204020203" pitchFamily="34" charset="0"/>
+                <a:ea typeface="Segoe UI Black" panose="020B0A02040204020203" pitchFamily="34" charset="0"/>
+              </a:rPr>
+              <a:t>5</a:t>
+            </a:r>
+            <a:br>
+              <a:rPr lang="en-US" sz="3600" dirty="0">
+                <a:solidFill>
+                  <a:schemeClr val="bg1"/>
+                </a:solidFill>
+                <a:latin typeface="Segoe UI Black" panose="020B0A02040204020203" pitchFamily="34" charset="0"/>
+                <a:ea typeface="Segoe UI Black" panose="020B0A02040204020203" pitchFamily="34" charset="0"/>
+              </a:rPr>
+            </a:br>
+            <a:r>
+              <a:rPr lang="en-US" sz="3600" dirty="0">
+                <a:solidFill>
+                  <a:schemeClr val="bg1"/>
+                </a:solidFill>
+                <a:latin typeface="Segoe UI Black" panose="020B0A02040204020203" pitchFamily="34" charset="0"/>
+                <a:ea typeface="Segoe UI Black" panose="020B0A02040204020203" pitchFamily="34" charset="0"/>
+              </a:rPr>
+              <a:t>6</a:t>
+            </a:r>
+            <a:br>
+              <a:rPr lang="en-US" sz="3600" dirty="0">
+                <a:solidFill>
+                  <a:schemeClr val="bg1"/>
+                </a:solidFill>
+                <a:latin typeface="Segoe UI Black" panose="020B0A02040204020203" pitchFamily="34" charset="0"/>
+                <a:ea typeface="Segoe UI Black" panose="020B0A02040204020203" pitchFamily="34" charset="0"/>
+              </a:rPr>
+            </a:br>
+            <a:r>
+              <a:rPr lang="en-US" sz="3600" dirty="0">
+                <a:solidFill>
+                  <a:schemeClr val="bg1"/>
+                </a:solidFill>
+                <a:latin typeface="Segoe UI Black" panose="020B0A02040204020203" pitchFamily="34" charset="0"/>
+                <a:ea typeface="Segoe UI Black" panose="020B0A02040204020203" pitchFamily="34" charset="0"/>
+              </a:rPr>
+              <a:t>7</a:t>
+            </a:r>
+            <a:br>
+              <a:rPr lang="en-US" sz="3600" dirty="0">
+                <a:solidFill>
+                  <a:schemeClr val="bg1"/>
+                </a:solidFill>
+                <a:latin typeface="Segoe UI Black" panose="020B0A02040204020203" pitchFamily="34" charset="0"/>
+                <a:ea typeface="Segoe UI Black" panose="020B0A02040204020203" pitchFamily="34" charset="0"/>
+              </a:rPr>
+            </a:br>
+            <a:r>
+              <a:rPr lang="en-US" sz="3600" dirty="0">
+                <a:solidFill>
+                  <a:schemeClr val="bg1"/>
+                </a:solidFill>
+                <a:latin typeface="Segoe UI Black" panose="020B0A02040204020203" pitchFamily="34" charset="0"/>
+                <a:ea typeface="Segoe UI Black" panose="020B0A02040204020203" pitchFamily="34" charset="0"/>
+              </a:rPr>
+              <a:t>8</a:t>
+            </a:r>
+            <a:br>
+              <a:rPr lang="en-US" sz="3600" dirty="0">
+                <a:solidFill>
+                  <a:schemeClr val="bg1"/>
+                </a:solidFill>
+                <a:latin typeface="Segoe UI Black" panose="020B0A02040204020203" pitchFamily="34" charset="0"/>
+                <a:ea typeface="Segoe UI Black" panose="020B0A02040204020203" pitchFamily="34" charset="0"/>
+              </a:rPr>
+            </a:br>
+            <a:r>
+              <a:rPr lang="en-US" sz="3600" dirty="0">
+                <a:solidFill>
+                  <a:schemeClr val="bg1"/>
+                </a:solidFill>
+                <a:latin typeface="Segoe UI Black" panose="020B0A02040204020203" pitchFamily="34" charset="0"/>
+                <a:ea typeface="Segoe UI Black" panose="020B0A02040204020203" pitchFamily="34" charset="0"/>
+              </a:rPr>
+              <a:t>9</a:t>
+            </a:r>
+            <a:br>
+              <a:rPr lang="en-US" sz="3600" dirty="0">
+                <a:solidFill>
+                  <a:schemeClr val="bg1"/>
+                </a:solidFill>
+                <a:latin typeface="Segoe UI Black" panose="020B0A02040204020203" pitchFamily="34" charset="0"/>
+                <a:ea typeface="Segoe UI Black" panose="020B0A02040204020203" pitchFamily="34" charset="0"/>
+              </a:rPr>
+            </a:br>
+            <a:r>
+              <a:rPr lang="en-US" sz="3600" dirty="0">
+                <a:solidFill>
+                  <a:schemeClr val="bg1"/>
+                </a:solidFill>
+                <a:latin typeface="Segoe UI Black" panose="020B0A02040204020203" pitchFamily="34" charset="0"/>
+                <a:ea typeface="Segoe UI Black" panose="020B0A02040204020203" pitchFamily="34" charset="0"/>
+              </a:rPr>
+              <a:t>0</a:t>
+            </a:r>
+            <a:br>
+              <a:rPr lang="en-US" sz="3600" dirty="0">
+                <a:solidFill>
+                  <a:schemeClr val="bg1"/>
+                </a:solidFill>
+                <a:latin typeface="Segoe UI Black" panose="020B0A02040204020203" pitchFamily="34" charset="0"/>
+                <a:ea typeface="Segoe UI Black" panose="020B0A02040204020203" pitchFamily="34" charset="0"/>
+              </a:rPr>
+            </a:br>
+            <a:r>
+              <a:rPr lang="en-US" sz="3600" dirty="0">
+                <a:solidFill>
+                  <a:schemeClr val="bg1"/>
+                </a:solidFill>
+                <a:latin typeface="Segoe UI Black" panose="020B0A02040204020203" pitchFamily="34" charset="0"/>
+                <a:ea typeface="Segoe UI Black" panose="020B0A02040204020203" pitchFamily="34" charset="0"/>
+              </a:rPr>
+              <a:t>12</a:t>
+            </a:r>
+            <a:br>
+              <a:rPr lang="en-US" sz="3600" dirty="0">
+                <a:solidFill>
+                  <a:schemeClr val="bg1"/>
+                </a:solidFill>
+                <a:latin typeface="Segoe UI Black" panose="020B0A02040204020203" pitchFamily="34" charset="0"/>
+                <a:ea typeface="Segoe UI Black" panose="020B0A02040204020203" pitchFamily="34" charset="0"/>
+              </a:rPr>
+            </a:br>
+            <a:r>
+              <a:rPr lang="en-US" sz="3600" dirty="0">
+                <a:solidFill>
+                  <a:schemeClr val="bg1"/>
+                </a:solidFill>
+                <a:latin typeface="Segoe UI Black" panose="020B0A02040204020203" pitchFamily="34" charset="0"/>
+                <a:ea typeface="Segoe UI Black" panose="020B0A02040204020203" pitchFamily="34" charset="0"/>
+              </a:rPr>
+              <a:t>3</a:t>
+            </a:r>
+            <a:br>
+              <a:rPr lang="en-US" sz="3600" dirty="0">
+                <a:solidFill>
+                  <a:schemeClr val="bg1"/>
+                </a:solidFill>
+                <a:latin typeface="Segoe UI Black" panose="020B0A02040204020203" pitchFamily="34" charset="0"/>
+                <a:ea typeface="Segoe UI Black" panose="020B0A02040204020203" pitchFamily="34" charset="0"/>
+              </a:rPr>
+            </a:br>
+            <a:r>
+              <a:rPr lang="en-US" sz="3600" dirty="0">
+                <a:solidFill>
+                  <a:schemeClr val="bg1"/>
+                </a:solidFill>
+                <a:latin typeface="Segoe UI Black" panose="020B0A02040204020203" pitchFamily="34" charset="0"/>
+                <a:ea typeface="Segoe UI Black" panose="020B0A02040204020203" pitchFamily="34" charset="0"/>
+              </a:rPr>
+              <a:t>4</a:t>
+            </a:r>
+            <a:br>
+              <a:rPr lang="en-US" sz="3600" dirty="0">
+                <a:solidFill>
+                  <a:schemeClr val="bg1"/>
+                </a:solidFill>
+                <a:latin typeface="Segoe UI Black" panose="020B0A02040204020203" pitchFamily="34" charset="0"/>
+                <a:ea typeface="Segoe UI Black" panose="020B0A02040204020203" pitchFamily="34" charset="0"/>
+              </a:rPr>
+            </a:br>
+            <a:r>
+              <a:rPr lang="en-US" sz="3600" dirty="0">
+                <a:solidFill>
+                  <a:schemeClr val="bg1"/>
+                </a:solidFill>
+                <a:latin typeface="Segoe UI Black" panose="020B0A02040204020203" pitchFamily="34" charset="0"/>
+                <a:ea typeface="Segoe UI Black" panose="020B0A02040204020203" pitchFamily="34" charset="0"/>
+              </a:rPr>
+              <a:t>5</a:t>
+            </a:r>
+          </a:p>
+          <a:p>
+            <a:r>
+              <a:rPr lang="en-US" sz="3600" dirty="0">
+                <a:solidFill>
+                  <a:schemeClr val="bg1"/>
+                </a:solidFill>
+                <a:latin typeface="Segoe UI Black" panose="020B0A02040204020203" pitchFamily="34" charset="0"/>
+                <a:ea typeface="Segoe UI Black" panose="020B0A02040204020203" pitchFamily="34" charset="0"/>
+              </a:rPr>
+              <a:t>6</a:t>
+            </a:r>
+          </a:p>
+          <a:p>
+            <a:r>
+              <a:rPr lang="en-US" sz="3600" dirty="0">
+                <a:solidFill>
+                  <a:schemeClr val="bg1"/>
+                </a:solidFill>
+                <a:latin typeface="Segoe UI Black" panose="020B0A02040204020203" pitchFamily="34" charset="0"/>
+                <a:ea typeface="Segoe UI Black" panose="020B0A02040204020203" pitchFamily="34" charset="0"/>
+              </a:rPr>
+              <a:t>7</a:t>
+            </a:r>
+          </a:p>
+        </p:txBody>
+      </p:sp>
+      <p:sp>
+        <p:nvSpPr>
+          <p:cNvPr id="21" name="Прямоугольник 20">
+            <a:extLst>
+              <a:ext uri="{FF2B5EF4-FFF2-40B4-BE49-F238E27FC236}">
+                <a16:creationId xmlns:a16="http://schemas.microsoft.com/office/drawing/2014/main" id="{4141BF28-64D8-95F6-4343-B34DB39FDD6A}"/>
               </a:ext>
             </a:extLst>
           </p:cNvPr>
@@ -3860,14 +4945,14 @@
         </p:nvSpPr>
         <p:spPr>
           <a:xfrm>
-            <a:off x="-1513134" y="1252284"/>
-            <a:ext cx="5293894" cy="5293894"/>
-          </a:xfrm>
-          <a:prstGeom prst="ellipse">
+            <a:off x="2879003" y="1"/>
+            <a:ext cx="816622" cy="3460986"/>
+          </a:xfrm>
+          <a:prstGeom prst="rect">
             <a:avLst/>
           </a:prstGeom>
           <a:solidFill>
-            <a:srgbClr val="4671D5"/>
+            <a:srgbClr val="1240AB"/>
           </a:solidFill>
           <a:ln>
             <a:noFill/>
@@ -3900,10 +4985,10 @@
       </p:sp>
       <p:sp>
         <p:nvSpPr>
-          <p:cNvPr id="5" name="Овал 4">
-            <a:extLst>
-              <a:ext uri="{FF2B5EF4-FFF2-40B4-BE49-F238E27FC236}">
-                <a16:creationId xmlns:a16="http://schemas.microsoft.com/office/drawing/2014/main" id="{78D0EDE3-F214-9623-A228-10EFBBDC97E0}"/>
+          <p:cNvPr id="17" name="Прямоугольник 16">
+            <a:extLst>
+              <a:ext uri="{FF2B5EF4-FFF2-40B4-BE49-F238E27FC236}">
+                <a16:creationId xmlns:a16="http://schemas.microsoft.com/office/drawing/2014/main" id="{5EBB96BA-A092-1163-A626-E899A428D95D}"/>
               </a:ext>
             </a:extLst>
           </p:cNvPr>
@@ -3912,14 +4997,14 @@
         </p:nvSpPr>
         <p:spPr>
           <a:xfrm>
-            <a:off x="6898106" y="-2470849"/>
-            <a:ext cx="5293894" cy="5293894"/>
-          </a:xfrm>
-          <a:prstGeom prst="ellipse">
+            <a:off x="2908383" y="3904734"/>
+            <a:ext cx="783733" cy="2958769"/>
+          </a:xfrm>
+          <a:prstGeom prst="rect">
             <a:avLst/>
           </a:prstGeom>
           <a:solidFill>
-            <a:srgbClr val="4671D5"/>
+            <a:srgbClr val="1240AB"/>
           </a:solidFill>
           <a:ln>
             <a:noFill/>
@@ -3952,10 +5037,10 @@
       </p:sp>
       <p:sp>
         <p:nvSpPr>
-          <p:cNvPr id="6" name="Овал 5">
-            <a:extLst>
-              <a:ext uri="{FF2B5EF4-FFF2-40B4-BE49-F238E27FC236}">
-                <a16:creationId xmlns:a16="http://schemas.microsoft.com/office/drawing/2014/main" id="{686A89E8-9913-1658-62F0-13AB5647B300}"/>
+          <p:cNvPr id="4" name="Овал 3">
+            <a:extLst>
+              <a:ext uri="{FF2B5EF4-FFF2-40B4-BE49-F238E27FC236}">
+                <a16:creationId xmlns:a16="http://schemas.microsoft.com/office/drawing/2014/main" id="{30410C27-559F-A5A6-A7D8-4E63C0D678C6}"/>
               </a:ext>
             </a:extLst>
           </p:cNvPr>
@@ -3964,14 +5049,14 @@
         </p:nvSpPr>
         <p:spPr>
           <a:xfrm>
-            <a:off x="-927088" y="2278301"/>
+            <a:off x="-2533604" y="182448"/>
             <a:ext cx="5293894" cy="5293894"/>
           </a:xfrm>
           <a:prstGeom prst="ellipse">
             <a:avLst/>
           </a:prstGeom>
           <a:solidFill>
-            <a:srgbClr val="6C8CD5"/>
+            <a:srgbClr val="4671D5"/>
           </a:solidFill>
           <a:ln>
             <a:noFill/>
@@ -4004,10 +5089,10 @@
       </p:sp>
       <p:sp>
         <p:nvSpPr>
-          <p:cNvPr id="7" name="Овал 6">
-            <a:extLst>
-              <a:ext uri="{FF2B5EF4-FFF2-40B4-BE49-F238E27FC236}">
-                <a16:creationId xmlns:a16="http://schemas.microsoft.com/office/drawing/2014/main" id="{E5038763-0501-A4C5-A4B0-B45D98054E48}"/>
+          <p:cNvPr id="5" name="Овал 4">
+            <a:extLst>
+              <a:ext uri="{FF2B5EF4-FFF2-40B4-BE49-F238E27FC236}">
+                <a16:creationId xmlns:a16="http://schemas.microsoft.com/office/drawing/2014/main" id="{78D0EDE3-F214-9623-A228-10EFBBDC97E0}"/>
               </a:ext>
             </a:extLst>
           </p:cNvPr>
@@ -4016,14 +5101,14 @@
         </p:nvSpPr>
         <p:spPr>
           <a:xfrm>
-            <a:off x="8411240" y="-1984515"/>
+            <a:off x="8939885" y="-317081"/>
             <a:ext cx="5293894" cy="5293894"/>
           </a:xfrm>
           <a:prstGeom prst="ellipse">
             <a:avLst/>
           </a:prstGeom>
           <a:solidFill>
-            <a:srgbClr val="6C8CD5"/>
+            <a:srgbClr val="4671D5"/>
           </a:solidFill>
           <a:ln>
             <a:noFill/>
@@ -4056,77 +5141,114 @@
       </p:sp>
       <p:sp>
         <p:nvSpPr>
-          <p:cNvPr id="2" name="Заголовок 1">
-            <a:extLst>
-              <a:ext uri="{FF2B5EF4-FFF2-40B4-BE49-F238E27FC236}">
-                <a16:creationId xmlns:a16="http://schemas.microsoft.com/office/drawing/2014/main" id="{C6FBFD37-8CFE-EF66-D3D1-BFDF9B155EBC}"/>
-              </a:ext>
-            </a:extLst>
-          </p:cNvPr>
-          <p:cNvSpPr>
-            <a:spLocks noGrp="1"/>
-          </p:cNvSpPr>
-          <p:nvPr>
-            <p:ph type="ctrTitle"/>
-          </p:nvPr>
-        </p:nvSpPr>
-        <p:spPr>
-          <a:xfrm>
-            <a:off x="1524000" y="-608536"/>
-            <a:ext cx="9144000" cy="2387600"/>
-          </a:xfrm>
-        </p:spPr>
-        <p:txBody>
-          <a:bodyPr>
-            <a:normAutofit/>
-          </a:bodyPr>
-          <a:lstStyle/>
-          <a:p>
-            <a:r>
-              <a:rPr lang="en-US" sz="5000" dirty="0">
-                <a:solidFill>
-                  <a:schemeClr val="bg1"/>
-                </a:solidFill>
-                <a:latin typeface="Segoe UI Black" panose="020B0A02040204020203" pitchFamily="34" charset="0"/>
-                <a:ea typeface="Segoe UI Black" panose="020B0A02040204020203" pitchFamily="34" charset="0"/>
-              </a:rPr>
-              <a:t>EMIT</a:t>
-            </a:r>
-            <a:br>
-              <a:rPr lang="en-US" sz="5000" dirty="0">
-                <a:solidFill>
-                  <a:schemeClr val="bg1"/>
-                </a:solidFill>
-                <a:latin typeface="Segoe UI Black" panose="020B0A02040204020203" pitchFamily="34" charset="0"/>
-                <a:ea typeface="Segoe UI Black" panose="020B0A02040204020203" pitchFamily="34" charset="0"/>
-              </a:rPr>
-            </a:br>
-            <a:r>
-              <a:rPr lang="en-US" sz="5000" dirty="0">
-                <a:solidFill>
-                  <a:schemeClr val="bg1"/>
-                </a:solidFill>
-                <a:latin typeface="Segoe UI Black" panose="020B0A02040204020203" pitchFamily="34" charset="0"/>
-                <a:ea typeface="Segoe UI Black" panose="020B0A02040204020203" pitchFamily="34" charset="0"/>
-              </a:rPr>
-              <a:t>for the future!</a:t>
-            </a:r>
-            <a:endParaRPr lang="ru-KZ" sz="5000" dirty="0">
-              <a:solidFill>
-                <a:schemeClr val="bg1"/>
-              </a:solidFill>
-              <a:latin typeface="Segoe UI Black" panose="020B0A02040204020203" pitchFamily="34" charset="0"/>
-              <a:ea typeface="Segoe UI Black" panose="020B0A02040204020203" pitchFamily="34" charset="0"/>
-            </a:endParaRPr>
-          </a:p>
-        </p:txBody>
-      </p:sp>
-      <p:sp>
-        <p:nvSpPr>
-          <p:cNvPr id="3" name="Заголовок 1">
-            <a:extLst>
-              <a:ext uri="{FF2B5EF4-FFF2-40B4-BE49-F238E27FC236}">
-                <a16:creationId xmlns:a16="http://schemas.microsoft.com/office/drawing/2014/main" id="{333B2CAC-14A6-2003-3CD3-62AED082E801}"/>
+          <p:cNvPr id="6" name="Овал 5">
+            <a:extLst>
+              <a:ext uri="{FF2B5EF4-FFF2-40B4-BE49-F238E27FC236}">
+                <a16:creationId xmlns:a16="http://schemas.microsoft.com/office/drawing/2014/main" id="{686A89E8-9913-1658-62F0-13AB5647B300}"/>
+              </a:ext>
+            </a:extLst>
+          </p:cNvPr>
+          <p:cNvSpPr/>
+          <p:nvPr/>
+        </p:nvSpPr>
+        <p:spPr>
+          <a:xfrm>
+            <a:off x="-2542172" y="1924791"/>
+            <a:ext cx="5293894" cy="5293894"/>
+          </a:xfrm>
+          <a:prstGeom prst="ellipse">
+            <a:avLst/>
+          </a:prstGeom>
+          <a:solidFill>
+            <a:srgbClr val="6C8CD5"/>
+          </a:solidFill>
+          <a:ln>
+            <a:noFill/>
+          </a:ln>
+        </p:spPr>
+        <p:style>
+          <a:lnRef idx="2">
+            <a:schemeClr val="accent1">
+              <a:shade val="15000"/>
+            </a:schemeClr>
+          </a:lnRef>
+          <a:fillRef idx="1">
+            <a:schemeClr val="accent1"/>
+          </a:fillRef>
+          <a:effectRef idx="0">
+            <a:schemeClr val="accent1"/>
+          </a:effectRef>
+          <a:fontRef idx="minor">
+            <a:schemeClr val="lt1"/>
+          </a:fontRef>
+        </p:style>
+        <p:txBody>
+          <a:bodyPr rtlCol="0" anchor="ctr"/>
+          <a:lstStyle/>
+          <a:p>
+            <a:pPr algn="ctr"/>
+            <a:endParaRPr lang="ru-KZ"/>
+          </a:p>
+        </p:txBody>
+      </p:sp>
+      <p:sp>
+        <p:nvSpPr>
+          <p:cNvPr id="7" name="Овал 6">
+            <a:extLst>
+              <a:ext uri="{FF2B5EF4-FFF2-40B4-BE49-F238E27FC236}">
+                <a16:creationId xmlns:a16="http://schemas.microsoft.com/office/drawing/2014/main" id="{E5038763-0501-A4C5-A4B0-B45D98054E48}"/>
+              </a:ext>
+            </a:extLst>
+          </p:cNvPr>
+          <p:cNvSpPr/>
+          <p:nvPr/>
+        </p:nvSpPr>
+        <p:spPr>
+          <a:xfrm>
+            <a:off x="9639135" y="780466"/>
+            <a:ext cx="5293894" cy="5293894"/>
+          </a:xfrm>
+          <a:prstGeom prst="ellipse">
+            <a:avLst/>
+          </a:prstGeom>
+          <a:solidFill>
+            <a:srgbClr val="6C8CD5"/>
+          </a:solidFill>
+          <a:ln>
+            <a:noFill/>
+          </a:ln>
+        </p:spPr>
+        <p:style>
+          <a:lnRef idx="2">
+            <a:schemeClr val="accent1">
+              <a:shade val="15000"/>
+            </a:schemeClr>
+          </a:lnRef>
+          <a:fillRef idx="1">
+            <a:schemeClr val="accent1"/>
+          </a:fillRef>
+          <a:effectRef idx="0">
+            <a:schemeClr val="accent1"/>
+          </a:effectRef>
+          <a:fontRef idx="minor">
+            <a:schemeClr val="lt1"/>
+          </a:fontRef>
+        </p:style>
+        <p:txBody>
+          <a:bodyPr rtlCol="0" anchor="ctr"/>
+          <a:lstStyle/>
+          <a:p>
+            <a:pPr algn="ctr"/>
+            <a:endParaRPr lang="ru-KZ"/>
+          </a:p>
+        </p:txBody>
+      </p:sp>
+      <p:sp>
+        <p:nvSpPr>
+          <p:cNvPr id="8" name="Заголовок 1">
+            <a:extLst>
+              <a:ext uri="{FF2B5EF4-FFF2-40B4-BE49-F238E27FC236}">
+                <a16:creationId xmlns:a16="http://schemas.microsoft.com/office/drawing/2014/main" id="{99F61202-D36E-624D-72C0-E18E2F233186}"/>
               </a:ext>
             </a:extLst>
           </p:cNvPr>
@@ -4137,7 +5259,7 @@
         </p:nvSpPr>
         <p:spPr>
           <a:xfrm>
-            <a:off x="6096000" y="3427413"/>
+            <a:off x="16878300" y="3427413"/>
             <a:ext cx="6007100" cy="2387600"/>
           </a:xfrm>
           <a:prstGeom prst="rect">
@@ -4203,7 +5325,7 @@
           <p:cNvPr id="9" name="TextBox 8">
             <a:extLst>
               <a:ext uri="{FF2B5EF4-FFF2-40B4-BE49-F238E27FC236}">
-                <a16:creationId xmlns:a16="http://schemas.microsoft.com/office/drawing/2014/main" id="{DD97E5CA-175E-F282-4664-20779C46AD70}"/>
+                <a16:creationId xmlns:a16="http://schemas.microsoft.com/office/drawing/2014/main" id="{4503E64D-1E1B-08F7-6584-CC39B8ACCF37}"/>
               </a:ext>
             </a:extLst>
           </p:cNvPr>
@@ -4212,7 +5334,7 @@
         </p:nvSpPr>
         <p:spPr>
           <a:xfrm>
-            <a:off x="6094832" y="3191345"/>
+            <a:off x="12286082" y="3191345"/>
             <a:ext cx="2817896" cy="707886"/>
           </a:xfrm>
           <a:prstGeom prst="rect">
@@ -4242,10 +5364,10 @@
       </p:sp>
       <p:pic>
         <p:nvPicPr>
-          <p:cNvPr id="11" name="Рисунок 10">
-            <a:extLst>
-              <a:ext uri="{FF2B5EF4-FFF2-40B4-BE49-F238E27FC236}">
-                <a16:creationId xmlns:a16="http://schemas.microsoft.com/office/drawing/2014/main" id="{CC92B96B-9E03-8516-827B-84163B71D99F}"/>
+          <p:cNvPr id="10" name="Рисунок 9">
+            <a:extLst>
+              <a:ext uri="{FF2B5EF4-FFF2-40B4-BE49-F238E27FC236}">
+                <a16:creationId xmlns:a16="http://schemas.microsoft.com/office/drawing/2014/main" id="{746386F8-0DAE-AB96-D31F-553CE56638B9}"/>
               </a:ext>
             </a:extLst>
           </p:cNvPr>
@@ -4277,7 +5399,7 @@
         </p:blipFill>
         <p:spPr>
           <a:xfrm>
-            <a:off x="1429761" y="1751521"/>
+            <a:off x="-5733039" y="1751521"/>
             <a:ext cx="4063492" cy="4063492"/>
           </a:xfrm>
           <a:prstGeom prst="rect">
@@ -4286,45 +5408,144 @@
           <a:noFill/>
         </p:spPr>
       </p:pic>
-      <p:pic>
-        <p:nvPicPr>
-          <p:cNvPr id="12" name="Рисунок 11">
-            <a:extLst>
-              <a:ext uri="{FF2B5EF4-FFF2-40B4-BE49-F238E27FC236}">
-                <a16:creationId xmlns:a16="http://schemas.microsoft.com/office/drawing/2014/main" id="{863CA4CF-3852-9183-7F4F-484A3EFD9C44}"/>
-              </a:ext>
-            </a:extLst>
-          </p:cNvPr>
-          <p:cNvPicPr>
-            <a:picLocks noChangeAspect="1"/>
-          </p:cNvPicPr>
+      <p:sp>
+        <p:nvSpPr>
+          <p:cNvPr id="14" name="Заголовок 1">
+            <a:extLst>
+              <a:ext uri="{FF2B5EF4-FFF2-40B4-BE49-F238E27FC236}">
+                <a16:creationId xmlns:a16="http://schemas.microsoft.com/office/drawing/2014/main" id="{B5FA4CFF-E1CF-9471-3ECA-3B555A87AC7C}"/>
+              </a:ext>
+            </a:extLst>
+          </p:cNvPr>
+          <p:cNvSpPr txBox="1">
+            <a:spLocks/>
+          </p:cNvSpPr>
           <p:nvPr/>
-        </p:nvPicPr>
-        <p:blipFill>
-          <a:blip r:embed="rId4"/>
-          <a:stretch>
-            <a:fillRect/>
-          </a:stretch>
-        </p:blipFill>
-        <p:spPr>
-          <a:xfrm>
-            <a:off x="560898" y="7653257"/>
-            <a:ext cx="7611816" cy="3849930"/>
+        </p:nvSpPr>
+        <p:spPr>
+          <a:xfrm>
+            <a:off x="0" y="2184138"/>
+            <a:ext cx="12080117" cy="2387600"/>
           </a:xfrm>
           <a:prstGeom prst="rect">
             <a:avLst/>
           </a:prstGeom>
-          <a:ln w="76200">
-            <a:solidFill>
-              <a:schemeClr val="bg1"/>
-            </a:solidFill>
-          </a:ln>
-        </p:spPr>
-      </p:pic>
+        </p:spPr>
+        <p:txBody>
+          <a:bodyPr vert="horz" lIns="91440" tIns="45720" rIns="91440" bIns="45720" rtlCol="0" anchor="b">
+            <a:normAutofit/>
+          </a:bodyPr>
+          <a:lstStyle>
+            <a:lvl1pPr algn="ctr" defTabSz="914400" rtl="0" eaLnBrk="1" latinLnBrk="0" hangingPunct="1">
+              <a:lnSpc>
+                <a:spcPct val="90000"/>
+              </a:lnSpc>
+              <a:spcBef>
+                <a:spcPct val="0"/>
+              </a:spcBef>
+              <a:buNone/>
+              <a:defRPr sz="6000" kern="1200">
+                <a:solidFill>
+                  <a:schemeClr val="tx1"/>
+                </a:solidFill>
+                <a:latin typeface="+mj-lt"/>
+                <a:ea typeface="+mj-ea"/>
+                <a:cs typeface="+mj-cs"/>
+              </a:defRPr>
+            </a:lvl1pPr>
+          </a:lstStyle>
+          <a:p>
+            <a:r>
+              <a:rPr lang="en-US" sz="4000" dirty="0">
+                <a:solidFill>
+                  <a:schemeClr val="bg1"/>
+                </a:solidFill>
+                <a:latin typeface="Segoe UI Black" panose="020B0A02040204020203" pitchFamily="34" charset="0"/>
+                <a:ea typeface="Segoe UI Black" panose="020B0A02040204020203" pitchFamily="34" charset="0"/>
+              </a:rPr>
+              <a:t>There is a       million of metric coarse dust on the Earth</a:t>
+            </a:r>
+            <a:endParaRPr lang="ru-KZ" sz="4000" dirty="0">
+              <a:solidFill>
+                <a:schemeClr val="bg1"/>
+              </a:solidFill>
+              <a:latin typeface="Segoe UI Black" panose="020B0A02040204020203" pitchFamily="34" charset="0"/>
+              <a:ea typeface="Segoe UI Black" panose="020B0A02040204020203" pitchFamily="34" charset="0"/>
+            </a:endParaRPr>
+          </a:p>
+        </p:txBody>
+      </p:sp>
+      <p:sp>
+        <p:nvSpPr>
+          <p:cNvPr id="23" name="Заголовок 1">
+            <a:extLst>
+              <a:ext uri="{FF2B5EF4-FFF2-40B4-BE49-F238E27FC236}">
+                <a16:creationId xmlns:a16="http://schemas.microsoft.com/office/drawing/2014/main" id="{F4F84D49-B4DF-B414-D060-9C958334B72E}"/>
+              </a:ext>
+            </a:extLst>
+          </p:cNvPr>
+          <p:cNvSpPr>
+            <a:spLocks noGrp="1"/>
+          </p:cNvSpPr>
+          <p:nvPr>
+            <p:ph type="ctrTitle"/>
+          </p:nvPr>
+        </p:nvSpPr>
+        <p:spPr>
+          <a:xfrm>
+            <a:off x="1524000" y="-539592"/>
+            <a:ext cx="9144000" cy="2387600"/>
+          </a:xfrm>
+        </p:spPr>
+        <p:txBody>
+          <a:bodyPr>
+            <a:normAutofit/>
+          </a:bodyPr>
+          <a:lstStyle/>
+          <a:p>
+            <a:r>
+              <a:rPr lang="en-US" sz="5000" dirty="0">
+                <a:solidFill>
+                  <a:schemeClr val="bg1"/>
+                </a:solidFill>
+                <a:latin typeface="Segoe UI Black" panose="020B0A02040204020203" pitchFamily="34" charset="0"/>
+                <a:ea typeface="Segoe UI Black" panose="020B0A02040204020203" pitchFamily="34" charset="0"/>
+              </a:rPr>
+              <a:t>EMIT</a:t>
+            </a:r>
+            <a:br>
+              <a:rPr lang="en-US" sz="5000" dirty="0">
+                <a:solidFill>
+                  <a:schemeClr val="bg1"/>
+                </a:solidFill>
+                <a:latin typeface="Segoe UI Black" panose="020B0A02040204020203" pitchFamily="34" charset="0"/>
+                <a:ea typeface="Segoe UI Black" panose="020B0A02040204020203" pitchFamily="34" charset="0"/>
+              </a:rPr>
+            </a:br>
+            <a:r>
+              <a:rPr lang="en-US" sz="5000" dirty="0">
+                <a:solidFill>
+                  <a:schemeClr val="bg1"/>
+                </a:solidFill>
+                <a:latin typeface="Segoe UI Black" panose="020B0A02040204020203" pitchFamily="34" charset="0"/>
+                <a:ea typeface="Segoe UI Black" panose="020B0A02040204020203" pitchFamily="34" charset="0"/>
+              </a:rPr>
+              <a:t>for the future!</a:t>
+            </a:r>
+            <a:endParaRPr lang="ru-KZ" sz="5000" dirty="0">
+              <a:solidFill>
+                <a:schemeClr val="bg1"/>
+              </a:solidFill>
+              <a:latin typeface="Segoe UI Black" panose="020B0A02040204020203" pitchFamily="34" charset="0"/>
+              <a:ea typeface="Segoe UI Black" panose="020B0A02040204020203" pitchFamily="34" charset="0"/>
+            </a:endParaRPr>
+          </a:p>
+        </p:txBody>
+      </p:sp>
     </p:spTree>
     <p:extLst>
       <p:ext uri="{BB962C8B-B14F-4D97-AF65-F5344CB8AC3E}">
-        <p14:creationId xmlns:p14="http://schemas.microsoft.com/office/powerpoint/2010/main" val="63929467"/>
+        <p14:creationId xmlns:p14="http://schemas.microsoft.com/office/powerpoint/2010/main" val="4076585764"/>
       </p:ext>
     </p:extLst>
   </p:cSld>
@@ -4333,7 +5554,7 @@
   </p:clrMapOvr>
   <mc:AlternateContent xmlns:mc="http://schemas.openxmlformats.org/markup-compatibility/2006">
     <mc:Choice xmlns:p159="http://schemas.microsoft.com/office/powerpoint/2015/09/main" Requires="p159">
-      <p:transition xmlns:p14="http://schemas.microsoft.com/office/powerpoint/2010/main" spd="slow" p14:dur="1500">
+      <p:transition xmlns:p14="http://schemas.microsoft.com/office/powerpoint/2010/main" spd="slow" p14:dur="2000">
         <p159:morph option="byObject"/>
       </p:transition>
     </mc:Choice>
@@ -4373,10 +5594,401 @@
       </p:grpSpPr>
       <p:sp>
         <p:nvSpPr>
-          <p:cNvPr id="4" name="Овал 3">
-            <a:extLst>
-              <a:ext uri="{FF2B5EF4-FFF2-40B4-BE49-F238E27FC236}">
-                <a16:creationId xmlns:a16="http://schemas.microsoft.com/office/drawing/2014/main" id="{30410C27-559F-A5A6-A7D8-4E63C0D678C6}"/>
+          <p:cNvPr id="2" name="TextBox 1">
+            <a:extLst>
+              <a:ext uri="{FF2B5EF4-FFF2-40B4-BE49-F238E27FC236}">
+                <a16:creationId xmlns:a16="http://schemas.microsoft.com/office/drawing/2014/main" id="{DA0C1B24-BCA5-3929-AA6A-6ACD36402A65}"/>
+              </a:ext>
+            </a:extLst>
+          </p:cNvPr>
+          <p:cNvSpPr txBox="1"/>
+          <p:nvPr/>
+        </p:nvSpPr>
+        <p:spPr>
+          <a:xfrm>
+            <a:off x="2916878" y="2830921"/>
+            <a:ext cx="432675" cy="1200329"/>
+          </a:xfrm>
+          <a:prstGeom prst="rect">
+            <a:avLst/>
+          </a:prstGeom>
+          <a:noFill/>
+        </p:spPr>
+        <p:txBody>
+          <a:bodyPr wrap="square">
+            <a:spAutoFit/>
+          </a:bodyPr>
+          <a:lstStyle/>
+          <a:p>
+            <a:r>
+              <a:rPr lang="en-US" sz="3600" dirty="0">
+                <a:solidFill>
+                  <a:schemeClr val="bg1"/>
+                </a:solidFill>
+                <a:latin typeface="Segoe UI Black" panose="020B0A02040204020203" pitchFamily="34" charset="0"/>
+                <a:ea typeface="Segoe UI Black" panose="020B0A02040204020203" pitchFamily="34" charset="0"/>
+              </a:rPr>
+              <a:t>0</a:t>
+            </a:r>
+            <a:br>
+              <a:rPr lang="en-US" sz="3600" dirty="0">
+                <a:solidFill>
+                  <a:schemeClr val="bg1"/>
+                </a:solidFill>
+                <a:latin typeface="Segoe UI Black" panose="020B0A02040204020203" pitchFamily="34" charset="0"/>
+                <a:ea typeface="Segoe UI Black" panose="020B0A02040204020203" pitchFamily="34" charset="0"/>
+              </a:rPr>
+            </a:br>
+            <a:r>
+              <a:rPr lang="en-US" sz="3600" dirty="0">
+                <a:solidFill>
+                  <a:schemeClr val="bg1"/>
+                </a:solidFill>
+                <a:latin typeface="Segoe UI Black" panose="020B0A02040204020203" pitchFamily="34" charset="0"/>
+                <a:ea typeface="Segoe UI Black" panose="020B0A02040204020203" pitchFamily="34" charset="0"/>
+              </a:rPr>
+              <a:t>1</a:t>
+            </a:r>
+          </a:p>
+        </p:txBody>
+      </p:sp>
+      <p:sp>
+        <p:nvSpPr>
+          <p:cNvPr id="16" name="TextBox 15">
+            <a:extLst>
+              <a:ext uri="{FF2B5EF4-FFF2-40B4-BE49-F238E27FC236}">
+                <a16:creationId xmlns:a16="http://schemas.microsoft.com/office/drawing/2014/main" id="{567EF8BD-C152-1C80-269A-1A84BA498D0C}"/>
+              </a:ext>
+            </a:extLst>
+          </p:cNvPr>
+          <p:cNvSpPr txBox="1"/>
+          <p:nvPr/>
+        </p:nvSpPr>
+        <p:spPr>
+          <a:xfrm>
+            <a:off x="3291682" y="-5941925"/>
+            <a:ext cx="432675" cy="10064294"/>
+          </a:xfrm>
+          <a:prstGeom prst="rect">
+            <a:avLst/>
+          </a:prstGeom>
+          <a:noFill/>
+        </p:spPr>
+        <p:txBody>
+          <a:bodyPr wrap="square">
+            <a:spAutoFit/>
+          </a:bodyPr>
+          <a:lstStyle/>
+          <a:p>
+            <a:r>
+              <a:rPr lang="en-US" sz="3600" dirty="0">
+                <a:solidFill>
+                  <a:schemeClr val="bg1"/>
+                </a:solidFill>
+                <a:latin typeface="Segoe UI Black" panose="020B0A02040204020203" pitchFamily="34" charset="0"/>
+                <a:ea typeface="Segoe UI Black" panose="020B0A02040204020203" pitchFamily="34" charset="0"/>
+              </a:rPr>
+              <a:t>0</a:t>
+            </a:r>
+            <a:br>
+              <a:rPr lang="en-US" sz="3600" dirty="0">
+                <a:solidFill>
+                  <a:schemeClr val="bg1"/>
+                </a:solidFill>
+                <a:latin typeface="Segoe UI Black" panose="020B0A02040204020203" pitchFamily="34" charset="0"/>
+                <a:ea typeface="Segoe UI Black" panose="020B0A02040204020203" pitchFamily="34" charset="0"/>
+              </a:rPr>
+            </a:br>
+            <a:r>
+              <a:rPr lang="en-US" sz="3600" dirty="0">
+                <a:solidFill>
+                  <a:schemeClr val="bg1"/>
+                </a:solidFill>
+                <a:latin typeface="Segoe UI Black" panose="020B0A02040204020203" pitchFamily="34" charset="0"/>
+                <a:ea typeface="Segoe UI Black" panose="020B0A02040204020203" pitchFamily="34" charset="0"/>
+              </a:rPr>
+              <a:t>1</a:t>
+            </a:r>
+            <a:br>
+              <a:rPr lang="en-US" sz="3600" dirty="0">
+                <a:solidFill>
+                  <a:schemeClr val="bg1"/>
+                </a:solidFill>
+                <a:latin typeface="Segoe UI Black" panose="020B0A02040204020203" pitchFamily="34" charset="0"/>
+                <a:ea typeface="Segoe UI Black" panose="020B0A02040204020203" pitchFamily="34" charset="0"/>
+              </a:rPr>
+            </a:br>
+            <a:r>
+              <a:rPr lang="en-US" sz="3600" dirty="0">
+                <a:solidFill>
+                  <a:schemeClr val="bg1"/>
+                </a:solidFill>
+                <a:latin typeface="Segoe UI Black" panose="020B0A02040204020203" pitchFamily="34" charset="0"/>
+                <a:ea typeface="Segoe UI Black" panose="020B0A02040204020203" pitchFamily="34" charset="0"/>
+              </a:rPr>
+              <a:t>2</a:t>
+            </a:r>
+            <a:br>
+              <a:rPr lang="en-US" sz="3600" dirty="0">
+                <a:solidFill>
+                  <a:schemeClr val="bg1"/>
+                </a:solidFill>
+                <a:latin typeface="Segoe UI Black" panose="020B0A02040204020203" pitchFamily="34" charset="0"/>
+                <a:ea typeface="Segoe UI Black" panose="020B0A02040204020203" pitchFamily="34" charset="0"/>
+              </a:rPr>
+            </a:br>
+            <a:r>
+              <a:rPr lang="en-US" sz="3600" dirty="0">
+                <a:solidFill>
+                  <a:schemeClr val="bg1"/>
+                </a:solidFill>
+                <a:latin typeface="Segoe UI Black" panose="020B0A02040204020203" pitchFamily="34" charset="0"/>
+                <a:ea typeface="Segoe UI Black" panose="020B0A02040204020203" pitchFamily="34" charset="0"/>
+              </a:rPr>
+              <a:t>3</a:t>
+            </a:r>
+            <a:br>
+              <a:rPr lang="en-US" sz="3600" dirty="0">
+                <a:solidFill>
+                  <a:schemeClr val="bg1"/>
+                </a:solidFill>
+                <a:latin typeface="Segoe UI Black" panose="020B0A02040204020203" pitchFamily="34" charset="0"/>
+                <a:ea typeface="Segoe UI Black" panose="020B0A02040204020203" pitchFamily="34" charset="0"/>
+              </a:rPr>
+            </a:br>
+            <a:r>
+              <a:rPr lang="en-US" sz="3600" dirty="0">
+                <a:solidFill>
+                  <a:schemeClr val="bg1"/>
+                </a:solidFill>
+                <a:latin typeface="Segoe UI Black" panose="020B0A02040204020203" pitchFamily="34" charset="0"/>
+                <a:ea typeface="Segoe UI Black" panose="020B0A02040204020203" pitchFamily="34" charset="0"/>
+              </a:rPr>
+              <a:t>4</a:t>
+            </a:r>
+            <a:br>
+              <a:rPr lang="en-US" sz="3600" dirty="0">
+                <a:solidFill>
+                  <a:schemeClr val="bg1"/>
+                </a:solidFill>
+                <a:latin typeface="Segoe UI Black" panose="020B0A02040204020203" pitchFamily="34" charset="0"/>
+                <a:ea typeface="Segoe UI Black" panose="020B0A02040204020203" pitchFamily="34" charset="0"/>
+              </a:rPr>
+            </a:br>
+            <a:r>
+              <a:rPr lang="en-US" sz="3600" dirty="0">
+                <a:solidFill>
+                  <a:schemeClr val="bg1"/>
+                </a:solidFill>
+                <a:latin typeface="Segoe UI Black" panose="020B0A02040204020203" pitchFamily="34" charset="0"/>
+                <a:ea typeface="Segoe UI Black" panose="020B0A02040204020203" pitchFamily="34" charset="0"/>
+              </a:rPr>
+              <a:t>5</a:t>
+            </a:r>
+            <a:br>
+              <a:rPr lang="en-US" sz="3600" dirty="0">
+                <a:solidFill>
+                  <a:schemeClr val="bg1"/>
+                </a:solidFill>
+                <a:latin typeface="Segoe UI Black" panose="020B0A02040204020203" pitchFamily="34" charset="0"/>
+                <a:ea typeface="Segoe UI Black" panose="020B0A02040204020203" pitchFamily="34" charset="0"/>
+              </a:rPr>
+            </a:br>
+            <a:r>
+              <a:rPr lang="en-US" sz="3600" dirty="0">
+                <a:solidFill>
+                  <a:schemeClr val="bg1"/>
+                </a:solidFill>
+                <a:latin typeface="Segoe UI Black" panose="020B0A02040204020203" pitchFamily="34" charset="0"/>
+                <a:ea typeface="Segoe UI Black" panose="020B0A02040204020203" pitchFamily="34" charset="0"/>
+              </a:rPr>
+              <a:t>6</a:t>
+            </a:r>
+            <a:br>
+              <a:rPr lang="en-US" sz="3600" dirty="0">
+                <a:solidFill>
+                  <a:schemeClr val="bg1"/>
+                </a:solidFill>
+                <a:latin typeface="Segoe UI Black" panose="020B0A02040204020203" pitchFamily="34" charset="0"/>
+                <a:ea typeface="Segoe UI Black" panose="020B0A02040204020203" pitchFamily="34" charset="0"/>
+              </a:rPr>
+            </a:br>
+            <a:r>
+              <a:rPr lang="en-US" sz="3600" dirty="0">
+                <a:solidFill>
+                  <a:schemeClr val="bg1"/>
+                </a:solidFill>
+                <a:latin typeface="Segoe UI Black" panose="020B0A02040204020203" pitchFamily="34" charset="0"/>
+                <a:ea typeface="Segoe UI Black" panose="020B0A02040204020203" pitchFamily="34" charset="0"/>
+              </a:rPr>
+              <a:t>7</a:t>
+            </a:r>
+            <a:br>
+              <a:rPr lang="en-US" sz="3600" dirty="0">
+                <a:solidFill>
+                  <a:schemeClr val="bg1"/>
+                </a:solidFill>
+                <a:latin typeface="Segoe UI Black" panose="020B0A02040204020203" pitchFamily="34" charset="0"/>
+                <a:ea typeface="Segoe UI Black" panose="020B0A02040204020203" pitchFamily="34" charset="0"/>
+              </a:rPr>
+            </a:br>
+            <a:r>
+              <a:rPr lang="en-US" sz="3600" dirty="0">
+                <a:solidFill>
+                  <a:schemeClr val="bg1"/>
+                </a:solidFill>
+                <a:latin typeface="Segoe UI Black" panose="020B0A02040204020203" pitchFamily="34" charset="0"/>
+                <a:ea typeface="Segoe UI Black" panose="020B0A02040204020203" pitchFamily="34" charset="0"/>
+              </a:rPr>
+              <a:t>8</a:t>
+            </a:r>
+            <a:br>
+              <a:rPr lang="en-US" sz="3600" dirty="0">
+                <a:solidFill>
+                  <a:schemeClr val="bg1"/>
+                </a:solidFill>
+                <a:latin typeface="Segoe UI Black" panose="020B0A02040204020203" pitchFamily="34" charset="0"/>
+                <a:ea typeface="Segoe UI Black" panose="020B0A02040204020203" pitchFamily="34" charset="0"/>
+              </a:rPr>
+            </a:br>
+            <a:r>
+              <a:rPr lang="en-US" sz="3600" dirty="0">
+                <a:solidFill>
+                  <a:schemeClr val="bg1"/>
+                </a:solidFill>
+                <a:latin typeface="Segoe UI Black" panose="020B0A02040204020203" pitchFamily="34" charset="0"/>
+                <a:ea typeface="Segoe UI Black" panose="020B0A02040204020203" pitchFamily="34" charset="0"/>
+              </a:rPr>
+              <a:t>9</a:t>
+            </a:r>
+            <a:br>
+              <a:rPr lang="en-US" sz="3600" dirty="0">
+                <a:solidFill>
+                  <a:schemeClr val="bg1"/>
+                </a:solidFill>
+                <a:latin typeface="Segoe UI Black" panose="020B0A02040204020203" pitchFamily="34" charset="0"/>
+                <a:ea typeface="Segoe UI Black" panose="020B0A02040204020203" pitchFamily="34" charset="0"/>
+              </a:rPr>
+            </a:br>
+            <a:r>
+              <a:rPr lang="en-US" sz="3600" dirty="0">
+                <a:solidFill>
+                  <a:schemeClr val="bg1"/>
+                </a:solidFill>
+                <a:latin typeface="Segoe UI Black" panose="020B0A02040204020203" pitchFamily="34" charset="0"/>
+                <a:ea typeface="Segoe UI Black" panose="020B0A02040204020203" pitchFamily="34" charset="0"/>
+              </a:rPr>
+              <a:t>0</a:t>
+            </a:r>
+            <a:br>
+              <a:rPr lang="en-US" sz="3600" dirty="0">
+                <a:solidFill>
+                  <a:schemeClr val="bg1"/>
+                </a:solidFill>
+                <a:latin typeface="Segoe UI Black" panose="020B0A02040204020203" pitchFamily="34" charset="0"/>
+                <a:ea typeface="Segoe UI Black" panose="020B0A02040204020203" pitchFamily="34" charset="0"/>
+              </a:rPr>
+            </a:br>
+            <a:r>
+              <a:rPr lang="en-US" sz="3600" dirty="0">
+                <a:solidFill>
+                  <a:schemeClr val="bg1"/>
+                </a:solidFill>
+                <a:latin typeface="Segoe UI Black" panose="020B0A02040204020203" pitchFamily="34" charset="0"/>
+                <a:ea typeface="Segoe UI Black" panose="020B0A02040204020203" pitchFamily="34" charset="0"/>
+              </a:rPr>
+              <a:t>12</a:t>
+            </a:r>
+            <a:br>
+              <a:rPr lang="en-US" sz="3600" dirty="0">
+                <a:solidFill>
+                  <a:schemeClr val="bg1"/>
+                </a:solidFill>
+                <a:latin typeface="Segoe UI Black" panose="020B0A02040204020203" pitchFamily="34" charset="0"/>
+                <a:ea typeface="Segoe UI Black" panose="020B0A02040204020203" pitchFamily="34" charset="0"/>
+              </a:rPr>
+            </a:br>
+            <a:r>
+              <a:rPr lang="en-US" sz="3600" dirty="0">
+                <a:solidFill>
+                  <a:schemeClr val="bg1"/>
+                </a:solidFill>
+                <a:latin typeface="Segoe UI Black" panose="020B0A02040204020203" pitchFamily="34" charset="0"/>
+                <a:ea typeface="Segoe UI Black" panose="020B0A02040204020203" pitchFamily="34" charset="0"/>
+              </a:rPr>
+              <a:t>3</a:t>
+            </a:r>
+            <a:br>
+              <a:rPr lang="en-US" sz="3600" dirty="0">
+                <a:solidFill>
+                  <a:schemeClr val="bg1"/>
+                </a:solidFill>
+                <a:latin typeface="Segoe UI Black" panose="020B0A02040204020203" pitchFamily="34" charset="0"/>
+                <a:ea typeface="Segoe UI Black" panose="020B0A02040204020203" pitchFamily="34" charset="0"/>
+              </a:rPr>
+            </a:br>
+            <a:r>
+              <a:rPr lang="en-US" sz="3600" dirty="0">
+                <a:solidFill>
+                  <a:schemeClr val="bg1"/>
+                </a:solidFill>
+                <a:latin typeface="Segoe UI Black" panose="020B0A02040204020203" pitchFamily="34" charset="0"/>
+                <a:ea typeface="Segoe UI Black" panose="020B0A02040204020203" pitchFamily="34" charset="0"/>
+              </a:rPr>
+              <a:t>4</a:t>
+            </a:r>
+            <a:br>
+              <a:rPr lang="en-US" sz="3600" dirty="0">
+                <a:solidFill>
+                  <a:schemeClr val="bg1"/>
+                </a:solidFill>
+                <a:latin typeface="Segoe UI Black" panose="020B0A02040204020203" pitchFamily="34" charset="0"/>
+                <a:ea typeface="Segoe UI Black" panose="020B0A02040204020203" pitchFamily="34" charset="0"/>
+              </a:rPr>
+            </a:br>
+            <a:r>
+              <a:rPr lang="en-US" sz="3600" dirty="0">
+                <a:solidFill>
+                  <a:schemeClr val="bg1"/>
+                </a:solidFill>
+                <a:latin typeface="Segoe UI Black" panose="020B0A02040204020203" pitchFamily="34" charset="0"/>
+                <a:ea typeface="Segoe UI Black" panose="020B0A02040204020203" pitchFamily="34" charset="0"/>
+              </a:rPr>
+              <a:t>5</a:t>
+            </a:r>
+          </a:p>
+          <a:p>
+            <a:r>
+              <a:rPr lang="en-US" sz="3600" dirty="0">
+                <a:solidFill>
+                  <a:schemeClr val="bg1"/>
+                </a:solidFill>
+                <a:latin typeface="Segoe UI Black" panose="020B0A02040204020203" pitchFamily="34" charset="0"/>
+                <a:ea typeface="Segoe UI Black" panose="020B0A02040204020203" pitchFamily="34" charset="0"/>
+              </a:rPr>
+              <a:t>6</a:t>
+            </a:r>
+          </a:p>
+          <a:p>
+            <a:r>
+              <a:rPr lang="en-US" sz="3600" dirty="0">
+                <a:solidFill>
+                  <a:schemeClr val="bg1"/>
+                </a:solidFill>
+                <a:latin typeface="Segoe UI Black" panose="020B0A02040204020203" pitchFamily="34" charset="0"/>
+                <a:ea typeface="Segoe UI Black" panose="020B0A02040204020203" pitchFamily="34" charset="0"/>
+              </a:rPr>
+              <a:t>7</a:t>
+            </a:r>
+          </a:p>
+        </p:txBody>
+      </p:sp>
+      <p:sp>
+        <p:nvSpPr>
+          <p:cNvPr id="18" name="Прямоугольник 17">
+            <a:extLst>
+              <a:ext uri="{FF2B5EF4-FFF2-40B4-BE49-F238E27FC236}">
+                <a16:creationId xmlns:a16="http://schemas.microsoft.com/office/drawing/2014/main" id="{7E2B0E77-D261-0880-A8A3-B5250CBC5CA8}"/>
               </a:ext>
             </a:extLst>
           </p:cNvPr>
@@ -4385,14 +5997,14 @@
         </p:nvSpPr>
         <p:spPr>
           <a:xfrm>
-            <a:off x="-1521397" y="2260871"/>
-            <a:ext cx="5293894" cy="5293894"/>
-          </a:xfrm>
-          <a:prstGeom prst="ellipse">
+            <a:off x="2879003" y="1"/>
+            <a:ext cx="816622" cy="3460986"/>
+          </a:xfrm>
+          <a:prstGeom prst="rect">
             <a:avLst/>
           </a:prstGeom>
           <a:solidFill>
-            <a:srgbClr val="4671D5"/>
+            <a:srgbClr val="1240AB"/>
           </a:solidFill>
           <a:ln>
             <a:noFill/>
@@ -4437,7 +6049,7 @@
         </p:nvSpPr>
         <p:spPr>
           <a:xfrm>
-            <a:off x="7292047" y="-1908904"/>
+            <a:off x="8939885" y="-317081"/>
             <a:ext cx="5293894" cy="5293894"/>
           </a:xfrm>
           <a:prstGeom prst="ellipse">
@@ -4477,10 +6089,10 @@
       </p:sp>
       <p:sp>
         <p:nvSpPr>
-          <p:cNvPr id="6" name="Овал 5">
-            <a:extLst>
-              <a:ext uri="{FF2B5EF4-FFF2-40B4-BE49-F238E27FC236}">
-                <a16:creationId xmlns:a16="http://schemas.microsoft.com/office/drawing/2014/main" id="{686A89E8-9913-1658-62F0-13AB5647B300}"/>
+          <p:cNvPr id="7" name="Овал 6">
+            <a:extLst>
+              <a:ext uri="{FF2B5EF4-FFF2-40B4-BE49-F238E27FC236}">
+                <a16:creationId xmlns:a16="http://schemas.microsoft.com/office/drawing/2014/main" id="{E5038763-0501-A4C5-A4B0-B45D98054E48}"/>
               </a:ext>
             </a:extLst>
           </p:cNvPr>
@@ -4489,7 +6101,7 @@
         </p:nvSpPr>
         <p:spPr>
           <a:xfrm>
-            <a:off x="238378" y="3631426"/>
+            <a:off x="9639135" y="780466"/>
             <a:ext cx="5293894" cy="5293894"/>
           </a:xfrm>
           <a:prstGeom prst="ellipse">
@@ -4529,10 +6141,175 @@
       </p:sp>
       <p:sp>
         <p:nvSpPr>
-          <p:cNvPr id="7" name="Овал 6">
-            <a:extLst>
-              <a:ext uri="{FF2B5EF4-FFF2-40B4-BE49-F238E27FC236}">
-                <a16:creationId xmlns:a16="http://schemas.microsoft.com/office/drawing/2014/main" id="{E5038763-0501-A4C5-A4B0-B45D98054E48}"/>
+          <p:cNvPr id="8" name="Заголовок 1">
+            <a:extLst>
+              <a:ext uri="{FF2B5EF4-FFF2-40B4-BE49-F238E27FC236}">
+                <a16:creationId xmlns:a16="http://schemas.microsoft.com/office/drawing/2014/main" id="{99F61202-D36E-624D-72C0-E18E2F233186}"/>
+              </a:ext>
+            </a:extLst>
+          </p:cNvPr>
+          <p:cNvSpPr txBox="1">
+            <a:spLocks/>
+          </p:cNvSpPr>
+          <p:nvPr/>
+        </p:nvSpPr>
+        <p:spPr>
+          <a:xfrm>
+            <a:off x="16878300" y="3427413"/>
+            <a:ext cx="6007100" cy="2387600"/>
+          </a:xfrm>
+          <a:prstGeom prst="rect">
+            <a:avLst/>
+          </a:prstGeom>
+        </p:spPr>
+        <p:txBody>
+          <a:bodyPr vert="horz" lIns="91440" tIns="45720" rIns="91440" bIns="45720" rtlCol="0" anchor="b">
+            <a:normAutofit lnSpcReduction="10000"/>
+          </a:bodyPr>
+          <a:lstStyle>
+            <a:lvl1pPr algn="ctr" defTabSz="914400" rtl="0" eaLnBrk="1" latinLnBrk="0" hangingPunct="1">
+              <a:lnSpc>
+                <a:spcPct val="90000"/>
+              </a:lnSpc>
+              <a:spcBef>
+                <a:spcPct val="0"/>
+              </a:spcBef>
+              <a:buNone/>
+              <a:defRPr sz="6000" kern="1200">
+                <a:solidFill>
+                  <a:schemeClr val="tx1"/>
+                </a:solidFill>
+                <a:latin typeface="+mj-lt"/>
+                <a:ea typeface="+mj-ea"/>
+                <a:cs typeface="+mj-cs"/>
+              </a:defRPr>
+            </a:lvl1pPr>
+          </a:lstStyle>
+          <a:p>
+            <a:pPr algn="l"/>
+            <a:br>
+              <a:rPr lang="en-US" sz="2800" dirty="0">
+                <a:solidFill>
+                  <a:schemeClr val="bg1"/>
+                </a:solidFill>
+                <a:latin typeface="Segoe UI Black" panose="020B0A02040204020203" pitchFamily="34" charset="0"/>
+                <a:ea typeface="Segoe UI Black" panose="020B0A02040204020203" pitchFamily="34" charset="0"/>
+              </a:rPr>
+            </a:br>
+            <a:r>
+              <a:rPr lang="en-US" sz="2800" dirty="0">
+                <a:solidFill>
+                  <a:schemeClr val="bg1"/>
+                </a:solidFill>
+                <a:latin typeface="Segoe UI Black" panose="020B0A02040204020203" pitchFamily="34" charset="0"/>
+                <a:ea typeface="Segoe UI Black" panose="020B0A02040204020203" pitchFamily="34" charset="0"/>
+              </a:rPr>
+              <a:t>develop an app that can help raise community awareness of what EMIT is, how it can be used, and what has already been accomplished with its data.!</a:t>
+            </a:r>
+            <a:endParaRPr lang="ru-KZ" sz="4000" dirty="0">
+              <a:solidFill>
+                <a:schemeClr val="bg1"/>
+              </a:solidFill>
+              <a:latin typeface="Segoe UI Black" panose="020B0A02040204020203" pitchFamily="34" charset="0"/>
+              <a:ea typeface="Segoe UI Black" panose="020B0A02040204020203" pitchFamily="34" charset="0"/>
+            </a:endParaRPr>
+          </a:p>
+        </p:txBody>
+      </p:sp>
+      <p:sp>
+        <p:nvSpPr>
+          <p:cNvPr id="9" name="TextBox 8">
+            <a:extLst>
+              <a:ext uri="{FF2B5EF4-FFF2-40B4-BE49-F238E27FC236}">
+                <a16:creationId xmlns:a16="http://schemas.microsoft.com/office/drawing/2014/main" id="{4503E64D-1E1B-08F7-6584-CC39B8ACCF37}"/>
+              </a:ext>
+            </a:extLst>
+          </p:cNvPr>
+          <p:cNvSpPr txBox="1"/>
+          <p:nvPr/>
+        </p:nvSpPr>
+        <p:spPr>
+          <a:xfrm>
+            <a:off x="12286082" y="3191345"/>
+            <a:ext cx="2817896" cy="707886"/>
+          </a:xfrm>
+          <a:prstGeom prst="rect">
+            <a:avLst/>
+          </a:prstGeom>
+          <a:noFill/>
+        </p:spPr>
+        <p:txBody>
+          <a:bodyPr wrap="square">
+            <a:spAutoFit/>
+          </a:bodyPr>
+          <a:lstStyle/>
+          <a:p>
+            <a:r>
+              <a:rPr lang="en-US" sz="4000" dirty="0">
+                <a:solidFill>
+                  <a:schemeClr val="bg1"/>
+                </a:solidFill>
+                <a:latin typeface="Segoe UI Black" panose="020B0A02040204020203" pitchFamily="34" charset="0"/>
+                <a:ea typeface="Segoe UI Black" panose="020B0A02040204020203" pitchFamily="34" charset="0"/>
+              </a:rPr>
+              <a:t>Challenge:</a:t>
+            </a:r>
+            <a:endParaRPr lang="ru-KZ" sz="4000" dirty="0"/>
+          </a:p>
+        </p:txBody>
+      </p:sp>
+      <p:pic>
+        <p:nvPicPr>
+          <p:cNvPr id="10" name="Рисунок 9">
+            <a:extLst>
+              <a:ext uri="{FF2B5EF4-FFF2-40B4-BE49-F238E27FC236}">
+                <a16:creationId xmlns:a16="http://schemas.microsoft.com/office/drawing/2014/main" id="{746386F8-0DAE-AB96-D31F-553CE56638B9}"/>
+              </a:ext>
+            </a:extLst>
+          </p:cNvPr>
+          <p:cNvPicPr>
+            <a:picLocks noChangeAspect="1"/>
+          </p:cNvPicPr>
+          <p:nvPr/>
+        </p:nvPicPr>
+        <p:blipFill>
+          <a:blip r:embed="rId2">
+            <a:extLst>
+              <a:ext uri="{BEBA8EAE-BF5A-486C-A8C5-ECC9F3942E4B}">
+                <a14:imgProps xmlns:a14="http://schemas.microsoft.com/office/drawing/2010/main">
+                  <a14:imgLayer r:embed="rId3">
+                    <a14:imgEffect>
+                      <a14:brightnessContrast bright="100000" contrast="-40000"/>
+                    </a14:imgEffect>
+                  </a14:imgLayer>
+                </a14:imgProps>
+              </a:ext>
+              <a:ext uri="{28A0092B-C50C-407E-A947-70E740481C1C}">
+                <a14:useLocalDpi xmlns:a14="http://schemas.microsoft.com/office/drawing/2010/main" val="0"/>
+              </a:ext>
+            </a:extLst>
+          </a:blip>
+          <a:stretch>
+            <a:fillRect/>
+          </a:stretch>
+        </p:blipFill>
+        <p:spPr>
+          <a:xfrm>
+            <a:off x="-5733039" y="1751521"/>
+            <a:ext cx="4063492" cy="4063492"/>
+          </a:xfrm>
+          <a:prstGeom prst="rect">
+            <a:avLst/>
+          </a:prstGeom>
+          <a:noFill/>
+        </p:spPr>
+      </p:pic>
+      <p:sp>
+        <p:nvSpPr>
+          <p:cNvPr id="3" name="Прямоугольник 2">
+            <a:extLst>
+              <a:ext uri="{FF2B5EF4-FFF2-40B4-BE49-F238E27FC236}">
+                <a16:creationId xmlns:a16="http://schemas.microsoft.com/office/drawing/2014/main" id="{D42253CD-8EC5-8B67-9D0E-4AFAFE50A2C4}"/>
               </a:ext>
             </a:extLst>
           </p:cNvPr>
@@ -4541,14 +6318,14 @@
         </p:nvSpPr>
         <p:spPr>
           <a:xfrm>
-            <a:off x="8832494" y="-595417"/>
-            <a:ext cx="5293894" cy="5293894"/>
-          </a:xfrm>
-          <a:prstGeom prst="ellipse">
+            <a:off x="2957687" y="3899231"/>
+            <a:ext cx="783733" cy="2958769"/>
+          </a:xfrm>
+          <a:prstGeom prst="rect">
             <a:avLst/>
           </a:prstGeom>
           <a:solidFill>
-            <a:srgbClr val="6C8CD5"/>
+            <a:srgbClr val="1240AB"/>
           </a:solidFill>
           <a:ln>
             <a:noFill/>
@@ -4581,10 +6358,10 @@
       </p:sp>
       <p:sp>
         <p:nvSpPr>
-          <p:cNvPr id="2" name="Заголовок 1">
-            <a:extLst>
-              <a:ext uri="{FF2B5EF4-FFF2-40B4-BE49-F238E27FC236}">
-                <a16:creationId xmlns:a16="http://schemas.microsoft.com/office/drawing/2014/main" id="{C6FBFD37-8CFE-EF66-D3D1-BFDF9B155EBC}"/>
+          <p:cNvPr id="11" name="Заголовок 1">
+            <a:extLst>
+              <a:ext uri="{FF2B5EF4-FFF2-40B4-BE49-F238E27FC236}">
+                <a16:creationId xmlns:a16="http://schemas.microsoft.com/office/drawing/2014/main" id="{F8C8E701-990F-3ABF-0DB3-B4A3A2F54985}"/>
               </a:ext>
             </a:extLst>
           </p:cNvPr>
@@ -4597,7 +6374,7 @@
         </p:nvSpPr>
         <p:spPr>
           <a:xfrm>
-            <a:off x="1524000" y="-608536"/>
+            <a:off x="1524000" y="-539592"/>
             <a:ext cx="9144000" cy="2387600"/>
           </a:xfrm>
         </p:spPr>
@@ -4648,10 +6425,114 @@
       </p:sp>
       <p:sp>
         <p:nvSpPr>
-          <p:cNvPr id="3" name="Заголовок 1">
-            <a:extLst>
-              <a:ext uri="{FF2B5EF4-FFF2-40B4-BE49-F238E27FC236}">
-                <a16:creationId xmlns:a16="http://schemas.microsoft.com/office/drawing/2014/main" id="{333B2CAC-14A6-2003-3CD3-62AED082E801}"/>
+          <p:cNvPr id="4" name="Овал 3">
+            <a:extLst>
+              <a:ext uri="{FF2B5EF4-FFF2-40B4-BE49-F238E27FC236}">
+                <a16:creationId xmlns:a16="http://schemas.microsoft.com/office/drawing/2014/main" id="{30410C27-559F-A5A6-A7D8-4E63C0D678C6}"/>
+              </a:ext>
+            </a:extLst>
+          </p:cNvPr>
+          <p:cNvSpPr/>
+          <p:nvPr/>
+        </p:nvSpPr>
+        <p:spPr>
+          <a:xfrm>
+            <a:off x="-2533604" y="182448"/>
+            <a:ext cx="5293894" cy="5293894"/>
+          </a:xfrm>
+          <a:prstGeom prst="ellipse">
+            <a:avLst/>
+          </a:prstGeom>
+          <a:solidFill>
+            <a:srgbClr val="4671D5"/>
+          </a:solidFill>
+          <a:ln>
+            <a:noFill/>
+          </a:ln>
+        </p:spPr>
+        <p:style>
+          <a:lnRef idx="2">
+            <a:schemeClr val="accent1">
+              <a:shade val="15000"/>
+            </a:schemeClr>
+          </a:lnRef>
+          <a:fillRef idx="1">
+            <a:schemeClr val="accent1"/>
+          </a:fillRef>
+          <a:effectRef idx="0">
+            <a:schemeClr val="accent1"/>
+          </a:effectRef>
+          <a:fontRef idx="minor">
+            <a:schemeClr val="lt1"/>
+          </a:fontRef>
+        </p:style>
+        <p:txBody>
+          <a:bodyPr rtlCol="0" anchor="ctr"/>
+          <a:lstStyle/>
+          <a:p>
+            <a:pPr algn="ctr"/>
+            <a:endParaRPr lang="ru-KZ"/>
+          </a:p>
+        </p:txBody>
+      </p:sp>
+      <p:sp>
+        <p:nvSpPr>
+          <p:cNvPr id="6" name="Овал 5">
+            <a:extLst>
+              <a:ext uri="{FF2B5EF4-FFF2-40B4-BE49-F238E27FC236}">
+                <a16:creationId xmlns:a16="http://schemas.microsoft.com/office/drawing/2014/main" id="{686A89E8-9913-1658-62F0-13AB5647B300}"/>
+              </a:ext>
+            </a:extLst>
+          </p:cNvPr>
+          <p:cNvSpPr/>
+          <p:nvPr/>
+        </p:nvSpPr>
+        <p:spPr>
+          <a:xfrm>
+            <a:off x="-2542172" y="1924791"/>
+            <a:ext cx="5293894" cy="5293894"/>
+          </a:xfrm>
+          <a:prstGeom prst="ellipse">
+            <a:avLst/>
+          </a:prstGeom>
+          <a:solidFill>
+            <a:srgbClr val="6C8CD5"/>
+          </a:solidFill>
+          <a:ln>
+            <a:noFill/>
+          </a:ln>
+        </p:spPr>
+        <p:style>
+          <a:lnRef idx="2">
+            <a:schemeClr val="accent1">
+              <a:shade val="15000"/>
+            </a:schemeClr>
+          </a:lnRef>
+          <a:fillRef idx="1">
+            <a:schemeClr val="accent1"/>
+          </a:fillRef>
+          <a:effectRef idx="0">
+            <a:schemeClr val="accent1"/>
+          </a:effectRef>
+          <a:fontRef idx="minor">
+            <a:schemeClr val="lt1"/>
+          </a:fontRef>
+        </p:style>
+        <p:txBody>
+          <a:bodyPr rtlCol="0" anchor="ctr"/>
+          <a:lstStyle/>
+          <a:p>
+            <a:pPr algn="ctr"/>
+            <a:endParaRPr lang="ru-KZ"/>
+          </a:p>
+        </p:txBody>
+      </p:sp>
+      <p:sp>
+        <p:nvSpPr>
+          <p:cNvPr id="14" name="Заголовок 1">
+            <a:extLst>
+              <a:ext uri="{FF2B5EF4-FFF2-40B4-BE49-F238E27FC236}">
+                <a16:creationId xmlns:a16="http://schemas.microsoft.com/office/drawing/2014/main" id="{B5FA4CFF-E1CF-9471-3ECA-3B555A87AC7C}"/>
               </a:ext>
             </a:extLst>
           </p:cNvPr>
@@ -4662,8 +6543,8 @@
         </p:nvSpPr>
         <p:spPr>
           <a:xfrm>
-            <a:off x="17583150" y="3427413"/>
-            <a:ext cx="6007100" cy="2387600"/>
+            <a:off x="0" y="2184138"/>
+            <a:ext cx="12080117" cy="2387600"/>
           </a:xfrm>
           <a:prstGeom prst="rect">
             <a:avLst/>
@@ -4671,7 +6552,7 @@
         </p:spPr>
         <p:txBody>
           <a:bodyPr vert="horz" lIns="91440" tIns="45720" rIns="91440" bIns="45720" rtlCol="0" anchor="b">
-            <a:normAutofit lnSpcReduction="10000"/>
+            <a:normAutofit/>
           </a:bodyPr>
           <a:lstStyle>
             <a:lvl1pPr algn="ctr" defTabSz="914400" rtl="0" eaLnBrk="1" latinLnBrk="0" hangingPunct="1">
@@ -4693,25 +6574,15 @@
             </a:lvl1pPr>
           </a:lstStyle>
           <a:p>
-            <a:pPr algn="l"/>
-            <a:br>
-              <a:rPr lang="en-US" sz="2800" dirty="0">
-                <a:solidFill>
-                  <a:schemeClr val="bg1"/>
-                </a:solidFill>
-                <a:latin typeface="Segoe UI Black" panose="020B0A02040204020203" pitchFamily="34" charset="0"/>
-                <a:ea typeface="Segoe UI Black" panose="020B0A02040204020203" pitchFamily="34" charset="0"/>
-              </a:rPr>
-            </a:br>
-            <a:r>
-              <a:rPr lang="en-US" sz="2800" dirty="0">
-                <a:solidFill>
-                  <a:schemeClr val="bg1"/>
-                </a:solidFill>
-                <a:latin typeface="Segoe UI Black" panose="020B0A02040204020203" pitchFamily="34" charset="0"/>
-                <a:ea typeface="Segoe UI Black" panose="020B0A02040204020203" pitchFamily="34" charset="0"/>
-              </a:rPr>
-              <a:t>develop an app that can help raise community awareness of what EMIT is, how it can be used, and what has already been accomplished with its data.!</a:t>
+            <a:r>
+              <a:rPr lang="en-US" sz="4000" dirty="0">
+                <a:solidFill>
+                  <a:schemeClr val="bg1"/>
+                </a:solidFill>
+                <a:latin typeface="Segoe UI Black" panose="020B0A02040204020203" pitchFamily="34" charset="0"/>
+                <a:ea typeface="Segoe UI Black" panose="020B0A02040204020203" pitchFamily="34" charset="0"/>
+              </a:rPr>
+              <a:t>There is a       million of metric coarse dust on the Earth</a:t>
             </a:r>
             <a:endParaRPr lang="ru-KZ" sz="4000" dirty="0">
               <a:solidFill>
@@ -4723,133 +6594,10 @@
           </a:p>
         </p:txBody>
       </p:sp>
-      <p:sp>
-        <p:nvSpPr>
-          <p:cNvPr id="9" name="TextBox 8">
-            <a:extLst>
-              <a:ext uri="{FF2B5EF4-FFF2-40B4-BE49-F238E27FC236}">
-                <a16:creationId xmlns:a16="http://schemas.microsoft.com/office/drawing/2014/main" id="{DD97E5CA-175E-F282-4664-20779C46AD70}"/>
-              </a:ext>
-            </a:extLst>
-          </p:cNvPr>
-          <p:cNvSpPr txBox="1"/>
-          <p:nvPr/>
-        </p:nvSpPr>
-        <p:spPr>
-          <a:xfrm>
-            <a:off x="12324182" y="3191345"/>
-            <a:ext cx="2817896" cy="707886"/>
-          </a:xfrm>
-          <a:prstGeom prst="rect">
-            <a:avLst/>
-          </a:prstGeom>
-          <a:noFill/>
-        </p:spPr>
-        <p:txBody>
-          <a:bodyPr wrap="square">
-            <a:spAutoFit/>
-          </a:bodyPr>
-          <a:lstStyle/>
-          <a:p>
-            <a:r>
-              <a:rPr lang="en-US" sz="4000" dirty="0">
-                <a:solidFill>
-                  <a:schemeClr val="bg1"/>
-                </a:solidFill>
-                <a:latin typeface="Segoe UI Black" panose="020B0A02040204020203" pitchFamily="34" charset="0"/>
-                <a:ea typeface="Segoe UI Black" panose="020B0A02040204020203" pitchFamily="34" charset="0"/>
-              </a:rPr>
-              <a:t>Challenge:</a:t>
-            </a:r>
-            <a:endParaRPr lang="ru-KZ" sz="4000" dirty="0"/>
-          </a:p>
-        </p:txBody>
-      </p:sp>
-      <p:pic>
-        <p:nvPicPr>
-          <p:cNvPr id="11" name="Рисунок 10">
-            <a:extLst>
-              <a:ext uri="{FF2B5EF4-FFF2-40B4-BE49-F238E27FC236}">
-                <a16:creationId xmlns:a16="http://schemas.microsoft.com/office/drawing/2014/main" id="{CC92B96B-9E03-8516-827B-84163B71D99F}"/>
-              </a:ext>
-            </a:extLst>
-          </p:cNvPr>
-          <p:cNvPicPr>
-            <a:picLocks noChangeAspect="1"/>
-          </p:cNvPicPr>
-          <p:nvPr/>
-        </p:nvPicPr>
-        <p:blipFill>
-          <a:blip r:embed="rId2">
-            <a:extLst>
-              <a:ext uri="{BEBA8EAE-BF5A-486C-A8C5-ECC9F3942E4B}">
-                <a14:imgProps xmlns:a14="http://schemas.microsoft.com/office/drawing/2010/main">
-                  <a14:imgLayer r:embed="rId3">
-                    <a14:imgEffect>
-                      <a14:brightnessContrast bright="100000" contrast="-40000"/>
-                    </a14:imgEffect>
-                  </a14:imgLayer>
-                </a14:imgProps>
-              </a:ext>
-              <a:ext uri="{28A0092B-C50C-407E-A947-70E740481C1C}">
-                <a14:useLocalDpi xmlns:a14="http://schemas.microsoft.com/office/drawing/2010/main" val="0"/>
-              </a:ext>
-            </a:extLst>
-          </a:blip>
-          <a:stretch>
-            <a:fillRect/>
-          </a:stretch>
-        </p:blipFill>
-        <p:spPr>
-          <a:xfrm>
-            <a:off x="-8196840" y="1751521"/>
-            <a:ext cx="4063492" cy="4063492"/>
-          </a:xfrm>
-          <a:prstGeom prst="rect">
-            <a:avLst/>
-          </a:prstGeom>
-          <a:noFill/>
-        </p:spPr>
-      </p:pic>
-      <p:pic>
-        <p:nvPicPr>
-          <p:cNvPr id="10" name="Рисунок 9">
-            <a:extLst>
-              <a:ext uri="{FF2B5EF4-FFF2-40B4-BE49-F238E27FC236}">
-                <a16:creationId xmlns:a16="http://schemas.microsoft.com/office/drawing/2014/main" id="{7DE41785-B9F7-F375-01F8-F39C38498747}"/>
-              </a:ext>
-            </a:extLst>
-          </p:cNvPr>
-          <p:cNvPicPr>
-            <a:picLocks noChangeAspect="1"/>
-          </p:cNvPicPr>
-          <p:nvPr/>
-        </p:nvPicPr>
-        <p:blipFill>
-          <a:blip r:embed="rId4"/>
-          <a:stretch>
-            <a:fillRect/>
-          </a:stretch>
-        </p:blipFill>
-        <p:spPr>
-          <a:xfrm>
-            <a:off x="2327178" y="2219102"/>
-            <a:ext cx="7611816" cy="3849930"/>
-          </a:xfrm>
-          <a:prstGeom prst="rect">
-            <a:avLst/>
-          </a:prstGeom>
-          <a:ln w="76200">
-            <a:solidFill>
-              <a:schemeClr val="bg1"/>
-            </a:solidFill>
-          </a:ln>
-        </p:spPr>
-      </p:pic>
     </p:spTree>
     <p:extLst>
       <p:ext uri="{BB962C8B-B14F-4D97-AF65-F5344CB8AC3E}">
-        <p14:creationId xmlns:p14="http://schemas.microsoft.com/office/powerpoint/2010/main" val="2152611758"/>
+        <p14:creationId xmlns:p14="http://schemas.microsoft.com/office/powerpoint/2010/main" val="3278407957"/>
       </p:ext>
     </p:extLst>
   </p:cSld>
@@ -4858,7 +6606,7 @@
   </p:clrMapOvr>
   <mc:AlternateContent xmlns:mc="http://schemas.openxmlformats.org/markup-compatibility/2006">
     <mc:Choice xmlns:p159="http://schemas.microsoft.com/office/powerpoint/2015/09/main" Requires="p159">
-      <p:transition xmlns:p14="http://schemas.microsoft.com/office/powerpoint/2010/main" spd="slow" p14:dur="1500">
+      <p:transition xmlns:p14="http://schemas.microsoft.com/office/powerpoint/2010/main" spd="slow" p14:dur="3000">
         <p159:morph option="byObject"/>
       </p:transition>
     </mc:Choice>
@@ -4898,10 +6646,401 @@
       </p:grpSpPr>
       <p:sp>
         <p:nvSpPr>
-          <p:cNvPr id="4" name="Овал 3">
-            <a:extLst>
-              <a:ext uri="{FF2B5EF4-FFF2-40B4-BE49-F238E27FC236}">
-                <a16:creationId xmlns:a16="http://schemas.microsoft.com/office/drawing/2014/main" id="{30410C27-559F-A5A6-A7D8-4E63C0D678C6}"/>
+          <p:cNvPr id="14" name="TextBox 13">
+            <a:extLst>
+              <a:ext uri="{FF2B5EF4-FFF2-40B4-BE49-F238E27FC236}">
+                <a16:creationId xmlns:a16="http://schemas.microsoft.com/office/drawing/2014/main" id="{171DED9E-67C7-6206-4BE2-897F0CF395F8}"/>
+              </a:ext>
+            </a:extLst>
+          </p:cNvPr>
+          <p:cNvSpPr txBox="1"/>
+          <p:nvPr/>
+        </p:nvSpPr>
+        <p:spPr>
+          <a:xfrm>
+            <a:off x="2916878" y="13143321"/>
+            <a:ext cx="432675" cy="1200329"/>
+          </a:xfrm>
+          <a:prstGeom prst="rect">
+            <a:avLst/>
+          </a:prstGeom>
+          <a:noFill/>
+        </p:spPr>
+        <p:txBody>
+          <a:bodyPr wrap="square">
+            <a:spAutoFit/>
+          </a:bodyPr>
+          <a:lstStyle/>
+          <a:p>
+            <a:r>
+              <a:rPr lang="en-US" sz="3600" dirty="0">
+                <a:solidFill>
+                  <a:schemeClr val="bg1"/>
+                </a:solidFill>
+                <a:latin typeface="Segoe UI Black" panose="020B0A02040204020203" pitchFamily="34" charset="0"/>
+                <a:ea typeface="Segoe UI Black" panose="020B0A02040204020203" pitchFamily="34" charset="0"/>
+              </a:rPr>
+              <a:t>0</a:t>
+            </a:r>
+            <a:br>
+              <a:rPr lang="en-US" sz="3600" dirty="0">
+                <a:solidFill>
+                  <a:schemeClr val="bg1"/>
+                </a:solidFill>
+                <a:latin typeface="Segoe UI Black" panose="020B0A02040204020203" pitchFamily="34" charset="0"/>
+                <a:ea typeface="Segoe UI Black" panose="020B0A02040204020203" pitchFamily="34" charset="0"/>
+              </a:rPr>
+            </a:br>
+            <a:r>
+              <a:rPr lang="en-US" sz="3600" dirty="0">
+                <a:solidFill>
+                  <a:schemeClr val="bg1"/>
+                </a:solidFill>
+                <a:latin typeface="Segoe UI Black" panose="020B0A02040204020203" pitchFamily="34" charset="0"/>
+                <a:ea typeface="Segoe UI Black" panose="020B0A02040204020203" pitchFamily="34" charset="0"/>
+              </a:rPr>
+              <a:t>1</a:t>
+            </a:r>
+          </a:p>
+        </p:txBody>
+      </p:sp>
+      <p:sp>
+        <p:nvSpPr>
+          <p:cNvPr id="15" name="TextBox 14">
+            <a:extLst>
+              <a:ext uri="{FF2B5EF4-FFF2-40B4-BE49-F238E27FC236}">
+                <a16:creationId xmlns:a16="http://schemas.microsoft.com/office/drawing/2014/main" id="{CA94D2CC-861D-9727-9263-3F6CB190FF52}"/>
+              </a:ext>
+            </a:extLst>
+          </p:cNvPr>
+          <p:cNvSpPr txBox="1"/>
+          <p:nvPr/>
+        </p:nvSpPr>
+        <p:spPr>
+          <a:xfrm>
+            <a:off x="3304382" y="18384925"/>
+            <a:ext cx="432675" cy="10064294"/>
+          </a:xfrm>
+          <a:prstGeom prst="rect">
+            <a:avLst/>
+          </a:prstGeom>
+          <a:noFill/>
+        </p:spPr>
+        <p:txBody>
+          <a:bodyPr wrap="square">
+            <a:spAutoFit/>
+          </a:bodyPr>
+          <a:lstStyle/>
+          <a:p>
+            <a:r>
+              <a:rPr lang="en-US" sz="3600" dirty="0">
+                <a:solidFill>
+                  <a:schemeClr val="bg1"/>
+                </a:solidFill>
+                <a:latin typeface="Segoe UI Black" panose="020B0A02040204020203" pitchFamily="34" charset="0"/>
+                <a:ea typeface="Segoe UI Black" panose="020B0A02040204020203" pitchFamily="34" charset="0"/>
+              </a:rPr>
+              <a:t>0</a:t>
+            </a:r>
+            <a:br>
+              <a:rPr lang="en-US" sz="3600" dirty="0">
+                <a:solidFill>
+                  <a:schemeClr val="bg1"/>
+                </a:solidFill>
+                <a:latin typeface="Segoe UI Black" panose="020B0A02040204020203" pitchFamily="34" charset="0"/>
+                <a:ea typeface="Segoe UI Black" panose="020B0A02040204020203" pitchFamily="34" charset="0"/>
+              </a:rPr>
+            </a:br>
+            <a:r>
+              <a:rPr lang="en-US" sz="3600" dirty="0">
+                <a:solidFill>
+                  <a:schemeClr val="bg1"/>
+                </a:solidFill>
+                <a:latin typeface="Segoe UI Black" panose="020B0A02040204020203" pitchFamily="34" charset="0"/>
+                <a:ea typeface="Segoe UI Black" panose="020B0A02040204020203" pitchFamily="34" charset="0"/>
+              </a:rPr>
+              <a:t>1</a:t>
+            </a:r>
+            <a:br>
+              <a:rPr lang="en-US" sz="3600" dirty="0">
+                <a:solidFill>
+                  <a:schemeClr val="bg1"/>
+                </a:solidFill>
+                <a:latin typeface="Segoe UI Black" panose="020B0A02040204020203" pitchFamily="34" charset="0"/>
+                <a:ea typeface="Segoe UI Black" panose="020B0A02040204020203" pitchFamily="34" charset="0"/>
+              </a:rPr>
+            </a:br>
+            <a:r>
+              <a:rPr lang="en-US" sz="3600" dirty="0">
+                <a:solidFill>
+                  <a:schemeClr val="bg1"/>
+                </a:solidFill>
+                <a:latin typeface="Segoe UI Black" panose="020B0A02040204020203" pitchFamily="34" charset="0"/>
+                <a:ea typeface="Segoe UI Black" panose="020B0A02040204020203" pitchFamily="34" charset="0"/>
+              </a:rPr>
+              <a:t>2</a:t>
+            </a:r>
+            <a:br>
+              <a:rPr lang="en-US" sz="3600" dirty="0">
+                <a:solidFill>
+                  <a:schemeClr val="bg1"/>
+                </a:solidFill>
+                <a:latin typeface="Segoe UI Black" panose="020B0A02040204020203" pitchFamily="34" charset="0"/>
+                <a:ea typeface="Segoe UI Black" panose="020B0A02040204020203" pitchFamily="34" charset="0"/>
+              </a:rPr>
+            </a:br>
+            <a:r>
+              <a:rPr lang="en-US" sz="3600" dirty="0">
+                <a:solidFill>
+                  <a:schemeClr val="bg1"/>
+                </a:solidFill>
+                <a:latin typeface="Segoe UI Black" panose="020B0A02040204020203" pitchFamily="34" charset="0"/>
+                <a:ea typeface="Segoe UI Black" panose="020B0A02040204020203" pitchFamily="34" charset="0"/>
+              </a:rPr>
+              <a:t>3</a:t>
+            </a:r>
+            <a:br>
+              <a:rPr lang="en-US" sz="3600" dirty="0">
+                <a:solidFill>
+                  <a:schemeClr val="bg1"/>
+                </a:solidFill>
+                <a:latin typeface="Segoe UI Black" panose="020B0A02040204020203" pitchFamily="34" charset="0"/>
+                <a:ea typeface="Segoe UI Black" panose="020B0A02040204020203" pitchFamily="34" charset="0"/>
+              </a:rPr>
+            </a:br>
+            <a:r>
+              <a:rPr lang="en-US" sz="3600" dirty="0">
+                <a:solidFill>
+                  <a:schemeClr val="bg1"/>
+                </a:solidFill>
+                <a:latin typeface="Segoe UI Black" panose="020B0A02040204020203" pitchFamily="34" charset="0"/>
+                <a:ea typeface="Segoe UI Black" panose="020B0A02040204020203" pitchFamily="34" charset="0"/>
+              </a:rPr>
+              <a:t>4</a:t>
+            </a:r>
+            <a:br>
+              <a:rPr lang="en-US" sz="3600" dirty="0">
+                <a:solidFill>
+                  <a:schemeClr val="bg1"/>
+                </a:solidFill>
+                <a:latin typeface="Segoe UI Black" panose="020B0A02040204020203" pitchFamily="34" charset="0"/>
+                <a:ea typeface="Segoe UI Black" panose="020B0A02040204020203" pitchFamily="34" charset="0"/>
+              </a:rPr>
+            </a:br>
+            <a:r>
+              <a:rPr lang="en-US" sz="3600" dirty="0">
+                <a:solidFill>
+                  <a:schemeClr val="bg1"/>
+                </a:solidFill>
+                <a:latin typeface="Segoe UI Black" panose="020B0A02040204020203" pitchFamily="34" charset="0"/>
+                <a:ea typeface="Segoe UI Black" panose="020B0A02040204020203" pitchFamily="34" charset="0"/>
+              </a:rPr>
+              <a:t>5</a:t>
+            </a:r>
+            <a:br>
+              <a:rPr lang="en-US" sz="3600" dirty="0">
+                <a:solidFill>
+                  <a:schemeClr val="bg1"/>
+                </a:solidFill>
+                <a:latin typeface="Segoe UI Black" panose="020B0A02040204020203" pitchFamily="34" charset="0"/>
+                <a:ea typeface="Segoe UI Black" panose="020B0A02040204020203" pitchFamily="34" charset="0"/>
+              </a:rPr>
+            </a:br>
+            <a:r>
+              <a:rPr lang="en-US" sz="3600" dirty="0">
+                <a:solidFill>
+                  <a:schemeClr val="bg1"/>
+                </a:solidFill>
+                <a:latin typeface="Segoe UI Black" panose="020B0A02040204020203" pitchFamily="34" charset="0"/>
+                <a:ea typeface="Segoe UI Black" panose="020B0A02040204020203" pitchFamily="34" charset="0"/>
+              </a:rPr>
+              <a:t>6</a:t>
+            </a:r>
+            <a:br>
+              <a:rPr lang="en-US" sz="3600" dirty="0">
+                <a:solidFill>
+                  <a:schemeClr val="bg1"/>
+                </a:solidFill>
+                <a:latin typeface="Segoe UI Black" panose="020B0A02040204020203" pitchFamily="34" charset="0"/>
+                <a:ea typeface="Segoe UI Black" panose="020B0A02040204020203" pitchFamily="34" charset="0"/>
+              </a:rPr>
+            </a:br>
+            <a:r>
+              <a:rPr lang="en-US" sz="3600" dirty="0">
+                <a:solidFill>
+                  <a:schemeClr val="bg1"/>
+                </a:solidFill>
+                <a:latin typeface="Segoe UI Black" panose="020B0A02040204020203" pitchFamily="34" charset="0"/>
+                <a:ea typeface="Segoe UI Black" panose="020B0A02040204020203" pitchFamily="34" charset="0"/>
+              </a:rPr>
+              <a:t>7</a:t>
+            </a:r>
+            <a:br>
+              <a:rPr lang="en-US" sz="3600" dirty="0">
+                <a:solidFill>
+                  <a:schemeClr val="bg1"/>
+                </a:solidFill>
+                <a:latin typeface="Segoe UI Black" panose="020B0A02040204020203" pitchFamily="34" charset="0"/>
+                <a:ea typeface="Segoe UI Black" panose="020B0A02040204020203" pitchFamily="34" charset="0"/>
+              </a:rPr>
+            </a:br>
+            <a:r>
+              <a:rPr lang="en-US" sz="3600" dirty="0">
+                <a:solidFill>
+                  <a:schemeClr val="bg1"/>
+                </a:solidFill>
+                <a:latin typeface="Segoe UI Black" panose="020B0A02040204020203" pitchFamily="34" charset="0"/>
+                <a:ea typeface="Segoe UI Black" panose="020B0A02040204020203" pitchFamily="34" charset="0"/>
+              </a:rPr>
+              <a:t>8</a:t>
+            </a:r>
+            <a:br>
+              <a:rPr lang="en-US" sz="3600" dirty="0">
+                <a:solidFill>
+                  <a:schemeClr val="bg1"/>
+                </a:solidFill>
+                <a:latin typeface="Segoe UI Black" panose="020B0A02040204020203" pitchFamily="34" charset="0"/>
+                <a:ea typeface="Segoe UI Black" panose="020B0A02040204020203" pitchFamily="34" charset="0"/>
+              </a:rPr>
+            </a:br>
+            <a:r>
+              <a:rPr lang="en-US" sz="3600" dirty="0">
+                <a:solidFill>
+                  <a:schemeClr val="bg1"/>
+                </a:solidFill>
+                <a:latin typeface="Segoe UI Black" panose="020B0A02040204020203" pitchFamily="34" charset="0"/>
+                <a:ea typeface="Segoe UI Black" panose="020B0A02040204020203" pitchFamily="34" charset="0"/>
+              </a:rPr>
+              <a:t>9</a:t>
+            </a:r>
+            <a:br>
+              <a:rPr lang="en-US" sz="3600" dirty="0">
+                <a:solidFill>
+                  <a:schemeClr val="bg1"/>
+                </a:solidFill>
+                <a:latin typeface="Segoe UI Black" panose="020B0A02040204020203" pitchFamily="34" charset="0"/>
+                <a:ea typeface="Segoe UI Black" panose="020B0A02040204020203" pitchFamily="34" charset="0"/>
+              </a:rPr>
+            </a:br>
+            <a:r>
+              <a:rPr lang="en-US" sz="3600" dirty="0">
+                <a:solidFill>
+                  <a:schemeClr val="bg1"/>
+                </a:solidFill>
+                <a:latin typeface="Segoe UI Black" panose="020B0A02040204020203" pitchFamily="34" charset="0"/>
+                <a:ea typeface="Segoe UI Black" panose="020B0A02040204020203" pitchFamily="34" charset="0"/>
+              </a:rPr>
+              <a:t>0</a:t>
+            </a:r>
+            <a:br>
+              <a:rPr lang="en-US" sz="3600" dirty="0">
+                <a:solidFill>
+                  <a:schemeClr val="bg1"/>
+                </a:solidFill>
+                <a:latin typeface="Segoe UI Black" panose="020B0A02040204020203" pitchFamily="34" charset="0"/>
+                <a:ea typeface="Segoe UI Black" panose="020B0A02040204020203" pitchFamily="34" charset="0"/>
+              </a:rPr>
+            </a:br>
+            <a:r>
+              <a:rPr lang="en-US" sz="3600" dirty="0">
+                <a:solidFill>
+                  <a:schemeClr val="bg1"/>
+                </a:solidFill>
+                <a:latin typeface="Segoe UI Black" panose="020B0A02040204020203" pitchFamily="34" charset="0"/>
+                <a:ea typeface="Segoe UI Black" panose="020B0A02040204020203" pitchFamily="34" charset="0"/>
+              </a:rPr>
+              <a:t>12</a:t>
+            </a:r>
+            <a:br>
+              <a:rPr lang="en-US" sz="3600" dirty="0">
+                <a:solidFill>
+                  <a:schemeClr val="bg1"/>
+                </a:solidFill>
+                <a:latin typeface="Segoe UI Black" panose="020B0A02040204020203" pitchFamily="34" charset="0"/>
+                <a:ea typeface="Segoe UI Black" panose="020B0A02040204020203" pitchFamily="34" charset="0"/>
+              </a:rPr>
+            </a:br>
+            <a:r>
+              <a:rPr lang="en-US" sz="3600" dirty="0">
+                <a:solidFill>
+                  <a:schemeClr val="bg1"/>
+                </a:solidFill>
+                <a:latin typeface="Segoe UI Black" panose="020B0A02040204020203" pitchFamily="34" charset="0"/>
+                <a:ea typeface="Segoe UI Black" panose="020B0A02040204020203" pitchFamily="34" charset="0"/>
+              </a:rPr>
+              <a:t>3</a:t>
+            </a:r>
+            <a:br>
+              <a:rPr lang="en-US" sz="3600" dirty="0">
+                <a:solidFill>
+                  <a:schemeClr val="bg1"/>
+                </a:solidFill>
+                <a:latin typeface="Segoe UI Black" panose="020B0A02040204020203" pitchFamily="34" charset="0"/>
+                <a:ea typeface="Segoe UI Black" panose="020B0A02040204020203" pitchFamily="34" charset="0"/>
+              </a:rPr>
+            </a:br>
+            <a:r>
+              <a:rPr lang="en-US" sz="3600" dirty="0">
+                <a:solidFill>
+                  <a:schemeClr val="bg1"/>
+                </a:solidFill>
+                <a:latin typeface="Segoe UI Black" panose="020B0A02040204020203" pitchFamily="34" charset="0"/>
+                <a:ea typeface="Segoe UI Black" panose="020B0A02040204020203" pitchFamily="34" charset="0"/>
+              </a:rPr>
+              <a:t>4</a:t>
+            </a:r>
+            <a:br>
+              <a:rPr lang="en-US" sz="3600" dirty="0">
+                <a:solidFill>
+                  <a:schemeClr val="bg1"/>
+                </a:solidFill>
+                <a:latin typeface="Segoe UI Black" panose="020B0A02040204020203" pitchFamily="34" charset="0"/>
+                <a:ea typeface="Segoe UI Black" panose="020B0A02040204020203" pitchFamily="34" charset="0"/>
+              </a:rPr>
+            </a:br>
+            <a:r>
+              <a:rPr lang="en-US" sz="3600" dirty="0">
+                <a:solidFill>
+                  <a:schemeClr val="bg1"/>
+                </a:solidFill>
+                <a:latin typeface="Segoe UI Black" panose="020B0A02040204020203" pitchFamily="34" charset="0"/>
+                <a:ea typeface="Segoe UI Black" panose="020B0A02040204020203" pitchFamily="34" charset="0"/>
+              </a:rPr>
+              <a:t>5</a:t>
+            </a:r>
+          </a:p>
+          <a:p>
+            <a:r>
+              <a:rPr lang="en-US" sz="3600" dirty="0">
+                <a:solidFill>
+                  <a:schemeClr val="bg1"/>
+                </a:solidFill>
+                <a:latin typeface="Segoe UI Black" panose="020B0A02040204020203" pitchFamily="34" charset="0"/>
+                <a:ea typeface="Segoe UI Black" panose="020B0A02040204020203" pitchFamily="34" charset="0"/>
+              </a:rPr>
+              <a:t>6</a:t>
+            </a:r>
+          </a:p>
+          <a:p>
+            <a:r>
+              <a:rPr lang="en-US" sz="3600" dirty="0">
+                <a:solidFill>
+                  <a:schemeClr val="bg1"/>
+                </a:solidFill>
+                <a:latin typeface="Segoe UI Black" panose="020B0A02040204020203" pitchFamily="34" charset="0"/>
+                <a:ea typeface="Segoe UI Black" panose="020B0A02040204020203" pitchFamily="34" charset="0"/>
+              </a:rPr>
+              <a:t>7</a:t>
+            </a:r>
+          </a:p>
+        </p:txBody>
+      </p:sp>
+      <p:sp>
+        <p:nvSpPr>
+          <p:cNvPr id="19" name="Прямоугольник 18">
+            <a:extLst>
+              <a:ext uri="{FF2B5EF4-FFF2-40B4-BE49-F238E27FC236}">
+                <a16:creationId xmlns:a16="http://schemas.microsoft.com/office/drawing/2014/main" id="{32EE7D7F-19C5-B3A1-5407-FF0BCAB39B4B}"/>
               </a:ext>
             </a:extLst>
           </p:cNvPr>
@@ -4910,14 +7049,14 @@
         </p:nvSpPr>
         <p:spPr>
           <a:xfrm>
-            <a:off x="-2169106" y="1552000"/>
-            <a:ext cx="6002765" cy="6002765"/>
-          </a:xfrm>
-          <a:prstGeom prst="ellipse">
+            <a:off x="2879003" y="1"/>
+            <a:ext cx="816622" cy="3460986"/>
+          </a:xfrm>
+          <a:prstGeom prst="rect">
             <a:avLst/>
           </a:prstGeom>
           <a:solidFill>
-            <a:srgbClr val="4671D5"/>
+            <a:srgbClr val="1240AB"/>
           </a:solidFill>
           <a:ln>
             <a:noFill/>
@@ -4950,10 +7089,10 @@
       </p:sp>
       <p:sp>
         <p:nvSpPr>
-          <p:cNvPr id="5" name="Овал 4">
-            <a:extLst>
-              <a:ext uri="{FF2B5EF4-FFF2-40B4-BE49-F238E27FC236}">
-                <a16:creationId xmlns:a16="http://schemas.microsoft.com/office/drawing/2014/main" id="{78D0EDE3-F214-9623-A228-10EFBBDC97E0}"/>
+          <p:cNvPr id="20" name="Прямоугольник 19">
+            <a:extLst>
+              <a:ext uri="{FF2B5EF4-FFF2-40B4-BE49-F238E27FC236}">
+                <a16:creationId xmlns:a16="http://schemas.microsoft.com/office/drawing/2014/main" id="{C2EB6FBA-0F65-38A5-2960-8F4243F76C3B}"/>
               </a:ext>
             </a:extLst>
           </p:cNvPr>
@@ -4962,14 +7101,14 @@
         </p:nvSpPr>
         <p:spPr>
           <a:xfrm>
-            <a:off x="6630881" y="-2253844"/>
-            <a:ext cx="5059176" cy="5059176"/>
-          </a:xfrm>
-          <a:prstGeom prst="ellipse">
+            <a:off x="2957687" y="-1866899"/>
+            <a:ext cx="783733" cy="8724900"/>
+          </a:xfrm>
+          <a:prstGeom prst="rect">
             <a:avLst/>
           </a:prstGeom>
           <a:solidFill>
-            <a:srgbClr val="4671D5"/>
+            <a:srgbClr val="1240AB"/>
           </a:solidFill>
           <a:ln>
             <a:noFill/>
@@ -5002,10 +7141,10 @@
       </p:sp>
       <p:sp>
         <p:nvSpPr>
-          <p:cNvPr id="6" name="Овал 5">
-            <a:extLst>
-              <a:ext uri="{FF2B5EF4-FFF2-40B4-BE49-F238E27FC236}">
-                <a16:creationId xmlns:a16="http://schemas.microsoft.com/office/drawing/2014/main" id="{686A89E8-9913-1658-62F0-13AB5647B300}"/>
+          <p:cNvPr id="4" name="Овал 3">
+            <a:extLst>
+              <a:ext uri="{FF2B5EF4-FFF2-40B4-BE49-F238E27FC236}">
+                <a16:creationId xmlns:a16="http://schemas.microsoft.com/office/drawing/2014/main" id="{30410C27-559F-A5A6-A7D8-4E63C0D678C6}"/>
               </a:ext>
             </a:extLst>
           </p:cNvPr>
@@ -5014,14 +7153,14 @@
         </p:nvSpPr>
         <p:spPr>
           <a:xfrm>
-            <a:off x="238377" y="2922555"/>
-            <a:ext cx="6002765" cy="6002765"/>
+            <a:off x="-1513134" y="1252284"/>
+            <a:ext cx="5293894" cy="5293894"/>
           </a:xfrm>
           <a:prstGeom prst="ellipse">
             <a:avLst/>
           </a:prstGeom>
           <a:solidFill>
-            <a:srgbClr val="6C8CD5"/>
+            <a:srgbClr val="4671D5"/>
           </a:solidFill>
           <a:ln>
             <a:noFill/>
@@ -5054,10 +7193,10 @@
       </p:sp>
       <p:sp>
         <p:nvSpPr>
-          <p:cNvPr id="7" name="Овал 6">
-            <a:extLst>
-              <a:ext uri="{FF2B5EF4-FFF2-40B4-BE49-F238E27FC236}">
-                <a16:creationId xmlns:a16="http://schemas.microsoft.com/office/drawing/2014/main" id="{E5038763-0501-A4C5-A4B0-B45D98054E48}"/>
+          <p:cNvPr id="5" name="Овал 4">
+            <a:extLst>
+              <a:ext uri="{FF2B5EF4-FFF2-40B4-BE49-F238E27FC236}">
+                <a16:creationId xmlns:a16="http://schemas.microsoft.com/office/drawing/2014/main" id="{78D0EDE3-F214-9623-A228-10EFBBDC97E0}"/>
               </a:ext>
             </a:extLst>
           </p:cNvPr>
@@ -5066,14 +7205,14 @@
         </p:nvSpPr>
         <p:spPr>
           <a:xfrm>
-            <a:off x="9038364" y="-762947"/>
-            <a:ext cx="4891646" cy="4891646"/>
+            <a:off x="6898106" y="-2470849"/>
+            <a:ext cx="5293894" cy="5293894"/>
           </a:xfrm>
           <a:prstGeom prst="ellipse">
             <a:avLst/>
           </a:prstGeom>
           <a:solidFill>
-            <a:srgbClr val="6C8CD5"/>
+            <a:srgbClr val="4671D5"/>
           </a:solidFill>
           <a:ln>
             <a:noFill/>
@@ -5106,6 +7245,110 @@
       </p:sp>
       <p:sp>
         <p:nvSpPr>
+          <p:cNvPr id="6" name="Овал 5">
+            <a:extLst>
+              <a:ext uri="{FF2B5EF4-FFF2-40B4-BE49-F238E27FC236}">
+                <a16:creationId xmlns:a16="http://schemas.microsoft.com/office/drawing/2014/main" id="{686A89E8-9913-1658-62F0-13AB5647B300}"/>
+              </a:ext>
+            </a:extLst>
+          </p:cNvPr>
+          <p:cNvSpPr/>
+          <p:nvPr/>
+        </p:nvSpPr>
+        <p:spPr>
+          <a:xfrm>
+            <a:off x="-927088" y="2278301"/>
+            <a:ext cx="5293894" cy="5293894"/>
+          </a:xfrm>
+          <a:prstGeom prst="ellipse">
+            <a:avLst/>
+          </a:prstGeom>
+          <a:solidFill>
+            <a:srgbClr val="6C8CD5"/>
+          </a:solidFill>
+          <a:ln>
+            <a:noFill/>
+          </a:ln>
+        </p:spPr>
+        <p:style>
+          <a:lnRef idx="2">
+            <a:schemeClr val="accent1">
+              <a:shade val="15000"/>
+            </a:schemeClr>
+          </a:lnRef>
+          <a:fillRef idx="1">
+            <a:schemeClr val="accent1"/>
+          </a:fillRef>
+          <a:effectRef idx="0">
+            <a:schemeClr val="accent1"/>
+          </a:effectRef>
+          <a:fontRef idx="minor">
+            <a:schemeClr val="lt1"/>
+          </a:fontRef>
+        </p:style>
+        <p:txBody>
+          <a:bodyPr rtlCol="0" anchor="ctr"/>
+          <a:lstStyle/>
+          <a:p>
+            <a:pPr algn="ctr"/>
+            <a:endParaRPr lang="ru-KZ"/>
+          </a:p>
+        </p:txBody>
+      </p:sp>
+      <p:sp>
+        <p:nvSpPr>
+          <p:cNvPr id="7" name="Овал 6">
+            <a:extLst>
+              <a:ext uri="{FF2B5EF4-FFF2-40B4-BE49-F238E27FC236}">
+                <a16:creationId xmlns:a16="http://schemas.microsoft.com/office/drawing/2014/main" id="{E5038763-0501-A4C5-A4B0-B45D98054E48}"/>
+              </a:ext>
+            </a:extLst>
+          </p:cNvPr>
+          <p:cNvSpPr/>
+          <p:nvPr/>
+        </p:nvSpPr>
+        <p:spPr>
+          <a:xfrm>
+            <a:off x="8411240" y="-1984515"/>
+            <a:ext cx="5293894" cy="5293894"/>
+          </a:xfrm>
+          <a:prstGeom prst="ellipse">
+            <a:avLst/>
+          </a:prstGeom>
+          <a:solidFill>
+            <a:srgbClr val="6C8CD5"/>
+          </a:solidFill>
+          <a:ln>
+            <a:noFill/>
+          </a:ln>
+        </p:spPr>
+        <p:style>
+          <a:lnRef idx="2">
+            <a:schemeClr val="accent1">
+              <a:shade val="15000"/>
+            </a:schemeClr>
+          </a:lnRef>
+          <a:fillRef idx="1">
+            <a:schemeClr val="accent1"/>
+          </a:fillRef>
+          <a:effectRef idx="0">
+            <a:schemeClr val="accent1"/>
+          </a:effectRef>
+          <a:fontRef idx="minor">
+            <a:schemeClr val="lt1"/>
+          </a:fontRef>
+        </p:style>
+        <p:txBody>
+          <a:bodyPr rtlCol="0" anchor="ctr"/>
+          <a:lstStyle/>
+          <a:p>
+            <a:pPr algn="ctr"/>
+            <a:endParaRPr lang="ru-KZ"/>
+          </a:p>
+        </p:txBody>
+      </p:sp>
+      <p:sp>
+        <p:nvSpPr>
           <p:cNvPr id="2" name="Заголовок 1">
             <a:extLst>
               <a:ext uri="{FF2B5EF4-FFF2-40B4-BE49-F238E27FC236}">
@@ -5122,7 +7365,7 @@
         </p:nvSpPr>
         <p:spPr>
           <a:xfrm>
-            <a:off x="1524000" y="2032774"/>
+            <a:off x="1524000" y="-608536"/>
             <a:ext cx="9144000" cy="2387600"/>
           </a:xfrm>
         </p:spPr>
@@ -5133,7 +7376,7 @@
           <a:lstStyle/>
           <a:p>
             <a:r>
-              <a:rPr lang="en-US" dirty="0">
+              <a:rPr lang="en-US" sz="5000" dirty="0">
                 <a:solidFill>
                   <a:schemeClr val="bg1"/>
                 </a:solidFill>
@@ -5143,7 +7386,7 @@
               <a:t>EMIT</a:t>
             </a:r>
             <a:br>
-              <a:rPr lang="en-US" dirty="0">
+              <a:rPr lang="en-US" sz="5000" dirty="0">
                 <a:solidFill>
                   <a:schemeClr val="bg1"/>
                 </a:solidFill>
@@ -5152,7 +7395,7 @@
               </a:rPr>
             </a:br>
             <a:r>
-              <a:rPr lang="en-US" dirty="0">
+              <a:rPr lang="en-US" sz="5000" dirty="0">
                 <a:solidFill>
                   <a:schemeClr val="bg1"/>
                 </a:solidFill>
@@ -5161,7 +7404,7 @@
               </a:rPr>
               <a:t>for the future!</a:t>
             </a:r>
-            <a:endParaRPr lang="ru-KZ" dirty="0">
+            <a:endParaRPr lang="ru-KZ" sz="5000" dirty="0">
               <a:solidFill>
                 <a:schemeClr val="bg1"/>
               </a:solidFill>
@@ -5171,12 +7414,131 @@
           </a:p>
         </p:txBody>
       </p:sp>
+      <p:sp>
+        <p:nvSpPr>
+          <p:cNvPr id="3" name="Заголовок 1">
+            <a:extLst>
+              <a:ext uri="{FF2B5EF4-FFF2-40B4-BE49-F238E27FC236}">
+                <a16:creationId xmlns:a16="http://schemas.microsoft.com/office/drawing/2014/main" id="{333B2CAC-14A6-2003-3CD3-62AED082E801}"/>
+              </a:ext>
+            </a:extLst>
+          </p:cNvPr>
+          <p:cNvSpPr txBox="1">
+            <a:spLocks/>
+          </p:cNvSpPr>
+          <p:nvPr/>
+        </p:nvSpPr>
+        <p:spPr>
+          <a:xfrm>
+            <a:off x="6096000" y="3427413"/>
+            <a:ext cx="6007100" cy="2387600"/>
+          </a:xfrm>
+          <a:prstGeom prst="rect">
+            <a:avLst/>
+          </a:prstGeom>
+        </p:spPr>
+        <p:txBody>
+          <a:bodyPr vert="horz" lIns="91440" tIns="45720" rIns="91440" bIns="45720" rtlCol="0" anchor="b">
+            <a:normAutofit lnSpcReduction="10000"/>
+          </a:bodyPr>
+          <a:lstStyle>
+            <a:lvl1pPr algn="ctr" defTabSz="914400" rtl="0" eaLnBrk="1" latinLnBrk="0" hangingPunct="1">
+              <a:lnSpc>
+                <a:spcPct val="90000"/>
+              </a:lnSpc>
+              <a:spcBef>
+                <a:spcPct val="0"/>
+              </a:spcBef>
+              <a:buNone/>
+              <a:defRPr sz="6000" kern="1200">
+                <a:solidFill>
+                  <a:schemeClr val="tx1"/>
+                </a:solidFill>
+                <a:latin typeface="+mj-lt"/>
+                <a:ea typeface="+mj-ea"/>
+                <a:cs typeface="+mj-cs"/>
+              </a:defRPr>
+            </a:lvl1pPr>
+          </a:lstStyle>
+          <a:p>
+            <a:pPr algn="l"/>
+            <a:br>
+              <a:rPr lang="en-US" sz="2800" dirty="0">
+                <a:solidFill>
+                  <a:schemeClr val="bg1"/>
+                </a:solidFill>
+                <a:latin typeface="Segoe UI Black" panose="020B0A02040204020203" pitchFamily="34" charset="0"/>
+                <a:ea typeface="Segoe UI Black" panose="020B0A02040204020203" pitchFamily="34" charset="0"/>
+              </a:rPr>
+            </a:br>
+            <a:r>
+              <a:rPr lang="en-US" sz="2800" dirty="0">
+                <a:solidFill>
+                  <a:schemeClr val="bg1"/>
+                </a:solidFill>
+                <a:latin typeface="Segoe UI Black" panose="020B0A02040204020203" pitchFamily="34" charset="0"/>
+                <a:ea typeface="Segoe UI Black" panose="020B0A02040204020203" pitchFamily="34" charset="0"/>
+              </a:rPr>
+              <a:t>develop an app that can help raise community awareness of what EMIT is, how it can be used, and what has already been accomplished with its data.!</a:t>
+            </a:r>
+            <a:endParaRPr lang="ru-KZ" sz="4000" dirty="0">
+              <a:solidFill>
+                <a:schemeClr val="bg1"/>
+              </a:solidFill>
+              <a:latin typeface="Segoe UI Black" panose="020B0A02040204020203" pitchFamily="34" charset="0"/>
+              <a:ea typeface="Segoe UI Black" panose="020B0A02040204020203" pitchFamily="34" charset="0"/>
+            </a:endParaRPr>
+          </a:p>
+        </p:txBody>
+      </p:sp>
+      <p:sp>
+        <p:nvSpPr>
+          <p:cNvPr id="9" name="TextBox 8">
+            <a:extLst>
+              <a:ext uri="{FF2B5EF4-FFF2-40B4-BE49-F238E27FC236}">
+                <a16:creationId xmlns:a16="http://schemas.microsoft.com/office/drawing/2014/main" id="{DD97E5CA-175E-F282-4664-20779C46AD70}"/>
+              </a:ext>
+            </a:extLst>
+          </p:cNvPr>
+          <p:cNvSpPr txBox="1"/>
+          <p:nvPr/>
+        </p:nvSpPr>
+        <p:spPr>
+          <a:xfrm>
+            <a:off x="6094832" y="3191345"/>
+            <a:ext cx="2817896" cy="707886"/>
+          </a:xfrm>
+          <a:prstGeom prst="rect">
+            <a:avLst/>
+          </a:prstGeom>
+          <a:noFill/>
+        </p:spPr>
+        <p:txBody>
+          <a:bodyPr wrap="square">
+            <a:spAutoFit/>
+          </a:bodyPr>
+          <a:lstStyle/>
+          <a:p>
+            <a:r>
+              <a:rPr lang="en-US" sz="4000" dirty="0">
+                <a:solidFill>
+                  <a:schemeClr val="bg1"/>
+                </a:solidFill>
+                <a:latin typeface="Segoe UI Black" panose="020B0A02040204020203" pitchFamily="34" charset="0"/>
+                <a:ea typeface="Segoe UI Black" panose="020B0A02040204020203" pitchFamily="34" charset="0"/>
+              </a:rPr>
+              <a:t>Challenge:</a:t>
+            </a:r>
+            <a:endParaRPr lang="ru-KZ" sz="4000" dirty="0"/>
+          </a:p>
+        </p:txBody>
+      </p:sp>
       <p:pic>
         <p:nvPicPr>
-          <p:cNvPr id="10" name="Рисунок 9">
-            <a:extLst>
-              <a:ext uri="{FF2B5EF4-FFF2-40B4-BE49-F238E27FC236}">
-                <a16:creationId xmlns:a16="http://schemas.microsoft.com/office/drawing/2014/main" id="{7DE41785-B9F7-F375-01F8-F39C38498747}"/>
+          <p:cNvPr id="11" name="Рисунок 10">
+            <a:extLst>
+              <a:ext uri="{FF2B5EF4-FFF2-40B4-BE49-F238E27FC236}">
+                <a16:creationId xmlns:a16="http://schemas.microsoft.com/office/drawing/2014/main" id="{CC92B96B-9E03-8516-827B-84163B71D99F}"/>
               </a:ext>
             </a:extLst>
           </p:cNvPr>
@@ -5186,14 +7548,60 @@
           <p:nvPr/>
         </p:nvPicPr>
         <p:blipFill>
-          <a:blip r:embed="rId2"/>
+          <a:blip r:embed="rId3">
+            <a:extLst>
+              <a:ext uri="{BEBA8EAE-BF5A-486C-A8C5-ECC9F3942E4B}">
+                <a14:imgProps xmlns:a14="http://schemas.microsoft.com/office/drawing/2010/main">
+                  <a14:imgLayer r:embed="rId4">
+                    <a14:imgEffect>
+                      <a14:brightnessContrast bright="100000" contrast="-40000"/>
+                    </a14:imgEffect>
+                  </a14:imgLayer>
+                </a14:imgProps>
+              </a:ext>
+              <a:ext uri="{28A0092B-C50C-407E-A947-70E740481C1C}">
+                <a14:useLocalDpi xmlns:a14="http://schemas.microsoft.com/office/drawing/2010/main" val="0"/>
+              </a:ext>
+            </a:extLst>
+          </a:blip>
           <a:stretch>
             <a:fillRect/>
           </a:stretch>
         </p:blipFill>
         <p:spPr>
           <a:xfrm>
-            <a:off x="2435234" y="7091950"/>
+            <a:off x="1429761" y="1751521"/>
+            <a:ext cx="4063492" cy="4063492"/>
+          </a:xfrm>
+          <a:prstGeom prst="rect">
+            <a:avLst/>
+          </a:prstGeom>
+          <a:noFill/>
+        </p:spPr>
+      </p:pic>
+      <p:pic>
+        <p:nvPicPr>
+          <p:cNvPr id="12" name="Рисунок 11">
+            <a:extLst>
+              <a:ext uri="{FF2B5EF4-FFF2-40B4-BE49-F238E27FC236}">
+                <a16:creationId xmlns:a16="http://schemas.microsoft.com/office/drawing/2014/main" id="{863CA4CF-3852-9183-7F4F-484A3EFD9C44}"/>
+              </a:ext>
+            </a:extLst>
+          </p:cNvPr>
+          <p:cNvPicPr>
+            <a:picLocks noChangeAspect="1"/>
+          </p:cNvPicPr>
+          <p:nvPr/>
+        </p:nvPicPr>
+        <p:blipFill>
+          <a:blip r:embed="rId5"/>
+          <a:stretch>
+            <a:fillRect/>
+          </a:stretch>
+        </p:blipFill>
+        <p:spPr>
+          <a:xfrm>
+            <a:off x="560898" y="7653257"/>
             <a:ext cx="7611816" cy="3849930"/>
           </a:xfrm>
           <a:prstGeom prst="rect">
@@ -5208,85 +7616,62 @@
       </p:pic>
       <p:sp>
         <p:nvSpPr>
-          <p:cNvPr id="8" name="TextBox 7">
-            <a:extLst>
-              <a:ext uri="{FF2B5EF4-FFF2-40B4-BE49-F238E27FC236}">
-                <a16:creationId xmlns:a16="http://schemas.microsoft.com/office/drawing/2014/main" id="{F72E2978-FEF9-4A45-1B85-CA549F02726D}"/>
-              </a:ext>
-            </a:extLst>
-          </p:cNvPr>
-          <p:cNvSpPr txBox="1"/>
+          <p:cNvPr id="17" name="Заголовок 1">
+            <a:extLst>
+              <a:ext uri="{FF2B5EF4-FFF2-40B4-BE49-F238E27FC236}">
+                <a16:creationId xmlns:a16="http://schemas.microsoft.com/office/drawing/2014/main" id="{BCB85E94-9BC8-4616-7104-D5ACB6291B0D}"/>
+              </a:ext>
+            </a:extLst>
+          </p:cNvPr>
+          <p:cNvSpPr txBox="1">
+            <a:spLocks/>
+          </p:cNvSpPr>
           <p:nvPr/>
         </p:nvSpPr>
         <p:spPr>
           <a:xfrm>
-            <a:off x="271587" y="8098000"/>
-            <a:ext cx="11939109" cy="1477328"/>
+            <a:off x="0" y="8256462"/>
+            <a:ext cx="12080117" cy="2387600"/>
           </a:xfrm>
           <a:prstGeom prst="rect">
             <a:avLst/>
           </a:prstGeom>
-          <a:noFill/>
-        </p:spPr>
-        <p:txBody>
-          <a:bodyPr wrap="square">
-            <a:spAutoFit/>
+        </p:spPr>
+        <p:txBody>
+          <a:bodyPr vert="horz" lIns="91440" tIns="45720" rIns="91440" bIns="45720" rtlCol="0" anchor="b">
+            <a:normAutofit/>
           </a:bodyPr>
-          <a:lstStyle/>
-          <a:p>
-            <a:r>
-              <a:rPr lang="en-US" sz="2400" dirty="0">
-                <a:solidFill>
-                  <a:schemeClr val="bg1"/>
-                </a:solidFill>
-                <a:latin typeface="Segoe UI Black" panose="020B0A02040204020203" pitchFamily="34" charset="0"/>
-                <a:ea typeface="Segoe UI Black" panose="020B0A02040204020203" pitchFamily="34" charset="0"/>
-                <a:hlinkClick r:id="rId3">
-                  <a:extLst>
-                    <a:ext uri="{A12FA001-AC4F-418D-AE19-62706E023703}">
-                      <ahyp:hlinkClr xmlns:ahyp="http://schemas.microsoft.com/office/drawing/2018/hyperlinkcolor" val="tx"/>
-                    </a:ext>
-                  </a:extLst>
-                </a:hlinkClick>
-              </a:rPr>
-              <a:t>https://github.com/XtOne777/Pajor/tree/main</a:t>
-            </a:r>
-            <a:br>
-              <a:rPr lang="en-US" sz="2400" dirty="0">
-                <a:solidFill>
-                  <a:schemeClr val="bg1"/>
-                </a:solidFill>
-                <a:latin typeface="Segoe UI Black" panose="020B0A02040204020203" pitchFamily="34" charset="0"/>
-                <a:ea typeface="Segoe UI Black" panose="020B0A02040204020203" pitchFamily="34" charset="0"/>
-              </a:rPr>
-            </a:br>
-            <a:br>
-              <a:rPr lang="en-US" sz="2400" dirty="0">
-                <a:solidFill>
-                  <a:schemeClr val="bg1"/>
-                </a:solidFill>
-                <a:latin typeface="Segoe UI Black" panose="020B0A02040204020203" pitchFamily="34" charset="0"/>
-                <a:ea typeface="Segoe UI Black" panose="020B0A02040204020203" pitchFamily="34" charset="0"/>
-              </a:rPr>
-            </a:br>
-            <a:r>
-              <a:rPr lang="en-US" sz="2400" dirty="0">
-                <a:solidFill>
-                  <a:schemeClr val="bg1"/>
-                </a:solidFill>
-                <a:latin typeface="Segoe UI Black" panose="020B0A02040204020203" pitchFamily="34" charset="0"/>
-                <a:ea typeface="Segoe UI Black" panose="020B0A02040204020203" pitchFamily="34" charset="0"/>
-                <a:hlinkClick r:id="rId4">
-                  <a:extLst>
-                    <a:ext uri="{A12FA001-AC4F-418D-AE19-62706E023703}">
-                      <ahyp:hlinkClr xmlns:ahyp="http://schemas.microsoft.com/office/drawing/2018/hyperlinkcolor" val="tx"/>
-                    </a:ext>
-                  </a:extLst>
-                </a:hlinkClick>
-              </a:rPr>
-              <a:t>https://www.spaceappschallenge.org/2023/challenges/emit-for-the-future/</a:t>
-            </a:r>
-            <a:endParaRPr lang="en-US" sz="2400" dirty="0">
+          <a:lstStyle>
+            <a:lvl1pPr algn="ctr" defTabSz="914400" rtl="0" eaLnBrk="1" latinLnBrk="0" hangingPunct="1">
+              <a:lnSpc>
+                <a:spcPct val="90000"/>
+              </a:lnSpc>
+              <a:spcBef>
+                <a:spcPct val="0"/>
+              </a:spcBef>
+              <a:buNone/>
+              <a:defRPr sz="6000" kern="1200">
+                <a:solidFill>
+                  <a:schemeClr val="tx1"/>
+                </a:solidFill>
+                <a:latin typeface="+mj-lt"/>
+                <a:ea typeface="+mj-ea"/>
+                <a:cs typeface="+mj-cs"/>
+              </a:defRPr>
+            </a:lvl1pPr>
+          </a:lstStyle>
+          <a:p>
+            <a:r>
+              <a:rPr lang="en-US" sz="4000" dirty="0">
+                <a:solidFill>
+                  <a:schemeClr val="bg1"/>
+                </a:solidFill>
+                <a:latin typeface="Segoe UI Black" panose="020B0A02040204020203" pitchFamily="34" charset="0"/>
+                <a:ea typeface="Segoe UI Black" panose="020B0A02040204020203" pitchFamily="34" charset="0"/>
+              </a:rPr>
+              <a:t>There is a       million of metric coarse dust on the Earth</a:t>
+            </a:r>
+            <a:endParaRPr lang="ru-KZ" sz="4000" dirty="0">
               <a:solidFill>
                 <a:schemeClr val="bg1"/>
               </a:solidFill>
@@ -5294,19 +7679,12 @@
               <a:ea typeface="Segoe UI Black" panose="020B0A02040204020203" pitchFamily="34" charset="0"/>
             </a:endParaRPr>
           </a:p>
-          <a:p>
-            <a:endParaRPr lang="ru-KZ" dirty="0">
-              <a:solidFill>
-                <a:schemeClr val="bg1"/>
-              </a:solidFill>
-            </a:endParaRPr>
-          </a:p>
         </p:txBody>
       </p:sp>
     </p:spTree>
     <p:extLst>
       <p:ext uri="{BB962C8B-B14F-4D97-AF65-F5344CB8AC3E}">
-        <p14:creationId xmlns:p14="http://schemas.microsoft.com/office/powerpoint/2010/main" val="2198328286"/>
+        <p14:creationId xmlns:p14="http://schemas.microsoft.com/office/powerpoint/2010/main" val="63929467"/>
       </p:ext>
     </p:extLst>
   </p:cSld>
@@ -5315,7 +7693,7 @@
   </p:clrMapOvr>
   <mc:AlternateContent xmlns:mc="http://schemas.openxmlformats.org/markup-compatibility/2006">
     <mc:Choice xmlns:p159="http://schemas.microsoft.com/office/powerpoint/2015/09/main" Requires="p159">
-      <p:transition xmlns:p14="http://schemas.microsoft.com/office/powerpoint/2010/main" spd="slow" p14:dur="1500">
+      <p:transition xmlns:p14="http://schemas.microsoft.com/office/powerpoint/2010/main" spd="slow" p14:dur="2000">
         <p159:morph option="byObject"/>
       </p:transition>
     </mc:Choice>
@@ -5367,8 +7745,8 @@
         </p:nvSpPr>
         <p:spPr>
           <a:xfrm>
-            <a:off x="-2169106" y="1552000"/>
-            <a:ext cx="6002765" cy="6002765"/>
+            <a:off x="-1521397" y="2260871"/>
+            <a:ext cx="5293894" cy="5293894"/>
           </a:xfrm>
           <a:prstGeom prst="ellipse">
             <a:avLst/>
@@ -5419,8 +7797,8 @@
         </p:nvSpPr>
         <p:spPr>
           <a:xfrm>
-            <a:off x="6630881" y="-2253844"/>
-            <a:ext cx="5059176" cy="5059176"/>
+            <a:off x="7292047" y="-1908904"/>
+            <a:ext cx="5293894" cy="5293894"/>
           </a:xfrm>
           <a:prstGeom prst="ellipse">
             <a:avLst/>
@@ -5471,8 +7849,8 @@
         </p:nvSpPr>
         <p:spPr>
           <a:xfrm>
-            <a:off x="238377" y="2922555"/>
-            <a:ext cx="6002765" cy="6002765"/>
+            <a:off x="238378" y="3631426"/>
+            <a:ext cx="5293894" cy="5293894"/>
           </a:xfrm>
           <a:prstGeom prst="ellipse">
             <a:avLst/>
@@ -5523,8 +7901,8 @@
         </p:nvSpPr>
         <p:spPr>
           <a:xfrm>
-            <a:off x="9038364" y="-762947"/>
-            <a:ext cx="4891646" cy="4891646"/>
+            <a:off x="8832494" y="-595417"/>
+            <a:ext cx="5293894" cy="5293894"/>
           </a:xfrm>
           <a:prstGeom prst="ellipse">
             <a:avLst/>
@@ -5579,6 +7957,988 @@
         </p:nvSpPr>
         <p:spPr>
           <a:xfrm>
+            <a:off x="1524000" y="-608536"/>
+            <a:ext cx="9144000" cy="2387600"/>
+          </a:xfrm>
+        </p:spPr>
+        <p:txBody>
+          <a:bodyPr>
+            <a:normAutofit/>
+          </a:bodyPr>
+          <a:lstStyle/>
+          <a:p>
+            <a:r>
+              <a:rPr lang="en-US" sz="5000" dirty="0">
+                <a:solidFill>
+                  <a:schemeClr val="bg1"/>
+                </a:solidFill>
+                <a:latin typeface="Segoe UI Black" panose="020B0A02040204020203" pitchFamily="34" charset="0"/>
+                <a:ea typeface="Segoe UI Black" panose="020B0A02040204020203" pitchFamily="34" charset="0"/>
+              </a:rPr>
+              <a:t>EMIT</a:t>
+            </a:r>
+            <a:br>
+              <a:rPr lang="en-US" sz="5000" dirty="0">
+                <a:solidFill>
+                  <a:schemeClr val="bg1"/>
+                </a:solidFill>
+                <a:latin typeface="Segoe UI Black" panose="020B0A02040204020203" pitchFamily="34" charset="0"/>
+                <a:ea typeface="Segoe UI Black" panose="020B0A02040204020203" pitchFamily="34" charset="0"/>
+              </a:rPr>
+            </a:br>
+            <a:r>
+              <a:rPr lang="en-US" sz="5000" dirty="0">
+                <a:solidFill>
+                  <a:schemeClr val="bg1"/>
+                </a:solidFill>
+                <a:latin typeface="Segoe UI Black" panose="020B0A02040204020203" pitchFamily="34" charset="0"/>
+                <a:ea typeface="Segoe UI Black" panose="020B0A02040204020203" pitchFamily="34" charset="0"/>
+              </a:rPr>
+              <a:t>for the future!</a:t>
+            </a:r>
+            <a:endParaRPr lang="ru-KZ" sz="5000" dirty="0">
+              <a:solidFill>
+                <a:schemeClr val="bg1"/>
+              </a:solidFill>
+              <a:latin typeface="Segoe UI Black" panose="020B0A02040204020203" pitchFamily="34" charset="0"/>
+              <a:ea typeface="Segoe UI Black" panose="020B0A02040204020203" pitchFamily="34" charset="0"/>
+            </a:endParaRPr>
+          </a:p>
+        </p:txBody>
+      </p:sp>
+      <p:sp>
+        <p:nvSpPr>
+          <p:cNvPr id="3" name="Заголовок 1">
+            <a:extLst>
+              <a:ext uri="{FF2B5EF4-FFF2-40B4-BE49-F238E27FC236}">
+                <a16:creationId xmlns:a16="http://schemas.microsoft.com/office/drawing/2014/main" id="{333B2CAC-14A6-2003-3CD3-62AED082E801}"/>
+              </a:ext>
+            </a:extLst>
+          </p:cNvPr>
+          <p:cNvSpPr txBox="1">
+            <a:spLocks/>
+          </p:cNvSpPr>
+          <p:nvPr/>
+        </p:nvSpPr>
+        <p:spPr>
+          <a:xfrm>
+            <a:off x="17583150" y="3427413"/>
+            <a:ext cx="6007100" cy="2387600"/>
+          </a:xfrm>
+          <a:prstGeom prst="rect">
+            <a:avLst/>
+          </a:prstGeom>
+        </p:spPr>
+        <p:txBody>
+          <a:bodyPr vert="horz" lIns="91440" tIns="45720" rIns="91440" bIns="45720" rtlCol="0" anchor="b">
+            <a:normAutofit lnSpcReduction="10000"/>
+          </a:bodyPr>
+          <a:lstStyle>
+            <a:lvl1pPr algn="ctr" defTabSz="914400" rtl="0" eaLnBrk="1" latinLnBrk="0" hangingPunct="1">
+              <a:lnSpc>
+                <a:spcPct val="90000"/>
+              </a:lnSpc>
+              <a:spcBef>
+                <a:spcPct val="0"/>
+              </a:spcBef>
+              <a:buNone/>
+              <a:defRPr sz="6000" kern="1200">
+                <a:solidFill>
+                  <a:schemeClr val="tx1"/>
+                </a:solidFill>
+                <a:latin typeface="+mj-lt"/>
+                <a:ea typeface="+mj-ea"/>
+                <a:cs typeface="+mj-cs"/>
+              </a:defRPr>
+            </a:lvl1pPr>
+          </a:lstStyle>
+          <a:p>
+            <a:pPr algn="l"/>
+            <a:br>
+              <a:rPr lang="en-US" sz="2800" dirty="0">
+                <a:solidFill>
+                  <a:schemeClr val="bg1"/>
+                </a:solidFill>
+                <a:latin typeface="Segoe UI Black" panose="020B0A02040204020203" pitchFamily="34" charset="0"/>
+                <a:ea typeface="Segoe UI Black" panose="020B0A02040204020203" pitchFamily="34" charset="0"/>
+              </a:rPr>
+            </a:br>
+            <a:r>
+              <a:rPr lang="en-US" sz="2800" dirty="0">
+                <a:solidFill>
+                  <a:schemeClr val="bg1"/>
+                </a:solidFill>
+                <a:latin typeface="Segoe UI Black" panose="020B0A02040204020203" pitchFamily="34" charset="0"/>
+                <a:ea typeface="Segoe UI Black" panose="020B0A02040204020203" pitchFamily="34" charset="0"/>
+              </a:rPr>
+              <a:t>develop an app that can help raise community awareness of what EMIT is, how it can be used, and what has already been accomplished with its data.!</a:t>
+            </a:r>
+            <a:endParaRPr lang="ru-KZ" sz="4000" dirty="0">
+              <a:solidFill>
+                <a:schemeClr val="bg1"/>
+              </a:solidFill>
+              <a:latin typeface="Segoe UI Black" panose="020B0A02040204020203" pitchFamily="34" charset="0"/>
+              <a:ea typeface="Segoe UI Black" panose="020B0A02040204020203" pitchFamily="34" charset="0"/>
+            </a:endParaRPr>
+          </a:p>
+        </p:txBody>
+      </p:sp>
+      <p:sp>
+        <p:nvSpPr>
+          <p:cNvPr id="9" name="TextBox 8">
+            <a:extLst>
+              <a:ext uri="{FF2B5EF4-FFF2-40B4-BE49-F238E27FC236}">
+                <a16:creationId xmlns:a16="http://schemas.microsoft.com/office/drawing/2014/main" id="{DD97E5CA-175E-F282-4664-20779C46AD70}"/>
+              </a:ext>
+            </a:extLst>
+          </p:cNvPr>
+          <p:cNvSpPr txBox="1"/>
+          <p:nvPr/>
+        </p:nvSpPr>
+        <p:spPr>
+          <a:xfrm>
+            <a:off x="12324182" y="3191345"/>
+            <a:ext cx="2817896" cy="707886"/>
+          </a:xfrm>
+          <a:prstGeom prst="rect">
+            <a:avLst/>
+          </a:prstGeom>
+          <a:noFill/>
+        </p:spPr>
+        <p:txBody>
+          <a:bodyPr wrap="square">
+            <a:spAutoFit/>
+          </a:bodyPr>
+          <a:lstStyle/>
+          <a:p>
+            <a:r>
+              <a:rPr lang="en-US" sz="4000" dirty="0">
+                <a:solidFill>
+                  <a:schemeClr val="bg1"/>
+                </a:solidFill>
+                <a:latin typeface="Segoe UI Black" panose="020B0A02040204020203" pitchFamily="34" charset="0"/>
+                <a:ea typeface="Segoe UI Black" panose="020B0A02040204020203" pitchFamily="34" charset="0"/>
+              </a:rPr>
+              <a:t>Challenge:</a:t>
+            </a:r>
+            <a:endParaRPr lang="ru-KZ" sz="4000" dirty="0"/>
+          </a:p>
+        </p:txBody>
+      </p:sp>
+      <p:pic>
+        <p:nvPicPr>
+          <p:cNvPr id="11" name="Рисунок 10">
+            <a:extLst>
+              <a:ext uri="{FF2B5EF4-FFF2-40B4-BE49-F238E27FC236}">
+                <a16:creationId xmlns:a16="http://schemas.microsoft.com/office/drawing/2014/main" id="{CC92B96B-9E03-8516-827B-84163B71D99F}"/>
+              </a:ext>
+            </a:extLst>
+          </p:cNvPr>
+          <p:cNvPicPr>
+            <a:picLocks noChangeAspect="1"/>
+          </p:cNvPicPr>
+          <p:nvPr/>
+        </p:nvPicPr>
+        <p:blipFill>
+          <a:blip r:embed="rId2">
+            <a:extLst>
+              <a:ext uri="{BEBA8EAE-BF5A-486C-A8C5-ECC9F3942E4B}">
+                <a14:imgProps xmlns:a14="http://schemas.microsoft.com/office/drawing/2010/main">
+                  <a14:imgLayer r:embed="rId3">
+                    <a14:imgEffect>
+                      <a14:brightnessContrast bright="100000" contrast="-40000"/>
+                    </a14:imgEffect>
+                  </a14:imgLayer>
+                </a14:imgProps>
+              </a:ext>
+              <a:ext uri="{28A0092B-C50C-407E-A947-70E740481C1C}">
+                <a14:useLocalDpi xmlns:a14="http://schemas.microsoft.com/office/drawing/2010/main" val="0"/>
+              </a:ext>
+            </a:extLst>
+          </a:blip>
+          <a:stretch>
+            <a:fillRect/>
+          </a:stretch>
+        </p:blipFill>
+        <p:spPr>
+          <a:xfrm>
+            <a:off x="-8196840" y="1751521"/>
+            <a:ext cx="4063492" cy="4063492"/>
+          </a:xfrm>
+          <a:prstGeom prst="rect">
+            <a:avLst/>
+          </a:prstGeom>
+          <a:noFill/>
+        </p:spPr>
+      </p:pic>
+      <p:pic>
+        <p:nvPicPr>
+          <p:cNvPr id="10" name="Рисунок 9">
+            <a:extLst>
+              <a:ext uri="{FF2B5EF4-FFF2-40B4-BE49-F238E27FC236}">
+                <a16:creationId xmlns:a16="http://schemas.microsoft.com/office/drawing/2014/main" id="{7DE41785-B9F7-F375-01F8-F39C38498747}"/>
+              </a:ext>
+            </a:extLst>
+          </p:cNvPr>
+          <p:cNvPicPr>
+            <a:picLocks noChangeAspect="1"/>
+          </p:cNvPicPr>
+          <p:nvPr/>
+        </p:nvPicPr>
+        <p:blipFill>
+          <a:blip r:embed="rId4"/>
+          <a:stretch>
+            <a:fillRect/>
+          </a:stretch>
+        </p:blipFill>
+        <p:spPr>
+          <a:xfrm>
+            <a:off x="2327178" y="2219102"/>
+            <a:ext cx="7611816" cy="3849930"/>
+          </a:xfrm>
+          <a:prstGeom prst="rect">
+            <a:avLst/>
+          </a:prstGeom>
+          <a:ln w="76200">
+            <a:solidFill>
+              <a:schemeClr val="bg1"/>
+            </a:solidFill>
+          </a:ln>
+        </p:spPr>
+      </p:pic>
+    </p:spTree>
+    <p:extLst>
+      <p:ext uri="{BB962C8B-B14F-4D97-AF65-F5344CB8AC3E}">
+        <p14:creationId xmlns:p14="http://schemas.microsoft.com/office/powerpoint/2010/main" val="2152611758"/>
+      </p:ext>
+    </p:extLst>
+  </p:cSld>
+  <p:clrMapOvr>
+    <a:masterClrMapping/>
+  </p:clrMapOvr>
+  <mc:AlternateContent xmlns:mc="http://schemas.openxmlformats.org/markup-compatibility/2006">
+    <mc:Choice xmlns:p159="http://schemas.microsoft.com/office/powerpoint/2015/09/main" Requires="p159">
+      <p:transition xmlns:p14="http://schemas.microsoft.com/office/powerpoint/2010/main" spd="slow" p14:dur="2000">
+        <p159:morph option="byObject"/>
+      </p:transition>
+    </mc:Choice>
+    <mc:Fallback>
+      <p:transition spd="slow">
+        <p:fade/>
+      </p:transition>
+    </mc:Fallback>
+  </mc:AlternateContent>
+</p:sld>
+</file>
+
+<file path=ppt/slides/slide6.xml><?xml version="1.0" encoding="utf-8"?>
+<p:sld xmlns:a="http://schemas.openxmlformats.org/drawingml/2006/main" xmlns:r="http://schemas.openxmlformats.org/officeDocument/2006/relationships" xmlns:p="http://schemas.openxmlformats.org/presentationml/2006/main">
+  <p:cSld>
+    <p:bg>
+      <p:bgPr>
+        <a:solidFill>
+          <a:srgbClr val="1240AB"/>
+        </a:solidFill>
+        <a:effectLst/>
+      </p:bgPr>
+    </p:bg>
+    <p:spTree>
+      <p:nvGrpSpPr>
+        <p:cNvPr id="1" name=""/>
+        <p:cNvGrpSpPr/>
+        <p:nvPr/>
+      </p:nvGrpSpPr>
+      <p:grpSpPr>
+        <a:xfrm>
+          <a:off x="0" y="0"/>
+          <a:ext cx="0" cy="0"/>
+          <a:chOff x="0" y="0"/>
+          <a:chExt cx="0" cy="0"/>
+        </a:xfrm>
+      </p:grpSpPr>
+      <p:sp>
+        <p:nvSpPr>
+          <p:cNvPr id="4" name="Овал 3">
+            <a:extLst>
+              <a:ext uri="{FF2B5EF4-FFF2-40B4-BE49-F238E27FC236}">
+                <a16:creationId xmlns:a16="http://schemas.microsoft.com/office/drawing/2014/main" id="{30410C27-559F-A5A6-A7D8-4E63C0D678C6}"/>
+              </a:ext>
+            </a:extLst>
+          </p:cNvPr>
+          <p:cNvSpPr/>
+          <p:nvPr/>
+        </p:nvSpPr>
+        <p:spPr>
+          <a:xfrm>
+            <a:off x="-2169106" y="1552000"/>
+            <a:ext cx="6002765" cy="6002765"/>
+          </a:xfrm>
+          <a:prstGeom prst="ellipse">
+            <a:avLst/>
+          </a:prstGeom>
+          <a:solidFill>
+            <a:srgbClr val="4671D5"/>
+          </a:solidFill>
+          <a:ln>
+            <a:noFill/>
+          </a:ln>
+        </p:spPr>
+        <p:style>
+          <a:lnRef idx="2">
+            <a:schemeClr val="accent1">
+              <a:shade val="15000"/>
+            </a:schemeClr>
+          </a:lnRef>
+          <a:fillRef idx="1">
+            <a:schemeClr val="accent1"/>
+          </a:fillRef>
+          <a:effectRef idx="0">
+            <a:schemeClr val="accent1"/>
+          </a:effectRef>
+          <a:fontRef idx="minor">
+            <a:schemeClr val="lt1"/>
+          </a:fontRef>
+        </p:style>
+        <p:txBody>
+          <a:bodyPr rtlCol="0" anchor="ctr"/>
+          <a:lstStyle/>
+          <a:p>
+            <a:pPr algn="ctr"/>
+            <a:endParaRPr lang="ru-KZ"/>
+          </a:p>
+        </p:txBody>
+      </p:sp>
+      <p:sp>
+        <p:nvSpPr>
+          <p:cNvPr id="5" name="Овал 4">
+            <a:extLst>
+              <a:ext uri="{FF2B5EF4-FFF2-40B4-BE49-F238E27FC236}">
+                <a16:creationId xmlns:a16="http://schemas.microsoft.com/office/drawing/2014/main" id="{78D0EDE3-F214-9623-A228-10EFBBDC97E0}"/>
+              </a:ext>
+            </a:extLst>
+          </p:cNvPr>
+          <p:cNvSpPr/>
+          <p:nvPr/>
+        </p:nvSpPr>
+        <p:spPr>
+          <a:xfrm>
+            <a:off x="6630881" y="-2253844"/>
+            <a:ext cx="5059176" cy="5059176"/>
+          </a:xfrm>
+          <a:prstGeom prst="ellipse">
+            <a:avLst/>
+          </a:prstGeom>
+          <a:solidFill>
+            <a:srgbClr val="4671D5"/>
+          </a:solidFill>
+          <a:ln>
+            <a:noFill/>
+          </a:ln>
+        </p:spPr>
+        <p:style>
+          <a:lnRef idx="2">
+            <a:schemeClr val="accent1">
+              <a:shade val="15000"/>
+            </a:schemeClr>
+          </a:lnRef>
+          <a:fillRef idx="1">
+            <a:schemeClr val="accent1"/>
+          </a:fillRef>
+          <a:effectRef idx="0">
+            <a:schemeClr val="accent1"/>
+          </a:effectRef>
+          <a:fontRef idx="minor">
+            <a:schemeClr val="lt1"/>
+          </a:fontRef>
+        </p:style>
+        <p:txBody>
+          <a:bodyPr rtlCol="0" anchor="ctr"/>
+          <a:lstStyle/>
+          <a:p>
+            <a:pPr algn="ctr"/>
+            <a:endParaRPr lang="ru-KZ"/>
+          </a:p>
+        </p:txBody>
+      </p:sp>
+      <p:sp>
+        <p:nvSpPr>
+          <p:cNvPr id="6" name="Овал 5">
+            <a:extLst>
+              <a:ext uri="{FF2B5EF4-FFF2-40B4-BE49-F238E27FC236}">
+                <a16:creationId xmlns:a16="http://schemas.microsoft.com/office/drawing/2014/main" id="{686A89E8-9913-1658-62F0-13AB5647B300}"/>
+              </a:ext>
+            </a:extLst>
+          </p:cNvPr>
+          <p:cNvSpPr/>
+          <p:nvPr/>
+        </p:nvSpPr>
+        <p:spPr>
+          <a:xfrm>
+            <a:off x="238377" y="2922555"/>
+            <a:ext cx="6002765" cy="6002765"/>
+          </a:xfrm>
+          <a:prstGeom prst="ellipse">
+            <a:avLst/>
+          </a:prstGeom>
+          <a:solidFill>
+            <a:srgbClr val="6C8CD5"/>
+          </a:solidFill>
+          <a:ln>
+            <a:noFill/>
+          </a:ln>
+        </p:spPr>
+        <p:style>
+          <a:lnRef idx="2">
+            <a:schemeClr val="accent1">
+              <a:shade val="15000"/>
+            </a:schemeClr>
+          </a:lnRef>
+          <a:fillRef idx="1">
+            <a:schemeClr val="accent1"/>
+          </a:fillRef>
+          <a:effectRef idx="0">
+            <a:schemeClr val="accent1"/>
+          </a:effectRef>
+          <a:fontRef idx="minor">
+            <a:schemeClr val="lt1"/>
+          </a:fontRef>
+        </p:style>
+        <p:txBody>
+          <a:bodyPr rtlCol="0" anchor="ctr"/>
+          <a:lstStyle/>
+          <a:p>
+            <a:pPr algn="ctr"/>
+            <a:endParaRPr lang="ru-KZ"/>
+          </a:p>
+        </p:txBody>
+      </p:sp>
+      <p:sp>
+        <p:nvSpPr>
+          <p:cNvPr id="7" name="Овал 6">
+            <a:extLst>
+              <a:ext uri="{FF2B5EF4-FFF2-40B4-BE49-F238E27FC236}">
+                <a16:creationId xmlns:a16="http://schemas.microsoft.com/office/drawing/2014/main" id="{E5038763-0501-A4C5-A4B0-B45D98054E48}"/>
+              </a:ext>
+            </a:extLst>
+          </p:cNvPr>
+          <p:cNvSpPr/>
+          <p:nvPr/>
+        </p:nvSpPr>
+        <p:spPr>
+          <a:xfrm>
+            <a:off x="9038364" y="-762947"/>
+            <a:ext cx="4891646" cy="4891646"/>
+          </a:xfrm>
+          <a:prstGeom prst="ellipse">
+            <a:avLst/>
+          </a:prstGeom>
+          <a:solidFill>
+            <a:srgbClr val="6C8CD5"/>
+          </a:solidFill>
+          <a:ln>
+            <a:noFill/>
+          </a:ln>
+        </p:spPr>
+        <p:style>
+          <a:lnRef idx="2">
+            <a:schemeClr val="accent1">
+              <a:shade val="15000"/>
+            </a:schemeClr>
+          </a:lnRef>
+          <a:fillRef idx="1">
+            <a:schemeClr val="accent1"/>
+          </a:fillRef>
+          <a:effectRef idx="0">
+            <a:schemeClr val="accent1"/>
+          </a:effectRef>
+          <a:fontRef idx="minor">
+            <a:schemeClr val="lt1"/>
+          </a:fontRef>
+        </p:style>
+        <p:txBody>
+          <a:bodyPr rtlCol="0" anchor="ctr"/>
+          <a:lstStyle/>
+          <a:p>
+            <a:pPr algn="ctr"/>
+            <a:endParaRPr lang="ru-KZ"/>
+          </a:p>
+        </p:txBody>
+      </p:sp>
+      <p:sp>
+        <p:nvSpPr>
+          <p:cNvPr id="2" name="Заголовок 1">
+            <a:extLst>
+              <a:ext uri="{FF2B5EF4-FFF2-40B4-BE49-F238E27FC236}">
+                <a16:creationId xmlns:a16="http://schemas.microsoft.com/office/drawing/2014/main" id="{C6FBFD37-8CFE-EF66-D3D1-BFDF9B155EBC}"/>
+              </a:ext>
+            </a:extLst>
+          </p:cNvPr>
+          <p:cNvSpPr>
+            <a:spLocks noGrp="1"/>
+          </p:cNvSpPr>
+          <p:nvPr>
+            <p:ph type="ctrTitle"/>
+          </p:nvPr>
+        </p:nvSpPr>
+        <p:spPr>
+          <a:xfrm>
+            <a:off x="1524000" y="2032774"/>
+            <a:ext cx="9144000" cy="2387600"/>
+          </a:xfrm>
+        </p:spPr>
+        <p:txBody>
+          <a:bodyPr>
+            <a:normAutofit/>
+          </a:bodyPr>
+          <a:lstStyle/>
+          <a:p>
+            <a:r>
+              <a:rPr lang="en-US" dirty="0">
+                <a:solidFill>
+                  <a:schemeClr val="bg1"/>
+                </a:solidFill>
+                <a:latin typeface="Segoe UI Black" panose="020B0A02040204020203" pitchFamily="34" charset="0"/>
+                <a:ea typeface="Segoe UI Black" panose="020B0A02040204020203" pitchFamily="34" charset="0"/>
+              </a:rPr>
+              <a:t>EMIT</a:t>
+            </a:r>
+            <a:br>
+              <a:rPr lang="en-US" dirty="0">
+                <a:solidFill>
+                  <a:schemeClr val="bg1"/>
+                </a:solidFill>
+                <a:latin typeface="Segoe UI Black" panose="020B0A02040204020203" pitchFamily="34" charset="0"/>
+                <a:ea typeface="Segoe UI Black" panose="020B0A02040204020203" pitchFamily="34" charset="0"/>
+              </a:rPr>
+            </a:br>
+            <a:r>
+              <a:rPr lang="en-US" dirty="0">
+                <a:solidFill>
+                  <a:schemeClr val="bg1"/>
+                </a:solidFill>
+                <a:latin typeface="Segoe UI Black" panose="020B0A02040204020203" pitchFamily="34" charset="0"/>
+                <a:ea typeface="Segoe UI Black" panose="020B0A02040204020203" pitchFamily="34" charset="0"/>
+              </a:rPr>
+              <a:t>for the future!</a:t>
+            </a:r>
+            <a:endParaRPr lang="ru-KZ" dirty="0">
+              <a:solidFill>
+                <a:schemeClr val="bg1"/>
+              </a:solidFill>
+              <a:latin typeface="Segoe UI Black" panose="020B0A02040204020203" pitchFamily="34" charset="0"/>
+              <a:ea typeface="Segoe UI Black" panose="020B0A02040204020203" pitchFamily="34" charset="0"/>
+            </a:endParaRPr>
+          </a:p>
+        </p:txBody>
+      </p:sp>
+      <p:pic>
+        <p:nvPicPr>
+          <p:cNvPr id="10" name="Рисунок 9">
+            <a:extLst>
+              <a:ext uri="{FF2B5EF4-FFF2-40B4-BE49-F238E27FC236}">
+                <a16:creationId xmlns:a16="http://schemas.microsoft.com/office/drawing/2014/main" id="{7DE41785-B9F7-F375-01F8-F39C38498747}"/>
+              </a:ext>
+            </a:extLst>
+          </p:cNvPr>
+          <p:cNvPicPr>
+            <a:picLocks noChangeAspect="1"/>
+          </p:cNvPicPr>
+          <p:nvPr/>
+        </p:nvPicPr>
+        <p:blipFill>
+          <a:blip r:embed="rId2"/>
+          <a:stretch>
+            <a:fillRect/>
+          </a:stretch>
+        </p:blipFill>
+        <p:spPr>
+          <a:xfrm>
+            <a:off x="2435234" y="7091950"/>
+            <a:ext cx="7611816" cy="3849930"/>
+          </a:xfrm>
+          <a:prstGeom prst="rect">
+            <a:avLst/>
+          </a:prstGeom>
+          <a:ln w="76200">
+            <a:solidFill>
+              <a:schemeClr val="bg1"/>
+            </a:solidFill>
+          </a:ln>
+        </p:spPr>
+      </p:pic>
+      <p:sp>
+        <p:nvSpPr>
+          <p:cNvPr id="8" name="TextBox 7">
+            <a:extLst>
+              <a:ext uri="{FF2B5EF4-FFF2-40B4-BE49-F238E27FC236}">
+                <a16:creationId xmlns:a16="http://schemas.microsoft.com/office/drawing/2014/main" id="{F72E2978-FEF9-4A45-1B85-CA549F02726D}"/>
+              </a:ext>
+            </a:extLst>
+          </p:cNvPr>
+          <p:cNvSpPr txBox="1"/>
+          <p:nvPr/>
+        </p:nvSpPr>
+        <p:spPr>
+          <a:xfrm>
+            <a:off x="271587" y="8098000"/>
+            <a:ext cx="11939109" cy="1477328"/>
+          </a:xfrm>
+          <a:prstGeom prst="rect">
+            <a:avLst/>
+          </a:prstGeom>
+          <a:noFill/>
+        </p:spPr>
+        <p:txBody>
+          <a:bodyPr wrap="square">
+            <a:spAutoFit/>
+          </a:bodyPr>
+          <a:lstStyle/>
+          <a:p>
+            <a:r>
+              <a:rPr lang="en-US" sz="2400" dirty="0">
+                <a:solidFill>
+                  <a:schemeClr val="bg1"/>
+                </a:solidFill>
+                <a:latin typeface="Segoe UI Black" panose="020B0A02040204020203" pitchFamily="34" charset="0"/>
+                <a:ea typeface="Segoe UI Black" panose="020B0A02040204020203" pitchFamily="34" charset="0"/>
+                <a:hlinkClick r:id="rId3">
+                  <a:extLst>
+                    <a:ext uri="{A12FA001-AC4F-418D-AE19-62706E023703}">
+                      <ahyp:hlinkClr xmlns:ahyp="http://schemas.microsoft.com/office/drawing/2018/hyperlinkcolor" val="tx"/>
+                    </a:ext>
+                  </a:extLst>
+                </a:hlinkClick>
+              </a:rPr>
+              <a:t>https://github.com/XtOne777/Pajor/tree/main</a:t>
+            </a:r>
+            <a:br>
+              <a:rPr lang="en-US" sz="2400" dirty="0">
+                <a:solidFill>
+                  <a:schemeClr val="bg1"/>
+                </a:solidFill>
+                <a:latin typeface="Segoe UI Black" panose="020B0A02040204020203" pitchFamily="34" charset="0"/>
+                <a:ea typeface="Segoe UI Black" panose="020B0A02040204020203" pitchFamily="34" charset="0"/>
+              </a:rPr>
+            </a:br>
+            <a:br>
+              <a:rPr lang="en-US" sz="2400" dirty="0">
+                <a:solidFill>
+                  <a:schemeClr val="bg1"/>
+                </a:solidFill>
+                <a:latin typeface="Segoe UI Black" panose="020B0A02040204020203" pitchFamily="34" charset="0"/>
+                <a:ea typeface="Segoe UI Black" panose="020B0A02040204020203" pitchFamily="34" charset="0"/>
+              </a:rPr>
+            </a:br>
+            <a:r>
+              <a:rPr lang="en-US" sz="2400" dirty="0">
+                <a:solidFill>
+                  <a:schemeClr val="bg1"/>
+                </a:solidFill>
+                <a:latin typeface="Segoe UI Black" panose="020B0A02040204020203" pitchFamily="34" charset="0"/>
+                <a:ea typeface="Segoe UI Black" panose="020B0A02040204020203" pitchFamily="34" charset="0"/>
+                <a:hlinkClick r:id="rId4">
+                  <a:extLst>
+                    <a:ext uri="{A12FA001-AC4F-418D-AE19-62706E023703}">
+                      <ahyp:hlinkClr xmlns:ahyp="http://schemas.microsoft.com/office/drawing/2018/hyperlinkcolor" val="tx"/>
+                    </a:ext>
+                  </a:extLst>
+                </a:hlinkClick>
+              </a:rPr>
+              <a:t>https://www.spaceappschallenge.org/2023/challenges/emit-for-the-future/</a:t>
+            </a:r>
+            <a:endParaRPr lang="en-US" sz="2400" dirty="0">
+              <a:solidFill>
+                <a:schemeClr val="bg1"/>
+              </a:solidFill>
+              <a:latin typeface="Segoe UI Black" panose="020B0A02040204020203" pitchFamily="34" charset="0"/>
+              <a:ea typeface="Segoe UI Black" panose="020B0A02040204020203" pitchFamily="34" charset="0"/>
+            </a:endParaRPr>
+          </a:p>
+          <a:p>
+            <a:endParaRPr lang="ru-KZ" dirty="0">
+              <a:solidFill>
+                <a:schemeClr val="bg1"/>
+              </a:solidFill>
+            </a:endParaRPr>
+          </a:p>
+        </p:txBody>
+      </p:sp>
+    </p:spTree>
+    <p:extLst>
+      <p:ext uri="{BB962C8B-B14F-4D97-AF65-F5344CB8AC3E}">
+        <p14:creationId xmlns:p14="http://schemas.microsoft.com/office/powerpoint/2010/main" val="2198328286"/>
+      </p:ext>
+    </p:extLst>
+  </p:cSld>
+  <p:clrMapOvr>
+    <a:masterClrMapping/>
+  </p:clrMapOvr>
+  <mc:AlternateContent xmlns:mc="http://schemas.openxmlformats.org/markup-compatibility/2006">
+    <mc:Choice xmlns:p159="http://schemas.microsoft.com/office/powerpoint/2015/09/main" Requires="p159">
+      <p:transition xmlns:p14="http://schemas.microsoft.com/office/powerpoint/2010/main" spd="slow" p14:dur="2000">
+        <p159:morph option="byObject"/>
+      </p:transition>
+    </mc:Choice>
+    <mc:Fallback>
+      <p:transition spd="slow">
+        <p:fade/>
+      </p:transition>
+    </mc:Fallback>
+  </mc:AlternateContent>
+</p:sld>
+</file>
+
+<file path=ppt/slides/slide7.xml><?xml version="1.0" encoding="utf-8"?>
+<p:sld xmlns:a="http://schemas.openxmlformats.org/drawingml/2006/main" xmlns:r="http://schemas.openxmlformats.org/officeDocument/2006/relationships" xmlns:p="http://schemas.openxmlformats.org/presentationml/2006/main">
+  <p:cSld>
+    <p:bg>
+      <p:bgPr>
+        <a:solidFill>
+          <a:srgbClr val="1240AB"/>
+        </a:solidFill>
+        <a:effectLst/>
+      </p:bgPr>
+    </p:bg>
+    <p:spTree>
+      <p:nvGrpSpPr>
+        <p:cNvPr id="1" name=""/>
+        <p:cNvGrpSpPr/>
+        <p:nvPr/>
+      </p:nvGrpSpPr>
+      <p:grpSpPr>
+        <a:xfrm>
+          <a:off x="0" y="0"/>
+          <a:ext cx="0" cy="0"/>
+          <a:chOff x="0" y="0"/>
+          <a:chExt cx="0" cy="0"/>
+        </a:xfrm>
+      </p:grpSpPr>
+      <p:sp>
+        <p:nvSpPr>
+          <p:cNvPr id="4" name="Овал 3">
+            <a:extLst>
+              <a:ext uri="{FF2B5EF4-FFF2-40B4-BE49-F238E27FC236}">
+                <a16:creationId xmlns:a16="http://schemas.microsoft.com/office/drawing/2014/main" id="{30410C27-559F-A5A6-A7D8-4E63C0D678C6}"/>
+              </a:ext>
+            </a:extLst>
+          </p:cNvPr>
+          <p:cNvSpPr/>
+          <p:nvPr/>
+        </p:nvSpPr>
+        <p:spPr>
+          <a:xfrm>
+            <a:off x="-2169106" y="1552000"/>
+            <a:ext cx="6002765" cy="6002765"/>
+          </a:xfrm>
+          <a:prstGeom prst="ellipse">
+            <a:avLst/>
+          </a:prstGeom>
+          <a:solidFill>
+            <a:srgbClr val="4671D5"/>
+          </a:solidFill>
+          <a:ln>
+            <a:noFill/>
+          </a:ln>
+        </p:spPr>
+        <p:style>
+          <a:lnRef idx="2">
+            <a:schemeClr val="accent1">
+              <a:shade val="15000"/>
+            </a:schemeClr>
+          </a:lnRef>
+          <a:fillRef idx="1">
+            <a:schemeClr val="accent1"/>
+          </a:fillRef>
+          <a:effectRef idx="0">
+            <a:schemeClr val="accent1"/>
+          </a:effectRef>
+          <a:fontRef idx="minor">
+            <a:schemeClr val="lt1"/>
+          </a:fontRef>
+        </p:style>
+        <p:txBody>
+          <a:bodyPr rtlCol="0" anchor="ctr"/>
+          <a:lstStyle/>
+          <a:p>
+            <a:pPr algn="ctr"/>
+            <a:endParaRPr lang="ru-KZ"/>
+          </a:p>
+        </p:txBody>
+      </p:sp>
+      <p:sp>
+        <p:nvSpPr>
+          <p:cNvPr id="5" name="Овал 4">
+            <a:extLst>
+              <a:ext uri="{FF2B5EF4-FFF2-40B4-BE49-F238E27FC236}">
+                <a16:creationId xmlns:a16="http://schemas.microsoft.com/office/drawing/2014/main" id="{78D0EDE3-F214-9623-A228-10EFBBDC97E0}"/>
+              </a:ext>
+            </a:extLst>
+          </p:cNvPr>
+          <p:cNvSpPr/>
+          <p:nvPr/>
+        </p:nvSpPr>
+        <p:spPr>
+          <a:xfrm>
+            <a:off x="6630881" y="-2253844"/>
+            <a:ext cx="5059176" cy="5059176"/>
+          </a:xfrm>
+          <a:prstGeom prst="ellipse">
+            <a:avLst/>
+          </a:prstGeom>
+          <a:solidFill>
+            <a:srgbClr val="4671D5"/>
+          </a:solidFill>
+          <a:ln>
+            <a:noFill/>
+          </a:ln>
+        </p:spPr>
+        <p:style>
+          <a:lnRef idx="2">
+            <a:schemeClr val="accent1">
+              <a:shade val="15000"/>
+            </a:schemeClr>
+          </a:lnRef>
+          <a:fillRef idx="1">
+            <a:schemeClr val="accent1"/>
+          </a:fillRef>
+          <a:effectRef idx="0">
+            <a:schemeClr val="accent1"/>
+          </a:effectRef>
+          <a:fontRef idx="minor">
+            <a:schemeClr val="lt1"/>
+          </a:fontRef>
+        </p:style>
+        <p:txBody>
+          <a:bodyPr rtlCol="0" anchor="ctr"/>
+          <a:lstStyle/>
+          <a:p>
+            <a:pPr algn="ctr"/>
+            <a:endParaRPr lang="ru-KZ"/>
+          </a:p>
+        </p:txBody>
+      </p:sp>
+      <p:sp>
+        <p:nvSpPr>
+          <p:cNvPr id="6" name="Овал 5">
+            <a:extLst>
+              <a:ext uri="{FF2B5EF4-FFF2-40B4-BE49-F238E27FC236}">
+                <a16:creationId xmlns:a16="http://schemas.microsoft.com/office/drawing/2014/main" id="{686A89E8-9913-1658-62F0-13AB5647B300}"/>
+              </a:ext>
+            </a:extLst>
+          </p:cNvPr>
+          <p:cNvSpPr/>
+          <p:nvPr/>
+        </p:nvSpPr>
+        <p:spPr>
+          <a:xfrm>
+            <a:off x="238377" y="2922555"/>
+            <a:ext cx="6002765" cy="6002765"/>
+          </a:xfrm>
+          <a:prstGeom prst="ellipse">
+            <a:avLst/>
+          </a:prstGeom>
+          <a:solidFill>
+            <a:srgbClr val="6C8CD5"/>
+          </a:solidFill>
+          <a:ln>
+            <a:noFill/>
+          </a:ln>
+        </p:spPr>
+        <p:style>
+          <a:lnRef idx="2">
+            <a:schemeClr val="accent1">
+              <a:shade val="15000"/>
+            </a:schemeClr>
+          </a:lnRef>
+          <a:fillRef idx="1">
+            <a:schemeClr val="accent1"/>
+          </a:fillRef>
+          <a:effectRef idx="0">
+            <a:schemeClr val="accent1"/>
+          </a:effectRef>
+          <a:fontRef idx="minor">
+            <a:schemeClr val="lt1"/>
+          </a:fontRef>
+        </p:style>
+        <p:txBody>
+          <a:bodyPr rtlCol="0" anchor="ctr"/>
+          <a:lstStyle/>
+          <a:p>
+            <a:pPr algn="ctr"/>
+            <a:endParaRPr lang="ru-KZ"/>
+          </a:p>
+        </p:txBody>
+      </p:sp>
+      <p:sp>
+        <p:nvSpPr>
+          <p:cNvPr id="7" name="Овал 6">
+            <a:extLst>
+              <a:ext uri="{FF2B5EF4-FFF2-40B4-BE49-F238E27FC236}">
+                <a16:creationId xmlns:a16="http://schemas.microsoft.com/office/drawing/2014/main" id="{E5038763-0501-A4C5-A4B0-B45D98054E48}"/>
+              </a:ext>
+            </a:extLst>
+          </p:cNvPr>
+          <p:cNvSpPr/>
+          <p:nvPr/>
+        </p:nvSpPr>
+        <p:spPr>
+          <a:xfrm>
+            <a:off x="9038364" y="-762947"/>
+            <a:ext cx="4891646" cy="4891646"/>
+          </a:xfrm>
+          <a:prstGeom prst="ellipse">
+            <a:avLst/>
+          </a:prstGeom>
+          <a:solidFill>
+            <a:srgbClr val="6C8CD5"/>
+          </a:solidFill>
+          <a:ln>
+            <a:noFill/>
+          </a:ln>
+        </p:spPr>
+        <p:style>
+          <a:lnRef idx="2">
+            <a:schemeClr val="accent1">
+              <a:shade val="15000"/>
+            </a:schemeClr>
+          </a:lnRef>
+          <a:fillRef idx="1">
+            <a:schemeClr val="accent1"/>
+          </a:fillRef>
+          <a:effectRef idx="0">
+            <a:schemeClr val="accent1"/>
+          </a:effectRef>
+          <a:fontRef idx="minor">
+            <a:schemeClr val="lt1"/>
+          </a:fontRef>
+        </p:style>
+        <p:txBody>
+          <a:bodyPr rtlCol="0" anchor="ctr"/>
+          <a:lstStyle/>
+          <a:p>
+            <a:pPr algn="ctr"/>
+            <a:endParaRPr lang="ru-KZ"/>
+          </a:p>
+        </p:txBody>
+      </p:sp>
+      <p:sp>
+        <p:nvSpPr>
+          <p:cNvPr id="2" name="Заголовок 1">
+            <a:extLst>
+              <a:ext uri="{FF2B5EF4-FFF2-40B4-BE49-F238E27FC236}">
+                <a16:creationId xmlns:a16="http://schemas.microsoft.com/office/drawing/2014/main" id="{C6FBFD37-8CFE-EF66-D3D1-BFDF9B155EBC}"/>
+              </a:ext>
+            </a:extLst>
+          </p:cNvPr>
+          <p:cNvSpPr>
+            <a:spLocks noGrp="1"/>
+          </p:cNvSpPr>
+          <p:nvPr>
+            <p:ph type="ctrTitle"/>
+          </p:nvPr>
+        </p:nvSpPr>
+        <p:spPr>
+          <a:xfrm>
             <a:off x="1524000" y="-719238"/>
             <a:ext cx="9144000" cy="2387600"/>
           </a:xfrm>
@@ -5737,7 +9097,7 @@
   </p:clrMapOvr>
   <mc:AlternateContent xmlns:mc="http://schemas.openxmlformats.org/markup-compatibility/2006">
     <mc:Choice xmlns:p159="http://schemas.microsoft.com/office/powerpoint/2015/09/main" Requires="p159">
-      <p:transition xmlns:p14="http://schemas.microsoft.com/office/powerpoint/2010/main" spd="slow" p14:dur="1500">
+      <p:transition xmlns:p14="http://schemas.microsoft.com/office/powerpoint/2010/main" spd="slow" p14:dur="2000">
         <p159:morph option="byObject"/>
       </p:transition>
     </mc:Choice>
@@ -6043,4 +9403,299 @@
     </a:ext>
   </a:extLst>
 </a:theme>
+</file>
+
+<file path=ppt/theme/theme2.xml><?xml version="1.0" encoding="utf-8"?>
+<a:theme xmlns:a="http://schemas.openxmlformats.org/drawingml/2006/main" name="Тема Office">
+  <a:themeElements>
+    <a:clrScheme name="Стандартная">
+      <a:dk1>
+        <a:sysClr val="windowText" lastClr="000000"/>
+      </a:dk1>
+      <a:lt1>
+        <a:sysClr val="window" lastClr="FFFFFF"/>
+      </a:lt1>
+      <a:dk2>
+        <a:srgbClr val="44546A"/>
+      </a:dk2>
+      <a:lt2>
+        <a:srgbClr val="E7E6E6"/>
+      </a:lt2>
+      <a:accent1>
+        <a:srgbClr val="4472C4"/>
+      </a:accent1>
+      <a:accent2>
+        <a:srgbClr val="ED7D31"/>
+      </a:accent2>
+      <a:accent3>
+        <a:srgbClr val="A5A5A5"/>
+      </a:accent3>
+      <a:accent4>
+        <a:srgbClr val="FFC000"/>
+      </a:accent4>
+      <a:accent5>
+        <a:srgbClr val="5B9BD5"/>
+      </a:accent5>
+      <a:accent6>
+        <a:srgbClr val="70AD47"/>
+      </a:accent6>
+      <a:hlink>
+        <a:srgbClr val="0563C1"/>
+      </a:hlink>
+      <a:folHlink>
+        <a:srgbClr val="954F72"/>
+      </a:folHlink>
+    </a:clrScheme>
+    <a:fontScheme name="Стандартная">
+      <a:majorFont>
+        <a:latin typeface="Calibri Light" panose="020F0302020204030204"/>
+        <a:ea typeface=""/>
+        <a:cs typeface=""/>
+        <a:font script="Jpan" typeface="游ゴシック Light"/>
+        <a:font script="Hang" typeface="맑은 고딕"/>
+        <a:font script="Hans" typeface="等线 Light"/>
+        <a:font script="Hant" typeface="新細明體"/>
+        <a:font script="Arab" typeface="Times New Roman"/>
+        <a:font script="Hebr" typeface="Times New Roman"/>
+        <a:font script="Thai" typeface="Angsana New"/>
+        <a:font script="Ethi" typeface="Nyala"/>
+        <a:font script="Beng" typeface="Vrinda"/>
+        <a:font script="Gujr" typeface="Shruti"/>
+        <a:font script="Khmr" typeface="MoolBoran"/>
+        <a:font script="Knda" typeface="Tunga"/>
+        <a:font script="Guru" typeface="Raavi"/>
+        <a:font script="Cans" typeface="Euphemia"/>
+        <a:font script="Cher" typeface="Plantagenet Cherokee"/>
+        <a:font script="Yiii" typeface="Microsoft Yi Baiti"/>
+        <a:font script="Tibt" typeface="Microsoft Himalaya"/>
+        <a:font script="Thaa" typeface="MV Boli"/>
+        <a:font script="Deva" typeface="Mangal"/>
+        <a:font script="Telu" typeface="Gautami"/>
+        <a:font script="Taml" typeface="Latha"/>
+        <a:font script="Syrc" typeface="Estrangelo Edessa"/>
+        <a:font script="Orya" typeface="Kalinga"/>
+        <a:font script="Mlym" typeface="Kartika"/>
+        <a:font script="Laoo" typeface="DokChampa"/>
+        <a:font script="Sinh" typeface="Iskoola Pota"/>
+        <a:font script="Mong" typeface="Mongolian Baiti"/>
+        <a:font script="Viet" typeface="Times New Roman"/>
+        <a:font script="Uigh" typeface="Microsoft Uighur"/>
+        <a:font script="Geor" typeface="Sylfaen"/>
+        <a:font script="Armn" typeface="Arial"/>
+        <a:font script="Bugi" typeface="Leelawadee UI"/>
+        <a:font script="Bopo" typeface="Microsoft JhengHei"/>
+        <a:font script="Java" typeface="Javanese Text"/>
+        <a:font script="Lisu" typeface="Segoe UI"/>
+        <a:font script="Mymr" typeface="Myanmar Text"/>
+        <a:font script="Nkoo" typeface="Ebrima"/>
+        <a:font script="Olck" typeface="Nirmala UI"/>
+        <a:font script="Osma" typeface="Ebrima"/>
+        <a:font script="Phag" typeface="Phagspa"/>
+        <a:font script="Syrn" typeface="Estrangelo Edessa"/>
+        <a:font script="Syrj" typeface="Estrangelo Edessa"/>
+        <a:font script="Syre" typeface="Estrangelo Edessa"/>
+        <a:font script="Sora" typeface="Nirmala UI"/>
+        <a:font script="Tale" typeface="Microsoft Tai Le"/>
+        <a:font script="Talu" typeface="Microsoft New Tai Lue"/>
+        <a:font script="Tfng" typeface="Ebrima"/>
+      </a:majorFont>
+      <a:minorFont>
+        <a:latin typeface="Calibri" panose="020F0502020204030204"/>
+        <a:ea typeface=""/>
+        <a:cs typeface=""/>
+        <a:font script="Jpan" typeface="游ゴシック"/>
+        <a:font script="Hang" typeface="맑은 고딕"/>
+        <a:font script="Hans" typeface="等线"/>
+        <a:font script="Hant" typeface="新細明體"/>
+        <a:font script="Arab" typeface="Arial"/>
+        <a:font script="Hebr" typeface="Arial"/>
+        <a:font script="Thai" typeface="Cordia New"/>
+        <a:font script="Ethi" typeface="Nyala"/>
+        <a:font script="Beng" typeface="Vrinda"/>
+        <a:font script="Gujr" typeface="Shruti"/>
+        <a:font script="Khmr" typeface="DaunPenh"/>
+        <a:font script="Knda" typeface="Tunga"/>
+        <a:font script="Guru" typeface="Raavi"/>
+        <a:font script="Cans" typeface="Euphemia"/>
+        <a:font script="Cher" typeface="Plantagenet Cherokee"/>
+        <a:font script="Yiii" typeface="Microsoft Yi Baiti"/>
+        <a:font script="Tibt" typeface="Microsoft Himalaya"/>
+        <a:font script="Thaa" typeface="MV Boli"/>
+        <a:font script="Deva" typeface="Mangal"/>
+        <a:font script="Telu" typeface="Gautami"/>
+        <a:font script="Taml" typeface="Latha"/>
+        <a:font script="Syrc" typeface="Estrangelo Edessa"/>
+        <a:font script="Orya" typeface="Kalinga"/>
+        <a:font script="Mlym" typeface="Kartika"/>
+        <a:font script="Laoo" typeface="DokChampa"/>
+        <a:font script="Sinh" typeface="Iskoola Pota"/>
+        <a:font script="Mong" typeface="Mongolian Baiti"/>
+        <a:font script="Viet" typeface="Arial"/>
+        <a:font script="Uigh" typeface="Microsoft Uighur"/>
+        <a:font script="Geor" typeface="Sylfaen"/>
+        <a:font script="Armn" typeface="Arial"/>
+        <a:font script="Bugi" typeface="Leelawadee UI"/>
+        <a:font script="Bopo" typeface="Microsoft JhengHei"/>
+        <a:font script="Java" typeface="Javanese Text"/>
+        <a:font script="Lisu" typeface="Segoe UI"/>
+        <a:font script="Mymr" typeface="Myanmar Text"/>
+        <a:font script="Nkoo" typeface="Ebrima"/>
+        <a:font script="Olck" typeface="Nirmala UI"/>
+        <a:font script="Osma" typeface="Ebrima"/>
+        <a:font script="Phag" typeface="Phagspa"/>
+        <a:font script="Syrn" typeface="Estrangelo Edessa"/>
+        <a:font script="Syrj" typeface="Estrangelo Edessa"/>
+        <a:font script="Syre" typeface="Estrangelo Edessa"/>
+        <a:font script="Sora" typeface="Nirmala UI"/>
+        <a:font script="Tale" typeface="Microsoft Tai Le"/>
+        <a:font script="Talu" typeface="Microsoft New Tai Lue"/>
+        <a:font script="Tfng" typeface="Ebrima"/>
+      </a:minorFont>
+    </a:fontScheme>
+    <a:fmtScheme name="Стандартная">
+      <a:fillStyleLst>
+        <a:solidFill>
+          <a:schemeClr val="phClr"/>
+        </a:solidFill>
+        <a:gradFill rotWithShape="1">
+          <a:gsLst>
+            <a:gs pos="0">
+              <a:schemeClr val="phClr">
+                <a:lumMod val="110000"/>
+                <a:satMod val="105000"/>
+                <a:tint val="67000"/>
+              </a:schemeClr>
+            </a:gs>
+            <a:gs pos="50000">
+              <a:schemeClr val="phClr">
+                <a:lumMod val="105000"/>
+                <a:satMod val="103000"/>
+                <a:tint val="73000"/>
+              </a:schemeClr>
+            </a:gs>
+            <a:gs pos="100000">
+              <a:schemeClr val="phClr">
+                <a:lumMod val="105000"/>
+                <a:satMod val="109000"/>
+                <a:tint val="81000"/>
+              </a:schemeClr>
+            </a:gs>
+          </a:gsLst>
+          <a:lin ang="5400000" scaled="0"/>
+        </a:gradFill>
+        <a:gradFill rotWithShape="1">
+          <a:gsLst>
+            <a:gs pos="0">
+              <a:schemeClr val="phClr">
+                <a:satMod val="103000"/>
+                <a:lumMod val="102000"/>
+                <a:tint val="94000"/>
+              </a:schemeClr>
+            </a:gs>
+            <a:gs pos="50000">
+              <a:schemeClr val="phClr">
+                <a:satMod val="110000"/>
+                <a:lumMod val="100000"/>
+                <a:shade val="100000"/>
+              </a:schemeClr>
+            </a:gs>
+            <a:gs pos="100000">
+              <a:schemeClr val="phClr">
+                <a:lumMod val="99000"/>
+                <a:satMod val="120000"/>
+                <a:shade val="78000"/>
+              </a:schemeClr>
+            </a:gs>
+          </a:gsLst>
+          <a:lin ang="5400000" scaled="0"/>
+        </a:gradFill>
+      </a:fillStyleLst>
+      <a:lnStyleLst>
+        <a:ln w="6350" cap="flat" cmpd="sng" algn="ctr">
+          <a:solidFill>
+            <a:schemeClr val="phClr"/>
+          </a:solidFill>
+          <a:prstDash val="solid"/>
+          <a:miter lim="800000"/>
+        </a:ln>
+        <a:ln w="12700" cap="flat" cmpd="sng" algn="ctr">
+          <a:solidFill>
+            <a:schemeClr val="phClr"/>
+          </a:solidFill>
+          <a:prstDash val="solid"/>
+          <a:miter lim="800000"/>
+        </a:ln>
+        <a:ln w="19050" cap="flat" cmpd="sng" algn="ctr">
+          <a:solidFill>
+            <a:schemeClr val="phClr"/>
+          </a:solidFill>
+          <a:prstDash val="solid"/>
+          <a:miter lim="800000"/>
+        </a:ln>
+      </a:lnStyleLst>
+      <a:effectStyleLst>
+        <a:effectStyle>
+          <a:effectLst/>
+        </a:effectStyle>
+        <a:effectStyle>
+          <a:effectLst/>
+        </a:effectStyle>
+        <a:effectStyle>
+          <a:effectLst>
+            <a:outerShdw blurRad="57150" dist="19050" dir="5400000" algn="ctr" rotWithShape="0">
+              <a:srgbClr val="000000">
+                <a:alpha val="63000"/>
+              </a:srgbClr>
+            </a:outerShdw>
+          </a:effectLst>
+        </a:effectStyle>
+      </a:effectStyleLst>
+      <a:bgFillStyleLst>
+        <a:solidFill>
+          <a:schemeClr val="phClr"/>
+        </a:solidFill>
+        <a:solidFill>
+          <a:schemeClr val="phClr">
+            <a:tint val="95000"/>
+            <a:satMod val="170000"/>
+          </a:schemeClr>
+        </a:solidFill>
+        <a:gradFill rotWithShape="1">
+          <a:gsLst>
+            <a:gs pos="0">
+              <a:schemeClr val="phClr">
+                <a:tint val="93000"/>
+                <a:satMod val="150000"/>
+                <a:shade val="98000"/>
+                <a:lumMod val="102000"/>
+              </a:schemeClr>
+            </a:gs>
+            <a:gs pos="50000">
+              <a:schemeClr val="phClr">
+                <a:tint val="98000"/>
+                <a:satMod val="130000"/>
+                <a:shade val="90000"/>
+                <a:lumMod val="103000"/>
+              </a:schemeClr>
+            </a:gs>
+            <a:gs pos="100000">
+              <a:schemeClr val="phClr">
+                <a:shade val="63000"/>
+                <a:satMod val="120000"/>
+              </a:schemeClr>
+            </a:gs>
+          </a:gsLst>
+          <a:lin ang="5400000" scaled="0"/>
+        </a:gradFill>
+      </a:bgFillStyleLst>
+    </a:fmtScheme>
+  </a:themeElements>
+  <a:objectDefaults/>
+  <a:extraClrSchemeLst/>
+  <a:extLst>
+    <a:ext uri="{05A4C25C-085E-4340-85A3-A5531E510DB2}">
+      <thm15:themeFamily xmlns:thm15="http://schemas.microsoft.com/office/thememl/2012/main" name="Office Theme" id="{62F939B6-93AF-4DB8-9C6B-D6C7DFDC589F}" vid="{4A3C46E8-61CC-4603-A589-7422A47A8E4A}"/>
+    </a:ext>
+  </a:extLst>
+</a:theme>
 </file>